--- a/tutorial/Plots_ddm_docker_ms.pptx
+++ b/tutorial/Plots_ddm_docker_ms.pptx
@@ -5,14 +5,13 @@
     <p:sldMasterId id="2147483659" r:id="rId1"/>
   </p:sldMasterIdLst>
   <p:notesMasterIdLst>
-    <p:notesMasterId r:id="rId5"/>
+    <p:notesMasterId r:id="rId4"/>
   </p:notesMasterIdLst>
   <p:sldIdLst>
-    <p:sldId id="256" r:id="rId2"/>
-    <p:sldId id="257" r:id="rId3"/>
-    <p:sldId id="258" r:id="rId4"/>
+    <p:sldId id="257" r:id="rId2"/>
+    <p:sldId id="258" r:id="rId3"/>
   </p:sldIdLst>
-  <p:sldSz cx="9144000" cy="5143500" type="screen16x9"/>
+  <p:sldSz cx="10799763" cy="5759450"/>
   <p:notesSz cx="6858000" cy="9144000"/>
   <p:defaultTextStyle>
     <a:defPPr marR="0" lvl="0" algn="l" rtl="0">
@@ -246,17 +245,17 @@
   <p:extLst>
     <p:ext uri="{EFAFB233-063F-42B5-8137-9DF3F51BA10A}">
       <p15:sldGuideLst xmlns:p15="http://schemas.microsoft.com/office/powerpoint/2012/main">
-        <p15:guide id="1" orient="horz" pos="2391" userDrawn="1">
+        <p15:guide id="1" orient="horz" pos="2449" userDrawn="1">
           <p15:clr>
             <a:srgbClr val="A4A3A4"/>
           </p15:clr>
         </p15:guide>
-        <p15:guide id="2" pos="2245" userDrawn="1">
+        <p15:guide id="2" pos="4527" userDrawn="1">
           <p15:clr>
             <a:srgbClr val="A4A3A4"/>
           </p15:clr>
         </p15:guide>
-        <p15:guide id="3" orient="horz" pos="1776">
+        <p15:guide id="3" orient="horz" pos="3186" userDrawn="1">
           <p15:clr>
             <a:srgbClr val="9AA0A6"/>
           </p15:clr>
@@ -301,8 +300,8 @@
         </p:nvSpPr>
         <p:spPr>
           <a:xfrm>
-            <a:off x="381300" y="685800"/>
-            <a:ext cx="6096075" cy="3429000"/>
+            <a:off x="214313" y="685800"/>
+            <a:ext cx="6429375" cy="3429000"/>
           </a:xfrm>
           <a:custGeom>
             <a:avLst/>
@@ -713,7 +712,7 @@
   <p:cSld>
     <p:spTree>
       <p:nvGrpSpPr>
-        <p:cNvPr id="1" name="Shape 50"/>
+        <p:cNvPr id="1" name="Shape 56"/>
         <p:cNvGrpSpPr/>
         <p:nvPr/>
       </p:nvGrpSpPr>
@@ -727,7 +726,7 @@
       </p:grpSpPr>
       <p:sp>
         <p:nvSpPr>
-          <p:cNvPr id="51" name="Google Shape;51;p:notes"/>
+          <p:cNvPr id="57" name="Google Shape;57;g109c60d135c_0_0:notes"/>
           <p:cNvSpPr>
             <a:spLocks noGrp="1" noRot="1" noChangeAspect="1"/>
           </p:cNvSpPr>
@@ -737,8 +736,8 @@
         </p:nvSpPr>
         <p:spPr>
           <a:xfrm>
-            <a:off x="381300" y="685800"/>
-            <a:ext cx="6096075" cy="3429000"/>
+            <a:off x="214313" y="685800"/>
+            <a:ext cx="6429375" cy="3429000"/>
           </a:xfrm>
           <a:custGeom>
             <a:avLst/>
@@ -768,7 +767,7 @@
       </p:sp>
       <p:sp>
         <p:nvSpPr>
-          <p:cNvPr id="52" name="Google Shape;52;p:notes"/>
+          <p:cNvPr id="58" name="Google Shape;58;g109c60d135c_0_0:notes"/>
           <p:cNvSpPr txBox="1">
             <a:spLocks noGrp="1"/>
           </p:cNvSpPr>
@@ -800,7 +799,7 @@
               </a:spcAft>
               <a:buNone/>
             </a:pPr>
-            <a:endParaRPr/>
+            <a:endParaRPr dirty="0"/>
           </a:p>
         </p:txBody>
       </p:sp>
@@ -813,110 +812,6 @@
 </file>
 
 <file path=ppt/notesSlides/notesSlide2.xml><?xml version="1.0" encoding="utf-8"?>
-<p:notes xmlns:a="http://schemas.openxmlformats.org/drawingml/2006/main" xmlns:r="http://schemas.openxmlformats.org/officeDocument/2006/relationships" xmlns:p="http://schemas.openxmlformats.org/presentationml/2006/main" showMasterSp="0" showMasterPhAnim="0">
-  <p:cSld>
-    <p:spTree>
-      <p:nvGrpSpPr>
-        <p:cNvPr id="1" name="Shape 56"/>
-        <p:cNvGrpSpPr/>
-        <p:nvPr/>
-      </p:nvGrpSpPr>
-      <p:grpSpPr>
-        <a:xfrm>
-          <a:off x="0" y="0"/>
-          <a:ext cx="0" cy="0"/>
-          <a:chOff x="0" y="0"/>
-          <a:chExt cx="0" cy="0"/>
-        </a:xfrm>
-      </p:grpSpPr>
-      <p:sp>
-        <p:nvSpPr>
-          <p:cNvPr id="57" name="Google Shape;57;g109c60d135c_0_0:notes"/>
-          <p:cNvSpPr>
-            <a:spLocks noGrp="1" noRot="1" noChangeAspect="1"/>
-          </p:cNvSpPr>
-          <p:nvPr>
-            <p:ph type="sldImg" idx="2"/>
-          </p:nvPr>
-        </p:nvSpPr>
-        <p:spPr>
-          <a:xfrm>
-            <a:off x="381000" y="685800"/>
-            <a:ext cx="6096000" cy="3429000"/>
-          </a:xfrm>
-          <a:custGeom>
-            <a:avLst/>
-            <a:gdLst/>
-            <a:ahLst/>
-            <a:cxnLst/>
-            <a:rect l="l" t="t" r="r" b="b"/>
-            <a:pathLst>
-              <a:path w="120000" h="120000" extrusionOk="0">
-                <a:moveTo>
-                  <a:pt x="0" y="0"/>
-                </a:moveTo>
-                <a:lnTo>
-                  <a:pt x="120000" y="0"/>
-                </a:lnTo>
-                <a:lnTo>
-                  <a:pt x="120000" y="120000"/>
-                </a:lnTo>
-                <a:lnTo>
-                  <a:pt x="0" y="120000"/>
-                </a:lnTo>
-                <a:close/>
-              </a:path>
-            </a:pathLst>
-          </a:custGeom>
-        </p:spPr>
-      </p:sp>
-      <p:sp>
-        <p:nvSpPr>
-          <p:cNvPr id="58" name="Google Shape;58;g109c60d135c_0_0:notes"/>
-          <p:cNvSpPr txBox="1">
-            <a:spLocks noGrp="1"/>
-          </p:cNvSpPr>
-          <p:nvPr>
-            <p:ph type="body" idx="1"/>
-          </p:nvPr>
-        </p:nvSpPr>
-        <p:spPr>
-          <a:xfrm>
-            <a:off x="685800" y="4343400"/>
-            <a:ext cx="5486400" cy="4114800"/>
-          </a:xfrm>
-          <a:prstGeom prst="rect">
-            <a:avLst/>
-          </a:prstGeom>
-        </p:spPr>
-        <p:txBody>
-          <a:bodyPr spcFirstLastPara="1" wrap="square" lIns="91425" tIns="91425" rIns="91425" bIns="91425" anchor="t" anchorCtr="0">
-            <a:noAutofit/>
-          </a:bodyPr>
-          <a:lstStyle/>
-          <a:p>
-            <a:pPr marL="0" lvl="0" indent="0" algn="l" rtl="0">
-              <a:spcBef>
-                <a:spcPts val="0"/>
-              </a:spcBef>
-              <a:spcAft>
-                <a:spcPts val="0"/>
-              </a:spcAft>
-              <a:buNone/>
-            </a:pPr>
-            <a:endParaRPr/>
-          </a:p>
-        </p:txBody>
-      </p:sp>
-    </p:spTree>
-  </p:cSld>
-  <p:clrMapOvr>
-    <a:masterClrMapping/>
-  </p:clrMapOvr>
-</p:notes>
-</file>
-
-<file path=ppt/notesSlides/notesSlide3.xml><?xml version="1.0" encoding="utf-8"?>
 <p:notes xmlns:a="http://schemas.openxmlformats.org/drawingml/2006/main" xmlns:r="http://schemas.openxmlformats.org/officeDocument/2006/relationships" xmlns:p="http://schemas.openxmlformats.org/presentationml/2006/main" showMasterSp="0" showMasterPhAnim="0">
   <p:cSld>
     <p:spTree>
@@ -945,8 +840,8 @@
         </p:nvSpPr>
         <p:spPr>
           <a:xfrm>
-            <a:off x="381000" y="685800"/>
-            <a:ext cx="6096000" cy="3429000"/>
+            <a:off x="214313" y="685800"/>
+            <a:ext cx="6429375" cy="3429000"/>
           </a:xfrm>
           <a:custGeom>
             <a:avLst/>
@@ -1008,7 +903,7 @@
               </a:spcAft>
               <a:buNone/>
             </a:pPr>
-            <a:endParaRPr/>
+            <a:endParaRPr dirty="0"/>
           </a:p>
         </p:txBody>
       </p:sp>
@@ -1021,11 +916,11 @@
 </file>
 
 <file path=ppt/slideLayouts/slideLayout1.xml><?xml version="1.0" encoding="utf-8"?>
-<p:sldLayout xmlns:a="http://schemas.openxmlformats.org/drawingml/2006/main" xmlns:r="http://schemas.openxmlformats.org/officeDocument/2006/relationships" xmlns:p="http://schemas.openxmlformats.org/presentationml/2006/main" matchingName="Title slide" type="title">
-  <p:cSld name="TITLE">
+<p:sldLayout xmlns:a="http://schemas.openxmlformats.org/drawingml/2006/main" xmlns:r="http://schemas.openxmlformats.org/officeDocument/2006/relationships" xmlns:p="http://schemas.openxmlformats.org/presentationml/2006/main" matchingName="Section header" type="secHead">
+  <p:cSld name="SECTION_HEADER">
     <p:spTree>
       <p:nvGrpSpPr>
-        <p:cNvPr id="1" name="Shape 9"/>
+        <p:cNvPr id="1" name="Shape 13"/>
         <p:cNvGrpSpPr/>
         <p:nvPr/>
       </p:nvGrpSpPr>
@@ -1039,25 +934,25 @@
       </p:grpSpPr>
       <p:sp>
         <p:nvSpPr>
-          <p:cNvPr id="10" name="Google Shape;10;p2"/>
+          <p:cNvPr id="14" name="Google Shape;14;p3"/>
           <p:cNvSpPr txBox="1">
             <a:spLocks noGrp="1"/>
           </p:cNvSpPr>
           <p:nvPr>
-            <p:ph type="ctrTitle"/>
+            <p:ph type="title"/>
           </p:nvPr>
         </p:nvSpPr>
         <p:spPr>
           <a:xfrm>
-            <a:off x="311708" y="744575"/>
-            <a:ext cx="8520600" cy="2052600"/>
+            <a:off x="368142" y="2408421"/>
+            <a:ext cx="10063480" cy="942608"/>
           </a:xfrm>
           <a:prstGeom prst="rect">
             <a:avLst/>
           </a:prstGeom>
         </p:spPr>
         <p:txBody>
-          <a:bodyPr spcFirstLastPara="1" wrap="square" lIns="91425" tIns="91425" rIns="91425" bIns="91425" anchor="b" anchorCtr="0">
+          <a:bodyPr spcFirstLastPara="1" wrap="square" lIns="91425" tIns="91425" rIns="91425" bIns="91425" anchor="ctr" anchorCtr="0">
             <a:normAutofit/>
           </a:bodyPr>
           <a:lstStyle>
@@ -1068,9 +963,9 @@
               <a:spcAft>
                 <a:spcPts val="0"/>
               </a:spcAft>
-              <a:buSzPts val="5200"/>
-              <a:buNone/>
-              <a:defRPr sz="5200"/>
+              <a:buSzPts val="3600"/>
+              <a:buNone/>
+              <a:defRPr sz="3600"/>
             </a:lvl1pPr>
             <a:lvl2pPr lvl="1" algn="ctr">
               <a:spcBef>
@@ -1079,9 +974,9 @@
               <a:spcAft>
                 <a:spcPts val="0"/>
               </a:spcAft>
-              <a:buSzPts val="5200"/>
-              <a:buNone/>
-              <a:defRPr sz="5200"/>
+              <a:buSzPts val="3600"/>
+              <a:buNone/>
+              <a:defRPr sz="3600"/>
             </a:lvl2pPr>
             <a:lvl3pPr lvl="2" algn="ctr">
               <a:spcBef>
@@ -1090,9 +985,9 @@
               <a:spcAft>
                 <a:spcPts val="0"/>
               </a:spcAft>
-              <a:buSzPts val="5200"/>
-              <a:buNone/>
-              <a:defRPr sz="5200"/>
+              <a:buSzPts val="3600"/>
+              <a:buNone/>
+              <a:defRPr sz="3600"/>
             </a:lvl3pPr>
             <a:lvl4pPr lvl="3" algn="ctr">
               <a:spcBef>
@@ -1101,9 +996,9 @@
               <a:spcAft>
                 <a:spcPts val="0"/>
               </a:spcAft>
-              <a:buSzPts val="5200"/>
-              <a:buNone/>
-              <a:defRPr sz="5200"/>
+              <a:buSzPts val="3600"/>
+              <a:buNone/>
+              <a:defRPr sz="3600"/>
             </a:lvl4pPr>
             <a:lvl5pPr lvl="4" algn="ctr">
               <a:spcBef>
@@ -1112,9 +1007,9 @@
               <a:spcAft>
                 <a:spcPts val="0"/>
               </a:spcAft>
-              <a:buSzPts val="5200"/>
-              <a:buNone/>
-              <a:defRPr sz="5200"/>
+              <a:buSzPts val="3600"/>
+              <a:buNone/>
+              <a:defRPr sz="3600"/>
             </a:lvl5pPr>
             <a:lvl6pPr lvl="5" algn="ctr">
               <a:spcBef>
@@ -1123,9 +1018,9 @@
               <a:spcAft>
                 <a:spcPts val="0"/>
               </a:spcAft>
-              <a:buSzPts val="5200"/>
-              <a:buNone/>
-              <a:defRPr sz="5200"/>
+              <a:buSzPts val="3600"/>
+              <a:buNone/>
+              <a:defRPr sz="3600"/>
             </a:lvl6pPr>
             <a:lvl7pPr lvl="6" algn="ctr">
               <a:spcBef>
@@ -1134,9 +1029,9 @@
               <a:spcAft>
                 <a:spcPts val="0"/>
               </a:spcAft>
-              <a:buSzPts val="5200"/>
-              <a:buNone/>
-              <a:defRPr sz="5200"/>
+              <a:buSzPts val="3600"/>
+              <a:buNone/>
+              <a:defRPr sz="3600"/>
             </a:lvl7pPr>
             <a:lvl8pPr lvl="7" algn="ctr">
               <a:spcBef>
@@ -1145,9 +1040,9 @@
               <a:spcAft>
                 <a:spcPts val="0"/>
               </a:spcAft>
-              <a:buSzPts val="5200"/>
-              <a:buNone/>
-              <a:defRPr sz="5200"/>
+              <a:buSzPts val="3600"/>
+              <a:buNone/>
+              <a:defRPr sz="3600"/>
             </a:lvl8pPr>
             <a:lvl9pPr lvl="8" algn="ctr">
               <a:spcBef>
@@ -1156,9 +1051,9 @@
               <a:spcAft>
                 <a:spcPts val="0"/>
               </a:spcAft>
-              <a:buSzPts val="5200"/>
-              <a:buNone/>
-              <a:defRPr sz="5200"/>
+              <a:buSzPts val="3600"/>
+              <a:buNone/>
+              <a:defRPr sz="3600"/>
             </a:lvl9pPr>
           </a:lstStyle>
           <a:p>
@@ -1168,163 +1063,7 @@
       </p:sp>
       <p:sp>
         <p:nvSpPr>
-          <p:cNvPr id="11" name="Google Shape;11;p2"/>
-          <p:cNvSpPr txBox="1">
-            <a:spLocks noGrp="1"/>
-          </p:cNvSpPr>
-          <p:nvPr>
-            <p:ph type="subTitle" idx="1"/>
-          </p:nvPr>
-        </p:nvSpPr>
-        <p:spPr>
-          <a:xfrm>
-            <a:off x="311700" y="2834125"/>
-            <a:ext cx="8520600" cy="792600"/>
-          </a:xfrm>
-          <a:prstGeom prst="rect">
-            <a:avLst/>
-          </a:prstGeom>
-        </p:spPr>
-        <p:txBody>
-          <a:bodyPr spcFirstLastPara="1" wrap="square" lIns="91425" tIns="91425" rIns="91425" bIns="91425" anchor="t" anchorCtr="0">
-            <a:normAutofit/>
-          </a:bodyPr>
-          <a:lstStyle>
-            <a:lvl1pPr lvl="0" algn="ctr">
-              <a:lnSpc>
-                <a:spcPct val="100000"/>
-              </a:lnSpc>
-              <a:spcBef>
-                <a:spcPts val="0"/>
-              </a:spcBef>
-              <a:spcAft>
-                <a:spcPts val="0"/>
-              </a:spcAft>
-              <a:buSzPts val="2800"/>
-              <a:buNone/>
-              <a:defRPr sz="2800"/>
-            </a:lvl1pPr>
-            <a:lvl2pPr lvl="1" algn="ctr">
-              <a:lnSpc>
-                <a:spcPct val="100000"/>
-              </a:lnSpc>
-              <a:spcBef>
-                <a:spcPts val="0"/>
-              </a:spcBef>
-              <a:spcAft>
-                <a:spcPts val="0"/>
-              </a:spcAft>
-              <a:buSzPts val="2800"/>
-              <a:buNone/>
-              <a:defRPr sz="2800"/>
-            </a:lvl2pPr>
-            <a:lvl3pPr lvl="2" algn="ctr">
-              <a:lnSpc>
-                <a:spcPct val="100000"/>
-              </a:lnSpc>
-              <a:spcBef>
-                <a:spcPts val="0"/>
-              </a:spcBef>
-              <a:spcAft>
-                <a:spcPts val="0"/>
-              </a:spcAft>
-              <a:buSzPts val="2800"/>
-              <a:buNone/>
-              <a:defRPr sz="2800"/>
-            </a:lvl3pPr>
-            <a:lvl4pPr lvl="3" algn="ctr">
-              <a:lnSpc>
-                <a:spcPct val="100000"/>
-              </a:lnSpc>
-              <a:spcBef>
-                <a:spcPts val="0"/>
-              </a:spcBef>
-              <a:spcAft>
-                <a:spcPts val="0"/>
-              </a:spcAft>
-              <a:buSzPts val="2800"/>
-              <a:buNone/>
-              <a:defRPr sz="2800"/>
-            </a:lvl4pPr>
-            <a:lvl5pPr lvl="4" algn="ctr">
-              <a:lnSpc>
-                <a:spcPct val="100000"/>
-              </a:lnSpc>
-              <a:spcBef>
-                <a:spcPts val="0"/>
-              </a:spcBef>
-              <a:spcAft>
-                <a:spcPts val="0"/>
-              </a:spcAft>
-              <a:buSzPts val="2800"/>
-              <a:buNone/>
-              <a:defRPr sz="2800"/>
-            </a:lvl5pPr>
-            <a:lvl6pPr lvl="5" algn="ctr">
-              <a:lnSpc>
-                <a:spcPct val="100000"/>
-              </a:lnSpc>
-              <a:spcBef>
-                <a:spcPts val="0"/>
-              </a:spcBef>
-              <a:spcAft>
-                <a:spcPts val="0"/>
-              </a:spcAft>
-              <a:buSzPts val="2800"/>
-              <a:buNone/>
-              <a:defRPr sz="2800"/>
-            </a:lvl6pPr>
-            <a:lvl7pPr lvl="6" algn="ctr">
-              <a:lnSpc>
-                <a:spcPct val="100000"/>
-              </a:lnSpc>
-              <a:spcBef>
-                <a:spcPts val="0"/>
-              </a:spcBef>
-              <a:spcAft>
-                <a:spcPts val="0"/>
-              </a:spcAft>
-              <a:buSzPts val="2800"/>
-              <a:buNone/>
-              <a:defRPr sz="2800"/>
-            </a:lvl7pPr>
-            <a:lvl8pPr lvl="7" algn="ctr">
-              <a:lnSpc>
-                <a:spcPct val="100000"/>
-              </a:lnSpc>
-              <a:spcBef>
-                <a:spcPts val="0"/>
-              </a:spcBef>
-              <a:spcAft>
-                <a:spcPts val="0"/>
-              </a:spcAft>
-              <a:buSzPts val="2800"/>
-              <a:buNone/>
-              <a:defRPr sz="2800"/>
-            </a:lvl8pPr>
-            <a:lvl9pPr lvl="8" algn="ctr">
-              <a:lnSpc>
-                <a:spcPct val="100000"/>
-              </a:lnSpc>
-              <a:spcBef>
-                <a:spcPts val="0"/>
-              </a:spcBef>
-              <a:spcAft>
-                <a:spcPts val="0"/>
-              </a:spcAft>
-              <a:buSzPts val="2800"/>
-              <a:buNone/>
-              <a:defRPr sz="2800"/>
-            </a:lvl9pPr>
-          </a:lstStyle>
-          <a:p>
-            <a:endParaRPr/>
-          </a:p>
-        </p:txBody>
-      </p:sp>
-      <p:sp>
-        <p:nvSpPr>
-          <p:cNvPr id="12" name="Google Shape;12;p2"/>
+          <p:cNvPr id="15" name="Google Shape;15;p3"/>
           <p:cNvSpPr txBox="1">
             <a:spLocks noGrp="1"/>
           </p:cNvSpPr>
@@ -1334,8 +1073,8 @@
         </p:nvSpPr>
         <p:spPr>
           <a:xfrm>
-            <a:off x="8472458" y="4663217"/>
-            <a:ext cx="548700" cy="393600"/>
+            <a:off x="10006621" y="5221652"/>
+            <a:ext cx="648057" cy="440735"/>
           </a:xfrm>
           <a:prstGeom prst="rect">
             <a:avLst/>
@@ -1384,20 +1123,12 @@
             </a:lvl9pPr>
           </a:lstStyle>
           <a:p>
-            <a:pPr marL="0" lvl="0" indent="0" algn="r" rtl="0">
-              <a:spcBef>
-                <a:spcPts val="0"/>
-              </a:spcBef>
-              <a:spcAft>
-                <a:spcPts val="0"/>
-              </a:spcAft>
-              <a:buNone/>
-            </a:pPr>
             <a:fld id="{00000000-1234-1234-1234-123412341234}" type="slidenum">
-              <a:rPr lang="en"/>
+              <a:rPr lang="en" smtClean="0"/>
+              <a:pPr/>
               <a:t>‹#›</a:t>
             </a:fld>
-            <a:endParaRPr/>
+            <a:endParaRPr lang="en"/>
           </a:p>
         </p:txBody>
       </p:sp>
@@ -1410,6 +1141,2433 @@
 </file>
 
 <file path=ppt/slideLayouts/slideLayout10.xml><?xml version="1.0" encoding="utf-8"?>
+<p:sldLayout xmlns:a="http://schemas.openxmlformats.org/drawingml/2006/main" xmlns:r="http://schemas.openxmlformats.org/officeDocument/2006/relationships" xmlns:p="http://schemas.openxmlformats.org/presentationml/2006/main" matchingName="Blank" type="blank">
+  <p:cSld name="BLANK">
+    <p:spTree>
+      <p:nvGrpSpPr>
+        <p:cNvPr id="1" name="Shape 48"/>
+        <p:cNvGrpSpPr/>
+        <p:nvPr/>
+      </p:nvGrpSpPr>
+      <p:grpSpPr>
+        <a:xfrm>
+          <a:off x="0" y="0"/>
+          <a:ext cx="0" cy="0"/>
+          <a:chOff x="0" y="0"/>
+          <a:chExt cx="0" cy="0"/>
+        </a:xfrm>
+      </p:grpSpPr>
+      <p:sp>
+        <p:nvSpPr>
+          <p:cNvPr id="49" name="Google Shape;49;p12"/>
+          <p:cNvSpPr txBox="1">
+            <a:spLocks noGrp="1"/>
+          </p:cNvSpPr>
+          <p:nvPr>
+            <p:ph type="sldNum" idx="12"/>
+          </p:nvPr>
+        </p:nvSpPr>
+        <p:spPr>
+          <a:xfrm>
+            <a:off x="10006621" y="5221652"/>
+            <a:ext cx="648057" cy="440735"/>
+          </a:xfrm>
+          <a:prstGeom prst="rect">
+            <a:avLst/>
+          </a:prstGeom>
+        </p:spPr>
+        <p:txBody>
+          <a:bodyPr spcFirstLastPara="1" wrap="square" lIns="91425" tIns="91425" rIns="91425" bIns="91425" anchor="ctr" anchorCtr="0">
+            <a:normAutofit/>
+          </a:bodyPr>
+          <a:lstStyle>
+            <a:lvl1pPr lvl="0">
+              <a:buNone/>
+              <a:defRPr/>
+            </a:lvl1pPr>
+            <a:lvl2pPr lvl="1">
+              <a:buNone/>
+              <a:defRPr/>
+            </a:lvl2pPr>
+            <a:lvl3pPr lvl="2">
+              <a:buNone/>
+              <a:defRPr/>
+            </a:lvl3pPr>
+            <a:lvl4pPr lvl="3">
+              <a:buNone/>
+              <a:defRPr/>
+            </a:lvl4pPr>
+            <a:lvl5pPr lvl="4">
+              <a:buNone/>
+              <a:defRPr/>
+            </a:lvl5pPr>
+            <a:lvl6pPr lvl="5">
+              <a:buNone/>
+              <a:defRPr/>
+            </a:lvl6pPr>
+            <a:lvl7pPr lvl="6">
+              <a:buNone/>
+              <a:defRPr/>
+            </a:lvl7pPr>
+            <a:lvl8pPr lvl="7">
+              <a:buNone/>
+              <a:defRPr/>
+            </a:lvl8pPr>
+            <a:lvl9pPr lvl="8">
+              <a:buNone/>
+              <a:defRPr/>
+            </a:lvl9pPr>
+          </a:lstStyle>
+          <a:p>
+            <a:fld id="{00000000-1234-1234-1234-123412341234}" type="slidenum">
+              <a:rPr lang="en" smtClean="0"/>
+              <a:pPr/>
+              <a:t>‹#›</a:t>
+            </a:fld>
+            <a:endParaRPr lang="en"/>
+          </a:p>
+        </p:txBody>
+      </p:sp>
+    </p:spTree>
+  </p:cSld>
+  <p:clrMapOvr>
+    <a:masterClrMapping/>
+  </p:clrMapOvr>
+</p:sldLayout>
+</file>
+
+<file path=ppt/slideLayouts/slideLayout2.xml><?xml version="1.0" encoding="utf-8"?>
+<p:sldLayout xmlns:a="http://schemas.openxmlformats.org/drawingml/2006/main" xmlns:r="http://schemas.openxmlformats.org/officeDocument/2006/relationships" xmlns:p="http://schemas.openxmlformats.org/presentationml/2006/main" matchingName="Title and body" type="tx">
+  <p:cSld name="TITLE_AND_BODY">
+    <p:spTree>
+      <p:nvGrpSpPr>
+        <p:cNvPr id="1" name="Shape 16"/>
+        <p:cNvGrpSpPr/>
+        <p:nvPr/>
+      </p:nvGrpSpPr>
+      <p:grpSpPr>
+        <a:xfrm>
+          <a:off x="0" y="0"/>
+          <a:ext cx="0" cy="0"/>
+          <a:chOff x="0" y="0"/>
+          <a:chExt cx="0" cy="0"/>
+        </a:xfrm>
+      </p:grpSpPr>
+      <p:sp>
+        <p:nvSpPr>
+          <p:cNvPr id="17" name="Google Shape;17;p4"/>
+          <p:cNvSpPr txBox="1">
+            <a:spLocks noGrp="1"/>
+          </p:cNvSpPr>
+          <p:nvPr>
+            <p:ph type="title"/>
+          </p:nvPr>
+        </p:nvSpPr>
+        <p:spPr>
+          <a:xfrm>
+            <a:off x="368142" y="498318"/>
+            <a:ext cx="10063480" cy="641283"/>
+          </a:xfrm>
+          <a:prstGeom prst="rect">
+            <a:avLst/>
+          </a:prstGeom>
+        </p:spPr>
+        <p:txBody>
+          <a:bodyPr spcFirstLastPara="1" wrap="square" lIns="91425" tIns="91425" rIns="91425" bIns="91425" anchor="t" anchorCtr="0">
+            <a:normAutofit/>
+          </a:bodyPr>
+          <a:lstStyle>
+            <a:lvl1pPr lvl="0">
+              <a:spcBef>
+                <a:spcPts val="0"/>
+              </a:spcBef>
+              <a:spcAft>
+                <a:spcPts val="0"/>
+              </a:spcAft>
+              <a:buSzPts val="2800"/>
+              <a:buNone/>
+              <a:defRPr/>
+            </a:lvl1pPr>
+            <a:lvl2pPr lvl="1">
+              <a:spcBef>
+                <a:spcPts val="0"/>
+              </a:spcBef>
+              <a:spcAft>
+                <a:spcPts val="0"/>
+              </a:spcAft>
+              <a:buSzPts val="2800"/>
+              <a:buNone/>
+              <a:defRPr/>
+            </a:lvl2pPr>
+            <a:lvl3pPr lvl="2">
+              <a:spcBef>
+                <a:spcPts val="0"/>
+              </a:spcBef>
+              <a:spcAft>
+                <a:spcPts val="0"/>
+              </a:spcAft>
+              <a:buSzPts val="2800"/>
+              <a:buNone/>
+              <a:defRPr/>
+            </a:lvl3pPr>
+            <a:lvl4pPr lvl="3">
+              <a:spcBef>
+                <a:spcPts val="0"/>
+              </a:spcBef>
+              <a:spcAft>
+                <a:spcPts val="0"/>
+              </a:spcAft>
+              <a:buSzPts val="2800"/>
+              <a:buNone/>
+              <a:defRPr/>
+            </a:lvl4pPr>
+            <a:lvl5pPr lvl="4">
+              <a:spcBef>
+                <a:spcPts val="0"/>
+              </a:spcBef>
+              <a:spcAft>
+                <a:spcPts val="0"/>
+              </a:spcAft>
+              <a:buSzPts val="2800"/>
+              <a:buNone/>
+              <a:defRPr/>
+            </a:lvl5pPr>
+            <a:lvl6pPr lvl="5">
+              <a:spcBef>
+                <a:spcPts val="0"/>
+              </a:spcBef>
+              <a:spcAft>
+                <a:spcPts val="0"/>
+              </a:spcAft>
+              <a:buSzPts val="2800"/>
+              <a:buNone/>
+              <a:defRPr/>
+            </a:lvl6pPr>
+            <a:lvl7pPr lvl="6">
+              <a:spcBef>
+                <a:spcPts val="0"/>
+              </a:spcBef>
+              <a:spcAft>
+                <a:spcPts val="0"/>
+              </a:spcAft>
+              <a:buSzPts val="2800"/>
+              <a:buNone/>
+              <a:defRPr/>
+            </a:lvl7pPr>
+            <a:lvl8pPr lvl="7">
+              <a:spcBef>
+                <a:spcPts val="0"/>
+              </a:spcBef>
+              <a:spcAft>
+                <a:spcPts val="0"/>
+              </a:spcAft>
+              <a:buSzPts val="2800"/>
+              <a:buNone/>
+              <a:defRPr/>
+            </a:lvl8pPr>
+            <a:lvl9pPr lvl="8">
+              <a:spcBef>
+                <a:spcPts val="0"/>
+              </a:spcBef>
+              <a:spcAft>
+                <a:spcPts val="0"/>
+              </a:spcAft>
+              <a:buSzPts val="2800"/>
+              <a:buNone/>
+              <a:defRPr/>
+            </a:lvl9pPr>
+          </a:lstStyle>
+          <a:p>
+            <a:endParaRPr/>
+          </a:p>
+        </p:txBody>
+      </p:sp>
+      <p:sp>
+        <p:nvSpPr>
+          <p:cNvPr id="18" name="Google Shape;18;p4"/>
+          <p:cNvSpPr txBox="1">
+            <a:spLocks noGrp="1"/>
+          </p:cNvSpPr>
+          <p:nvPr>
+            <p:ph type="body" idx="1"/>
+          </p:nvPr>
+        </p:nvSpPr>
+        <p:spPr>
+          <a:xfrm>
+            <a:off x="368142" y="1290488"/>
+            <a:ext cx="10063480" cy="3825524"/>
+          </a:xfrm>
+          <a:prstGeom prst="rect">
+            <a:avLst/>
+          </a:prstGeom>
+        </p:spPr>
+        <p:txBody>
+          <a:bodyPr spcFirstLastPara="1" wrap="square" lIns="91425" tIns="91425" rIns="91425" bIns="91425" anchor="t" anchorCtr="0">
+            <a:normAutofit/>
+          </a:bodyPr>
+          <a:lstStyle>
+            <a:lvl1pPr marL="457217" lvl="0" indent="-342913">
+              <a:spcBef>
+                <a:spcPts val="0"/>
+              </a:spcBef>
+              <a:spcAft>
+                <a:spcPts val="0"/>
+              </a:spcAft>
+              <a:buSzPts val="1800"/>
+              <a:buChar char="●"/>
+              <a:defRPr/>
+            </a:lvl1pPr>
+            <a:lvl2pPr marL="914434" lvl="1" indent="-317512">
+              <a:spcBef>
+                <a:spcPts val="0"/>
+              </a:spcBef>
+              <a:spcAft>
+                <a:spcPts val="0"/>
+              </a:spcAft>
+              <a:buSzPts val="1400"/>
+              <a:buChar char="○"/>
+              <a:defRPr/>
+            </a:lvl2pPr>
+            <a:lvl3pPr marL="1371651" lvl="2" indent="-317512">
+              <a:spcBef>
+                <a:spcPts val="0"/>
+              </a:spcBef>
+              <a:spcAft>
+                <a:spcPts val="0"/>
+              </a:spcAft>
+              <a:buSzPts val="1400"/>
+              <a:buChar char="■"/>
+              <a:defRPr/>
+            </a:lvl3pPr>
+            <a:lvl4pPr marL="1828869" lvl="3" indent="-317512">
+              <a:spcBef>
+                <a:spcPts val="0"/>
+              </a:spcBef>
+              <a:spcAft>
+                <a:spcPts val="0"/>
+              </a:spcAft>
+              <a:buSzPts val="1400"/>
+              <a:buChar char="●"/>
+              <a:defRPr/>
+            </a:lvl4pPr>
+            <a:lvl5pPr marL="2286086" lvl="4" indent="-317512">
+              <a:spcBef>
+                <a:spcPts val="0"/>
+              </a:spcBef>
+              <a:spcAft>
+                <a:spcPts val="0"/>
+              </a:spcAft>
+              <a:buSzPts val="1400"/>
+              <a:buChar char="○"/>
+              <a:defRPr/>
+            </a:lvl5pPr>
+            <a:lvl6pPr marL="2743303" lvl="5" indent="-317512">
+              <a:spcBef>
+                <a:spcPts val="0"/>
+              </a:spcBef>
+              <a:spcAft>
+                <a:spcPts val="0"/>
+              </a:spcAft>
+              <a:buSzPts val="1400"/>
+              <a:buChar char="■"/>
+              <a:defRPr/>
+            </a:lvl6pPr>
+            <a:lvl7pPr marL="3200519" lvl="6" indent="-317512">
+              <a:spcBef>
+                <a:spcPts val="0"/>
+              </a:spcBef>
+              <a:spcAft>
+                <a:spcPts val="0"/>
+              </a:spcAft>
+              <a:buSzPts val="1400"/>
+              <a:buChar char="●"/>
+              <a:defRPr/>
+            </a:lvl7pPr>
+            <a:lvl8pPr marL="3657736" lvl="7" indent="-317512">
+              <a:spcBef>
+                <a:spcPts val="0"/>
+              </a:spcBef>
+              <a:spcAft>
+                <a:spcPts val="0"/>
+              </a:spcAft>
+              <a:buSzPts val="1400"/>
+              <a:buChar char="○"/>
+              <a:defRPr/>
+            </a:lvl8pPr>
+            <a:lvl9pPr marL="4114954" lvl="8" indent="-317512">
+              <a:spcBef>
+                <a:spcPts val="0"/>
+              </a:spcBef>
+              <a:spcAft>
+                <a:spcPts val="0"/>
+              </a:spcAft>
+              <a:buSzPts val="1400"/>
+              <a:buChar char="■"/>
+              <a:defRPr/>
+            </a:lvl9pPr>
+          </a:lstStyle>
+          <a:p>
+            <a:endParaRPr/>
+          </a:p>
+        </p:txBody>
+      </p:sp>
+      <p:sp>
+        <p:nvSpPr>
+          <p:cNvPr id="19" name="Google Shape;19;p4"/>
+          <p:cNvSpPr txBox="1">
+            <a:spLocks noGrp="1"/>
+          </p:cNvSpPr>
+          <p:nvPr>
+            <p:ph type="sldNum" idx="12"/>
+          </p:nvPr>
+        </p:nvSpPr>
+        <p:spPr>
+          <a:xfrm>
+            <a:off x="10006621" y="5221652"/>
+            <a:ext cx="648057" cy="440735"/>
+          </a:xfrm>
+          <a:prstGeom prst="rect">
+            <a:avLst/>
+          </a:prstGeom>
+        </p:spPr>
+        <p:txBody>
+          <a:bodyPr spcFirstLastPara="1" wrap="square" lIns="91425" tIns="91425" rIns="91425" bIns="91425" anchor="ctr" anchorCtr="0">
+            <a:normAutofit/>
+          </a:bodyPr>
+          <a:lstStyle>
+            <a:lvl1pPr lvl="0">
+              <a:buNone/>
+              <a:defRPr/>
+            </a:lvl1pPr>
+            <a:lvl2pPr lvl="1">
+              <a:buNone/>
+              <a:defRPr/>
+            </a:lvl2pPr>
+            <a:lvl3pPr lvl="2">
+              <a:buNone/>
+              <a:defRPr/>
+            </a:lvl3pPr>
+            <a:lvl4pPr lvl="3">
+              <a:buNone/>
+              <a:defRPr/>
+            </a:lvl4pPr>
+            <a:lvl5pPr lvl="4">
+              <a:buNone/>
+              <a:defRPr/>
+            </a:lvl5pPr>
+            <a:lvl6pPr lvl="5">
+              <a:buNone/>
+              <a:defRPr/>
+            </a:lvl6pPr>
+            <a:lvl7pPr lvl="6">
+              <a:buNone/>
+              <a:defRPr/>
+            </a:lvl7pPr>
+            <a:lvl8pPr lvl="7">
+              <a:buNone/>
+              <a:defRPr/>
+            </a:lvl8pPr>
+            <a:lvl9pPr lvl="8">
+              <a:buNone/>
+              <a:defRPr/>
+            </a:lvl9pPr>
+          </a:lstStyle>
+          <a:p>
+            <a:fld id="{00000000-1234-1234-1234-123412341234}" type="slidenum">
+              <a:rPr lang="en" smtClean="0"/>
+              <a:pPr/>
+              <a:t>‹#›</a:t>
+            </a:fld>
+            <a:endParaRPr lang="en"/>
+          </a:p>
+        </p:txBody>
+      </p:sp>
+    </p:spTree>
+  </p:cSld>
+  <p:clrMapOvr>
+    <a:masterClrMapping/>
+  </p:clrMapOvr>
+</p:sldLayout>
+</file>
+
+<file path=ppt/slideLayouts/slideLayout3.xml><?xml version="1.0" encoding="utf-8"?>
+<p:sldLayout xmlns:a="http://schemas.openxmlformats.org/drawingml/2006/main" xmlns:r="http://schemas.openxmlformats.org/officeDocument/2006/relationships" xmlns:p="http://schemas.openxmlformats.org/presentationml/2006/main" matchingName="Title and two columns" type="twoColTx">
+  <p:cSld name="TITLE_AND_TWO_COLUMNS">
+    <p:spTree>
+      <p:nvGrpSpPr>
+        <p:cNvPr id="1" name="Shape 20"/>
+        <p:cNvGrpSpPr/>
+        <p:nvPr/>
+      </p:nvGrpSpPr>
+      <p:grpSpPr>
+        <a:xfrm>
+          <a:off x="0" y="0"/>
+          <a:ext cx="0" cy="0"/>
+          <a:chOff x="0" y="0"/>
+          <a:chExt cx="0" cy="0"/>
+        </a:xfrm>
+      </p:grpSpPr>
+      <p:sp>
+        <p:nvSpPr>
+          <p:cNvPr id="21" name="Google Shape;21;p5"/>
+          <p:cNvSpPr txBox="1">
+            <a:spLocks noGrp="1"/>
+          </p:cNvSpPr>
+          <p:nvPr>
+            <p:ph type="title"/>
+          </p:nvPr>
+        </p:nvSpPr>
+        <p:spPr>
+          <a:xfrm>
+            <a:off x="368142" y="498318"/>
+            <a:ext cx="10063480" cy="641283"/>
+          </a:xfrm>
+          <a:prstGeom prst="rect">
+            <a:avLst/>
+          </a:prstGeom>
+        </p:spPr>
+        <p:txBody>
+          <a:bodyPr spcFirstLastPara="1" wrap="square" lIns="91425" tIns="91425" rIns="91425" bIns="91425" anchor="t" anchorCtr="0">
+            <a:normAutofit/>
+          </a:bodyPr>
+          <a:lstStyle>
+            <a:lvl1pPr lvl="0">
+              <a:spcBef>
+                <a:spcPts val="0"/>
+              </a:spcBef>
+              <a:spcAft>
+                <a:spcPts val="0"/>
+              </a:spcAft>
+              <a:buSzPts val="2800"/>
+              <a:buNone/>
+              <a:defRPr/>
+            </a:lvl1pPr>
+            <a:lvl2pPr lvl="1">
+              <a:spcBef>
+                <a:spcPts val="0"/>
+              </a:spcBef>
+              <a:spcAft>
+                <a:spcPts val="0"/>
+              </a:spcAft>
+              <a:buSzPts val="2800"/>
+              <a:buNone/>
+              <a:defRPr/>
+            </a:lvl2pPr>
+            <a:lvl3pPr lvl="2">
+              <a:spcBef>
+                <a:spcPts val="0"/>
+              </a:spcBef>
+              <a:spcAft>
+                <a:spcPts val="0"/>
+              </a:spcAft>
+              <a:buSzPts val="2800"/>
+              <a:buNone/>
+              <a:defRPr/>
+            </a:lvl3pPr>
+            <a:lvl4pPr lvl="3">
+              <a:spcBef>
+                <a:spcPts val="0"/>
+              </a:spcBef>
+              <a:spcAft>
+                <a:spcPts val="0"/>
+              </a:spcAft>
+              <a:buSzPts val="2800"/>
+              <a:buNone/>
+              <a:defRPr/>
+            </a:lvl4pPr>
+            <a:lvl5pPr lvl="4">
+              <a:spcBef>
+                <a:spcPts val="0"/>
+              </a:spcBef>
+              <a:spcAft>
+                <a:spcPts val="0"/>
+              </a:spcAft>
+              <a:buSzPts val="2800"/>
+              <a:buNone/>
+              <a:defRPr/>
+            </a:lvl5pPr>
+            <a:lvl6pPr lvl="5">
+              <a:spcBef>
+                <a:spcPts val="0"/>
+              </a:spcBef>
+              <a:spcAft>
+                <a:spcPts val="0"/>
+              </a:spcAft>
+              <a:buSzPts val="2800"/>
+              <a:buNone/>
+              <a:defRPr/>
+            </a:lvl6pPr>
+            <a:lvl7pPr lvl="6">
+              <a:spcBef>
+                <a:spcPts val="0"/>
+              </a:spcBef>
+              <a:spcAft>
+                <a:spcPts val="0"/>
+              </a:spcAft>
+              <a:buSzPts val="2800"/>
+              <a:buNone/>
+              <a:defRPr/>
+            </a:lvl7pPr>
+            <a:lvl8pPr lvl="7">
+              <a:spcBef>
+                <a:spcPts val="0"/>
+              </a:spcBef>
+              <a:spcAft>
+                <a:spcPts val="0"/>
+              </a:spcAft>
+              <a:buSzPts val="2800"/>
+              <a:buNone/>
+              <a:defRPr/>
+            </a:lvl8pPr>
+            <a:lvl9pPr lvl="8">
+              <a:spcBef>
+                <a:spcPts val="0"/>
+              </a:spcBef>
+              <a:spcAft>
+                <a:spcPts val="0"/>
+              </a:spcAft>
+              <a:buSzPts val="2800"/>
+              <a:buNone/>
+              <a:defRPr/>
+            </a:lvl9pPr>
+          </a:lstStyle>
+          <a:p>
+            <a:endParaRPr/>
+          </a:p>
+        </p:txBody>
+      </p:sp>
+      <p:sp>
+        <p:nvSpPr>
+          <p:cNvPr id="22" name="Google Shape;22;p5"/>
+          <p:cNvSpPr txBox="1">
+            <a:spLocks noGrp="1"/>
+          </p:cNvSpPr>
+          <p:nvPr>
+            <p:ph type="body" idx="1"/>
+          </p:nvPr>
+        </p:nvSpPr>
+        <p:spPr>
+          <a:xfrm>
+            <a:off x="368141" y="1290488"/>
+            <a:ext cx="4724188" cy="3825524"/>
+          </a:xfrm>
+          <a:prstGeom prst="rect">
+            <a:avLst/>
+          </a:prstGeom>
+        </p:spPr>
+        <p:txBody>
+          <a:bodyPr spcFirstLastPara="1" wrap="square" lIns="91425" tIns="91425" rIns="91425" bIns="91425" anchor="t" anchorCtr="0">
+            <a:normAutofit/>
+          </a:bodyPr>
+          <a:lstStyle>
+            <a:lvl1pPr marL="457217" lvl="0" indent="-317512">
+              <a:spcBef>
+                <a:spcPts val="0"/>
+              </a:spcBef>
+              <a:spcAft>
+                <a:spcPts val="0"/>
+              </a:spcAft>
+              <a:buSzPts val="1400"/>
+              <a:buChar char="●"/>
+              <a:defRPr sz="1400"/>
+            </a:lvl1pPr>
+            <a:lvl2pPr marL="914434" lvl="1" indent="-304811">
+              <a:spcBef>
+                <a:spcPts val="0"/>
+              </a:spcBef>
+              <a:spcAft>
+                <a:spcPts val="0"/>
+              </a:spcAft>
+              <a:buSzPts val="1200"/>
+              <a:buChar char="○"/>
+              <a:defRPr sz="1200"/>
+            </a:lvl2pPr>
+            <a:lvl3pPr marL="1371651" lvl="2" indent="-304811">
+              <a:spcBef>
+                <a:spcPts val="0"/>
+              </a:spcBef>
+              <a:spcAft>
+                <a:spcPts val="0"/>
+              </a:spcAft>
+              <a:buSzPts val="1200"/>
+              <a:buChar char="■"/>
+              <a:defRPr sz="1200"/>
+            </a:lvl3pPr>
+            <a:lvl4pPr marL="1828869" lvl="3" indent="-304811">
+              <a:spcBef>
+                <a:spcPts val="0"/>
+              </a:spcBef>
+              <a:spcAft>
+                <a:spcPts val="0"/>
+              </a:spcAft>
+              <a:buSzPts val="1200"/>
+              <a:buChar char="●"/>
+              <a:defRPr sz="1200"/>
+            </a:lvl4pPr>
+            <a:lvl5pPr marL="2286086" lvl="4" indent="-304811">
+              <a:spcBef>
+                <a:spcPts val="0"/>
+              </a:spcBef>
+              <a:spcAft>
+                <a:spcPts val="0"/>
+              </a:spcAft>
+              <a:buSzPts val="1200"/>
+              <a:buChar char="○"/>
+              <a:defRPr sz="1200"/>
+            </a:lvl5pPr>
+            <a:lvl6pPr marL="2743303" lvl="5" indent="-304811">
+              <a:spcBef>
+                <a:spcPts val="0"/>
+              </a:spcBef>
+              <a:spcAft>
+                <a:spcPts val="0"/>
+              </a:spcAft>
+              <a:buSzPts val="1200"/>
+              <a:buChar char="■"/>
+              <a:defRPr sz="1200"/>
+            </a:lvl6pPr>
+            <a:lvl7pPr marL="3200519" lvl="6" indent="-304811">
+              <a:spcBef>
+                <a:spcPts val="0"/>
+              </a:spcBef>
+              <a:spcAft>
+                <a:spcPts val="0"/>
+              </a:spcAft>
+              <a:buSzPts val="1200"/>
+              <a:buChar char="●"/>
+              <a:defRPr sz="1200"/>
+            </a:lvl7pPr>
+            <a:lvl8pPr marL="3657736" lvl="7" indent="-304811">
+              <a:spcBef>
+                <a:spcPts val="0"/>
+              </a:spcBef>
+              <a:spcAft>
+                <a:spcPts val="0"/>
+              </a:spcAft>
+              <a:buSzPts val="1200"/>
+              <a:buChar char="○"/>
+              <a:defRPr sz="1200"/>
+            </a:lvl8pPr>
+            <a:lvl9pPr marL="4114954" lvl="8" indent="-304811">
+              <a:spcBef>
+                <a:spcPts val="0"/>
+              </a:spcBef>
+              <a:spcAft>
+                <a:spcPts val="0"/>
+              </a:spcAft>
+              <a:buSzPts val="1200"/>
+              <a:buChar char="■"/>
+              <a:defRPr sz="1200"/>
+            </a:lvl9pPr>
+          </a:lstStyle>
+          <a:p>
+            <a:endParaRPr/>
+          </a:p>
+        </p:txBody>
+      </p:sp>
+      <p:sp>
+        <p:nvSpPr>
+          <p:cNvPr id="23" name="Google Shape;23;p5"/>
+          <p:cNvSpPr txBox="1">
+            <a:spLocks noGrp="1"/>
+          </p:cNvSpPr>
+          <p:nvPr>
+            <p:ph type="body" idx="2"/>
+          </p:nvPr>
+        </p:nvSpPr>
+        <p:spPr>
+          <a:xfrm>
+            <a:off x="5707434" y="1290488"/>
+            <a:ext cx="4724188" cy="3825524"/>
+          </a:xfrm>
+          <a:prstGeom prst="rect">
+            <a:avLst/>
+          </a:prstGeom>
+        </p:spPr>
+        <p:txBody>
+          <a:bodyPr spcFirstLastPara="1" wrap="square" lIns="91425" tIns="91425" rIns="91425" bIns="91425" anchor="t" anchorCtr="0">
+            <a:normAutofit/>
+          </a:bodyPr>
+          <a:lstStyle>
+            <a:lvl1pPr marL="457217" lvl="0" indent="-317512">
+              <a:spcBef>
+                <a:spcPts val="0"/>
+              </a:spcBef>
+              <a:spcAft>
+                <a:spcPts val="0"/>
+              </a:spcAft>
+              <a:buSzPts val="1400"/>
+              <a:buChar char="●"/>
+              <a:defRPr sz="1400"/>
+            </a:lvl1pPr>
+            <a:lvl2pPr marL="914434" lvl="1" indent="-304811">
+              <a:spcBef>
+                <a:spcPts val="0"/>
+              </a:spcBef>
+              <a:spcAft>
+                <a:spcPts val="0"/>
+              </a:spcAft>
+              <a:buSzPts val="1200"/>
+              <a:buChar char="○"/>
+              <a:defRPr sz="1200"/>
+            </a:lvl2pPr>
+            <a:lvl3pPr marL="1371651" lvl="2" indent="-304811">
+              <a:spcBef>
+                <a:spcPts val="0"/>
+              </a:spcBef>
+              <a:spcAft>
+                <a:spcPts val="0"/>
+              </a:spcAft>
+              <a:buSzPts val="1200"/>
+              <a:buChar char="■"/>
+              <a:defRPr sz="1200"/>
+            </a:lvl3pPr>
+            <a:lvl4pPr marL="1828869" lvl="3" indent="-304811">
+              <a:spcBef>
+                <a:spcPts val="0"/>
+              </a:spcBef>
+              <a:spcAft>
+                <a:spcPts val="0"/>
+              </a:spcAft>
+              <a:buSzPts val="1200"/>
+              <a:buChar char="●"/>
+              <a:defRPr sz="1200"/>
+            </a:lvl4pPr>
+            <a:lvl5pPr marL="2286086" lvl="4" indent="-304811">
+              <a:spcBef>
+                <a:spcPts val="0"/>
+              </a:spcBef>
+              <a:spcAft>
+                <a:spcPts val="0"/>
+              </a:spcAft>
+              <a:buSzPts val="1200"/>
+              <a:buChar char="○"/>
+              <a:defRPr sz="1200"/>
+            </a:lvl5pPr>
+            <a:lvl6pPr marL="2743303" lvl="5" indent="-304811">
+              <a:spcBef>
+                <a:spcPts val="0"/>
+              </a:spcBef>
+              <a:spcAft>
+                <a:spcPts val="0"/>
+              </a:spcAft>
+              <a:buSzPts val="1200"/>
+              <a:buChar char="■"/>
+              <a:defRPr sz="1200"/>
+            </a:lvl6pPr>
+            <a:lvl7pPr marL="3200519" lvl="6" indent="-304811">
+              <a:spcBef>
+                <a:spcPts val="0"/>
+              </a:spcBef>
+              <a:spcAft>
+                <a:spcPts val="0"/>
+              </a:spcAft>
+              <a:buSzPts val="1200"/>
+              <a:buChar char="●"/>
+              <a:defRPr sz="1200"/>
+            </a:lvl7pPr>
+            <a:lvl8pPr marL="3657736" lvl="7" indent="-304811">
+              <a:spcBef>
+                <a:spcPts val="0"/>
+              </a:spcBef>
+              <a:spcAft>
+                <a:spcPts val="0"/>
+              </a:spcAft>
+              <a:buSzPts val="1200"/>
+              <a:buChar char="○"/>
+              <a:defRPr sz="1200"/>
+            </a:lvl8pPr>
+            <a:lvl9pPr marL="4114954" lvl="8" indent="-304811">
+              <a:spcBef>
+                <a:spcPts val="0"/>
+              </a:spcBef>
+              <a:spcAft>
+                <a:spcPts val="0"/>
+              </a:spcAft>
+              <a:buSzPts val="1200"/>
+              <a:buChar char="■"/>
+              <a:defRPr sz="1200"/>
+            </a:lvl9pPr>
+          </a:lstStyle>
+          <a:p>
+            <a:endParaRPr/>
+          </a:p>
+        </p:txBody>
+      </p:sp>
+      <p:sp>
+        <p:nvSpPr>
+          <p:cNvPr id="24" name="Google Shape;24;p5"/>
+          <p:cNvSpPr txBox="1">
+            <a:spLocks noGrp="1"/>
+          </p:cNvSpPr>
+          <p:nvPr>
+            <p:ph type="sldNum" idx="12"/>
+          </p:nvPr>
+        </p:nvSpPr>
+        <p:spPr>
+          <a:xfrm>
+            <a:off x="10006621" y="5221652"/>
+            <a:ext cx="648057" cy="440735"/>
+          </a:xfrm>
+          <a:prstGeom prst="rect">
+            <a:avLst/>
+          </a:prstGeom>
+        </p:spPr>
+        <p:txBody>
+          <a:bodyPr spcFirstLastPara="1" wrap="square" lIns="91425" tIns="91425" rIns="91425" bIns="91425" anchor="ctr" anchorCtr="0">
+            <a:normAutofit/>
+          </a:bodyPr>
+          <a:lstStyle>
+            <a:lvl1pPr lvl="0">
+              <a:buNone/>
+              <a:defRPr/>
+            </a:lvl1pPr>
+            <a:lvl2pPr lvl="1">
+              <a:buNone/>
+              <a:defRPr/>
+            </a:lvl2pPr>
+            <a:lvl3pPr lvl="2">
+              <a:buNone/>
+              <a:defRPr/>
+            </a:lvl3pPr>
+            <a:lvl4pPr lvl="3">
+              <a:buNone/>
+              <a:defRPr/>
+            </a:lvl4pPr>
+            <a:lvl5pPr lvl="4">
+              <a:buNone/>
+              <a:defRPr/>
+            </a:lvl5pPr>
+            <a:lvl6pPr lvl="5">
+              <a:buNone/>
+              <a:defRPr/>
+            </a:lvl6pPr>
+            <a:lvl7pPr lvl="6">
+              <a:buNone/>
+              <a:defRPr/>
+            </a:lvl7pPr>
+            <a:lvl8pPr lvl="7">
+              <a:buNone/>
+              <a:defRPr/>
+            </a:lvl8pPr>
+            <a:lvl9pPr lvl="8">
+              <a:buNone/>
+              <a:defRPr/>
+            </a:lvl9pPr>
+          </a:lstStyle>
+          <a:p>
+            <a:fld id="{00000000-1234-1234-1234-123412341234}" type="slidenum">
+              <a:rPr lang="en" smtClean="0"/>
+              <a:pPr/>
+              <a:t>‹#›</a:t>
+            </a:fld>
+            <a:endParaRPr lang="en"/>
+          </a:p>
+        </p:txBody>
+      </p:sp>
+    </p:spTree>
+  </p:cSld>
+  <p:clrMapOvr>
+    <a:masterClrMapping/>
+  </p:clrMapOvr>
+</p:sldLayout>
+</file>
+
+<file path=ppt/slideLayouts/slideLayout4.xml><?xml version="1.0" encoding="utf-8"?>
+<p:sldLayout xmlns:a="http://schemas.openxmlformats.org/drawingml/2006/main" xmlns:r="http://schemas.openxmlformats.org/officeDocument/2006/relationships" xmlns:p="http://schemas.openxmlformats.org/presentationml/2006/main" matchingName="Title only" type="titleOnly">
+  <p:cSld name="TITLE_ONLY">
+    <p:spTree>
+      <p:nvGrpSpPr>
+        <p:cNvPr id="1" name="Shape 25"/>
+        <p:cNvGrpSpPr/>
+        <p:nvPr/>
+      </p:nvGrpSpPr>
+      <p:grpSpPr>
+        <a:xfrm>
+          <a:off x="0" y="0"/>
+          <a:ext cx="0" cy="0"/>
+          <a:chOff x="0" y="0"/>
+          <a:chExt cx="0" cy="0"/>
+        </a:xfrm>
+      </p:grpSpPr>
+      <p:sp>
+        <p:nvSpPr>
+          <p:cNvPr id="26" name="Google Shape;26;p6"/>
+          <p:cNvSpPr txBox="1">
+            <a:spLocks noGrp="1"/>
+          </p:cNvSpPr>
+          <p:nvPr>
+            <p:ph type="title"/>
+          </p:nvPr>
+        </p:nvSpPr>
+        <p:spPr>
+          <a:xfrm>
+            <a:off x="368142" y="498318"/>
+            <a:ext cx="10063480" cy="641283"/>
+          </a:xfrm>
+          <a:prstGeom prst="rect">
+            <a:avLst/>
+          </a:prstGeom>
+        </p:spPr>
+        <p:txBody>
+          <a:bodyPr spcFirstLastPara="1" wrap="square" lIns="91425" tIns="91425" rIns="91425" bIns="91425" anchor="t" anchorCtr="0">
+            <a:normAutofit/>
+          </a:bodyPr>
+          <a:lstStyle>
+            <a:lvl1pPr lvl="0">
+              <a:spcBef>
+                <a:spcPts val="0"/>
+              </a:spcBef>
+              <a:spcAft>
+                <a:spcPts val="0"/>
+              </a:spcAft>
+              <a:buSzPts val="2800"/>
+              <a:buNone/>
+              <a:defRPr/>
+            </a:lvl1pPr>
+            <a:lvl2pPr lvl="1">
+              <a:spcBef>
+                <a:spcPts val="0"/>
+              </a:spcBef>
+              <a:spcAft>
+                <a:spcPts val="0"/>
+              </a:spcAft>
+              <a:buSzPts val="2800"/>
+              <a:buNone/>
+              <a:defRPr/>
+            </a:lvl2pPr>
+            <a:lvl3pPr lvl="2">
+              <a:spcBef>
+                <a:spcPts val="0"/>
+              </a:spcBef>
+              <a:spcAft>
+                <a:spcPts val="0"/>
+              </a:spcAft>
+              <a:buSzPts val="2800"/>
+              <a:buNone/>
+              <a:defRPr/>
+            </a:lvl3pPr>
+            <a:lvl4pPr lvl="3">
+              <a:spcBef>
+                <a:spcPts val="0"/>
+              </a:spcBef>
+              <a:spcAft>
+                <a:spcPts val="0"/>
+              </a:spcAft>
+              <a:buSzPts val="2800"/>
+              <a:buNone/>
+              <a:defRPr/>
+            </a:lvl4pPr>
+            <a:lvl5pPr lvl="4">
+              <a:spcBef>
+                <a:spcPts val="0"/>
+              </a:spcBef>
+              <a:spcAft>
+                <a:spcPts val="0"/>
+              </a:spcAft>
+              <a:buSzPts val="2800"/>
+              <a:buNone/>
+              <a:defRPr/>
+            </a:lvl5pPr>
+            <a:lvl6pPr lvl="5">
+              <a:spcBef>
+                <a:spcPts val="0"/>
+              </a:spcBef>
+              <a:spcAft>
+                <a:spcPts val="0"/>
+              </a:spcAft>
+              <a:buSzPts val="2800"/>
+              <a:buNone/>
+              <a:defRPr/>
+            </a:lvl6pPr>
+            <a:lvl7pPr lvl="6">
+              <a:spcBef>
+                <a:spcPts val="0"/>
+              </a:spcBef>
+              <a:spcAft>
+                <a:spcPts val="0"/>
+              </a:spcAft>
+              <a:buSzPts val="2800"/>
+              <a:buNone/>
+              <a:defRPr/>
+            </a:lvl7pPr>
+            <a:lvl8pPr lvl="7">
+              <a:spcBef>
+                <a:spcPts val="0"/>
+              </a:spcBef>
+              <a:spcAft>
+                <a:spcPts val="0"/>
+              </a:spcAft>
+              <a:buSzPts val="2800"/>
+              <a:buNone/>
+              <a:defRPr/>
+            </a:lvl8pPr>
+            <a:lvl9pPr lvl="8">
+              <a:spcBef>
+                <a:spcPts val="0"/>
+              </a:spcBef>
+              <a:spcAft>
+                <a:spcPts val="0"/>
+              </a:spcAft>
+              <a:buSzPts val="2800"/>
+              <a:buNone/>
+              <a:defRPr/>
+            </a:lvl9pPr>
+          </a:lstStyle>
+          <a:p>
+            <a:endParaRPr/>
+          </a:p>
+        </p:txBody>
+      </p:sp>
+      <p:sp>
+        <p:nvSpPr>
+          <p:cNvPr id="27" name="Google Shape;27;p6"/>
+          <p:cNvSpPr txBox="1">
+            <a:spLocks noGrp="1"/>
+          </p:cNvSpPr>
+          <p:nvPr>
+            <p:ph type="sldNum" idx="12"/>
+          </p:nvPr>
+        </p:nvSpPr>
+        <p:spPr>
+          <a:xfrm>
+            <a:off x="10006621" y="5221652"/>
+            <a:ext cx="648057" cy="440735"/>
+          </a:xfrm>
+          <a:prstGeom prst="rect">
+            <a:avLst/>
+          </a:prstGeom>
+        </p:spPr>
+        <p:txBody>
+          <a:bodyPr spcFirstLastPara="1" wrap="square" lIns="91425" tIns="91425" rIns="91425" bIns="91425" anchor="ctr" anchorCtr="0">
+            <a:normAutofit/>
+          </a:bodyPr>
+          <a:lstStyle>
+            <a:lvl1pPr lvl="0">
+              <a:buNone/>
+              <a:defRPr/>
+            </a:lvl1pPr>
+            <a:lvl2pPr lvl="1">
+              <a:buNone/>
+              <a:defRPr/>
+            </a:lvl2pPr>
+            <a:lvl3pPr lvl="2">
+              <a:buNone/>
+              <a:defRPr/>
+            </a:lvl3pPr>
+            <a:lvl4pPr lvl="3">
+              <a:buNone/>
+              <a:defRPr/>
+            </a:lvl4pPr>
+            <a:lvl5pPr lvl="4">
+              <a:buNone/>
+              <a:defRPr/>
+            </a:lvl5pPr>
+            <a:lvl6pPr lvl="5">
+              <a:buNone/>
+              <a:defRPr/>
+            </a:lvl6pPr>
+            <a:lvl7pPr lvl="6">
+              <a:buNone/>
+              <a:defRPr/>
+            </a:lvl7pPr>
+            <a:lvl8pPr lvl="7">
+              <a:buNone/>
+              <a:defRPr/>
+            </a:lvl8pPr>
+            <a:lvl9pPr lvl="8">
+              <a:buNone/>
+              <a:defRPr/>
+            </a:lvl9pPr>
+          </a:lstStyle>
+          <a:p>
+            <a:fld id="{00000000-1234-1234-1234-123412341234}" type="slidenum">
+              <a:rPr lang="en" smtClean="0"/>
+              <a:pPr/>
+              <a:t>‹#›</a:t>
+            </a:fld>
+            <a:endParaRPr lang="en"/>
+          </a:p>
+        </p:txBody>
+      </p:sp>
+    </p:spTree>
+  </p:cSld>
+  <p:clrMapOvr>
+    <a:masterClrMapping/>
+  </p:clrMapOvr>
+</p:sldLayout>
+</file>
+
+<file path=ppt/slideLayouts/slideLayout5.xml><?xml version="1.0" encoding="utf-8"?>
+<p:sldLayout xmlns:a="http://schemas.openxmlformats.org/drawingml/2006/main" xmlns:r="http://schemas.openxmlformats.org/officeDocument/2006/relationships" xmlns:p="http://schemas.openxmlformats.org/presentationml/2006/main" matchingName="One column text">
+  <p:cSld name="ONE_COLUMN_TEXT">
+    <p:spTree>
+      <p:nvGrpSpPr>
+        <p:cNvPr id="1" name="Shape 28"/>
+        <p:cNvGrpSpPr/>
+        <p:nvPr/>
+      </p:nvGrpSpPr>
+      <p:grpSpPr>
+        <a:xfrm>
+          <a:off x="0" y="0"/>
+          <a:ext cx="0" cy="0"/>
+          <a:chOff x="0" y="0"/>
+          <a:chExt cx="0" cy="0"/>
+        </a:xfrm>
+      </p:grpSpPr>
+      <p:sp>
+        <p:nvSpPr>
+          <p:cNvPr id="29" name="Google Shape;29;p7"/>
+          <p:cNvSpPr txBox="1">
+            <a:spLocks noGrp="1"/>
+          </p:cNvSpPr>
+          <p:nvPr>
+            <p:ph type="title"/>
+          </p:nvPr>
+        </p:nvSpPr>
+        <p:spPr>
+          <a:xfrm>
+            <a:off x="368141" y="622135"/>
+            <a:ext cx="3316463" cy="846197"/>
+          </a:xfrm>
+          <a:prstGeom prst="rect">
+            <a:avLst/>
+          </a:prstGeom>
+        </p:spPr>
+        <p:txBody>
+          <a:bodyPr spcFirstLastPara="1" wrap="square" lIns="91425" tIns="91425" rIns="91425" bIns="91425" anchor="b" anchorCtr="0">
+            <a:normAutofit/>
+          </a:bodyPr>
+          <a:lstStyle>
+            <a:lvl1pPr lvl="0">
+              <a:spcBef>
+                <a:spcPts val="0"/>
+              </a:spcBef>
+              <a:spcAft>
+                <a:spcPts val="0"/>
+              </a:spcAft>
+              <a:buSzPts val="2400"/>
+              <a:buNone/>
+              <a:defRPr sz="2400"/>
+            </a:lvl1pPr>
+            <a:lvl2pPr lvl="1">
+              <a:spcBef>
+                <a:spcPts val="0"/>
+              </a:spcBef>
+              <a:spcAft>
+                <a:spcPts val="0"/>
+              </a:spcAft>
+              <a:buSzPts val="2400"/>
+              <a:buNone/>
+              <a:defRPr sz="2400"/>
+            </a:lvl2pPr>
+            <a:lvl3pPr lvl="2">
+              <a:spcBef>
+                <a:spcPts val="0"/>
+              </a:spcBef>
+              <a:spcAft>
+                <a:spcPts val="0"/>
+              </a:spcAft>
+              <a:buSzPts val="2400"/>
+              <a:buNone/>
+              <a:defRPr sz="2400"/>
+            </a:lvl3pPr>
+            <a:lvl4pPr lvl="3">
+              <a:spcBef>
+                <a:spcPts val="0"/>
+              </a:spcBef>
+              <a:spcAft>
+                <a:spcPts val="0"/>
+              </a:spcAft>
+              <a:buSzPts val="2400"/>
+              <a:buNone/>
+              <a:defRPr sz="2400"/>
+            </a:lvl4pPr>
+            <a:lvl5pPr lvl="4">
+              <a:spcBef>
+                <a:spcPts val="0"/>
+              </a:spcBef>
+              <a:spcAft>
+                <a:spcPts val="0"/>
+              </a:spcAft>
+              <a:buSzPts val="2400"/>
+              <a:buNone/>
+              <a:defRPr sz="2400"/>
+            </a:lvl5pPr>
+            <a:lvl6pPr lvl="5">
+              <a:spcBef>
+                <a:spcPts val="0"/>
+              </a:spcBef>
+              <a:spcAft>
+                <a:spcPts val="0"/>
+              </a:spcAft>
+              <a:buSzPts val="2400"/>
+              <a:buNone/>
+              <a:defRPr sz="2400"/>
+            </a:lvl6pPr>
+            <a:lvl7pPr lvl="6">
+              <a:spcBef>
+                <a:spcPts val="0"/>
+              </a:spcBef>
+              <a:spcAft>
+                <a:spcPts val="0"/>
+              </a:spcAft>
+              <a:buSzPts val="2400"/>
+              <a:buNone/>
+              <a:defRPr sz="2400"/>
+            </a:lvl7pPr>
+            <a:lvl8pPr lvl="7">
+              <a:spcBef>
+                <a:spcPts val="0"/>
+              </a:spcBef>
+              <a:spcAft>
+                <a:spcPts val="0"/>
+              </a:spcAft>
+              <a:buSzPts val="2400"/>
+              <a:buNone/>
+              <a:defRPr sz="2400"/>
+            </a:lvl8pPr>
+            <a:lvl9pPr lvl="8">
+              <a:spcBef>
+                <a:spcPts val="0"/>
+              </a:spcBef>
+              <a:spcAft>
+                <a:spcPts val="0"/>
+              </a:spcAft>
+              <a:buSzPts val="2400"/>
+              <a:buNone/>
+              <a:defRPr sz="2400"/>
+            </a:lvl9pPr>
+          </a:lstStyle>
+          <a:p>
+            <a:endParaRPr/>
+          </a:p>
+        </p:txBody>
+      </p:sp>
+      <p:sp>
+        <p:nvSpPr>
+          <p:cNvPr id="30" name="Google Shape;30;p7"/>
+          <p:cNvSpPr txBox="1">
+            <a:spLocks noGrp="1"/>
+          </p:cNvSpPr>
+          <p:nvPr>
+            <p:ph type="body" idx="1"/>
+          </p:nvPr>
+        </p:nvSpPr>
+        <p:spPr>
+          <a:xfrm>
+            <a:off x="368141" y="1556009"/>
+            <a:ext cx="3316463" cy="3560143"/>
+          </a:xfrm>
+          <a:prstGeom prst="rect">
+            <a:avLst/>
+          </a:prstGeom>
+        </p:spPr>
+        <p:txBody>
+          <a:bodyPr spcFirstLastPara="1" wrap="square" lIns="91425" tIns="91425" rIns="91425" bIns="91425" anchor="t" anchorCtr="0">
+            <a:normAutofit/>
+          </a:bodyPr>
+          <a:lstStyle>
+            <a:lvl1pPr marL="457217" lvl="0" indent="-304811">
+              <a:spcBef>
+                <a:spcPts val="0"/>
+              </a:spcBef>
+              <a:spcAft>
+                <a:spcPts val="0"/>
+              </a:spcAft>
+              <a:buSzPts val="1200"/>
+              <a:buChar char="●"/>
+              <a:defRPr sz="1200"/>
+            </a:lvl1pPr>
+            <a:lvl2pPr marL="914434" lvl="1" indent="-304811">
+              <a:spcBef>
+                <a:spcPts val="0"/>
+              </a:spcBef>
+              <a:spcAft>
+                <a:spcPts val="0"/>
+              </a:spcAft>
+              <a:buSzPts val="1200"/>
+              <a:buChar char="○"/>
+              <a:defRPr sz="1200"/>
+            </a:lvl2pPr>
+            <a:lvl3pPr marL="1371651" lvl="2" indent="-304811">
+              <a:spcBef>
+                <a:spcPts val="0"/>
+              </a:spcBef>
+              <a:spcAft>
+                <a:spcPts val="0"/>
+              </a:spcAft>
+              <a:buSzPts val="1200"/>
+              <a:buChar char="■"/>
+              <a:defRPr sz="1200"/>
+            </a:lvl3pPr>
+            <a:lvl4pPr marL="1828869" lvl="3" indent="-304811">
+              <a:spcBef>
+                <a:spcPts val="0"/>
+              </a:spcBef>
+              <a:spcAft>
+                <a:spcPts val="0"/>
+              </a:spcAft>
+              <a:buSzPts val="1200"/>
+              <a:buChar char="●"/>
+              <a:defRPr sz="1200"/>
+            </a:lvl4pPr>
+            <a:lvl5pPr marL="2286086" lvl="4" indent="-304811">
+              <a:spcBef>
+                <a:spcPts val="0"/>
+              </a:spcBef>
+              <a:spcAft>
+                <a:spcPts val="0"/>
+              </a:spcAft>
+              <a:buSzPts val="1200"/>
+              <a:buChar char="○"/>
+              <a:defRPr sz="1200"/>
+            </a:lvl5pPr>
+            <a:lvl6pPr marL="2743303" lvl="5" indent="-304811">
+              <a:spcBef>
+                <a:spcPts val="0"/>
+              </a:spcBef>
+              <a:spcAft>
+                <a:spcPts val="0"/>
+              </a:spcAft>
+              <a:buSzPts val="1200"/>
+              <a:buChar char="■"/>
+              <a:defRPr sz="1200"/>
+            </a:lvl6pPr>
+            <a:lvl7pPr marL="3200519" lvl="6" indent="-304811">
+              <a:spcBef>
+                <a:spcPts val="0"/>
+              </a:spcBef>
+              <a:spcAft>
+                <a:spcPts val="0"/>
+              </a:spcAft>
+              <a:buSzPts val="1200"/>
+              <a:buChar char="●"/>
+              <a:defRPr sz="1200"/>
+            </a:lvl7pPr>
+            <a:lvl8pPr marL="3657736" lvl="7" indent="-304811">
+              <a:spcBef>
+                <a:spcPts val="0"/>
+              </a:spcBef>
+              <a:spcAft>
+                <a:spcPts val="0"/>
+              </a:spcAft>
+              <a:buSzPts val="1200"/>
+              <a:buChar char="○"/>
+              <a:defRPr sz="1200"/>
+            </a:lvl8pPr>
+            <a:lvl9pPr marL="4114954" lvl="8" indent="-304811">
+              <a:spcBef>
+                <a:spcPts val="0"/>
+              </a:spcBef>
+              <a:spcAft>
+                <a:spcPts val="0"/>
+              </a:spcAft>
+              <a:buSzPts val="1200"/>
+              <a:buChar char="■"/>
+              <a:defRPr sz="1200"/>
+            </a:lvl9pPr>
+          </a:lstStyle>
+          <a:p>
+            <a:endParaRPr/>
+          </a:p>
+        </p:txBody>
+      </p:sp>
+      <p:sp>
+        <p:nvSpPr>
+          <p:cNvPr id="31" name="Google Shape;31;p7"/>
+          <p:cNvSpPr txBox="1">
+            <a:spLocks noGrp="1"/>
+          </p:cNvSpPr>
+          <p:nvPr>
+            <p:ph type="sldNum" idx="12"/>
+          </p:nvPr>
+        </p:nvSpPr>
+        <p:spPr>
+          <a:xfrm>
+            <a:off x="10006621" y="5221652"/>
+            <a:ext cx="648057" cy="440735"/>
+          </a:xfrm>
+          <a:prstGeom prst="rect">
+            <a:avLst/>
+          </a:prstGeom>
+        </p:spPr>
+        <p:txBody>
+          <a:bodyPr spcFirstLastPara="1" wrap="square" lIns="91425" tIns="91425" rIns="91425" bIns="91425" anchor="ctr" anchorCtr="0">
+            <a:normAutofit/>
+          </a:bodyPr>
+          <a:lstStyle>
+            <a:lvl1pPr lvl="0">
+              <a:buNone/>
+              <a:defRPr/>
+            </a:lvl1pPr>
+            <a:lvl2pPr lvl="1">
+              <a:buNone/>
+              <a:defRPr/>
+            </a:lvl2pPr>
+            <a:lvl3pPr lvl="2">
+              <a:buNone/>
+              <a:defRPr/>
+            </a:lvl3pPr>
+            <a:lvl4pPr lvl="3">
+              <a:buNone/>
+              <a:defRPr/>
+            </a:lvl4pPr>
+            <a:lvl5pPr lvl="4">
+              <a:buNone/>
+              <a:defRPr/>
+            </a:lvl5pPr>
+            <a:lvl6pPr lvl="5">
+              <a:buNone/>
+              <a:defRPr/>
+            </a:lvl6pPr>
+            <a:lvl7pPr lvl="6">
+              <a:buNone/>
+              <a:defRPr/>
+            </a:lvl7pPr>
+            <a:lvl8pPr lvl="7">
+              <a:buNone/>
+              <a:defRPr/>
+            </a:lvl8pPr>
+            <a:lvl9pPr lvl="8">
+              <a:buNone/>
+              <a:defRPr/>
+            </a:lvl9pPr>
+          </a:lstStyle>
+          <a:p>
+            <a:fld id="{00000000-1234-1234-1234-123412341234}" type="slidenum">
+              <a:rPr lang="en" smtClean="0"/>
+              <a:pPr/>
+              <a:t>‹#›</a:t>
+            </a:fld>
+            <a:endParaRPr lang="en"/>
+          </a:p>
+        </p:txBody>
+      </p:sp>
+    </p:spTree>
+  </p:cSld>
+  <p:clrMapOvr>
+    <a:masterClrMapping/>
+  </p:clrMapOvr>
+</p:sldLayout>
+</file>
+
+<file path=ppt/slideLayouts/slideLayout6.xml><?xml version="1.0" encoding="utf-8"?>
+<p:sldLayout xmlns:a="http://schemas.openxmlformats.org/drawingml/2006/main" xmlns:r="http://schemas.openxmlformats.org/officeDocument/2006/relationships" xmlns:p="http://schemas.openxmlformats.org/presentationml/2006/main" matchingName="Main point">
+  <p:cSld name="MAIN_POINT">
+    <p:spTree>
+      <p:nvGrpSpPr>
+        <p:cNvPr id="1" name="Shape 32"/>
+        <p:cNvGrpSpPr/>
+        <p:nvPr/>
+      </p:nvGrpSpPr>
+      <p:grpSpPr>
+        <a:xfrm>
+          <a:off x="0" y="0"/>
+          <a:ext cx="0" cy="0"/>
+          <a:chOff x="0" y="0"/>
+          <a:chExt cx="0" cy="0"/>
+        </a:xfrm>
+      </p:grpSpPr>
+      <p:sp>
+        <p:nvSpPr>
+          <p:cNvPr id="33" name="Google Shape;33;p8"/>
+          <p:cNvSpPr txBox="1">
+            <a:spLocks noGrp="1"/>
+          </p:cNvSpPr>
+          <p:nvPr>
+            <p:ph type="title"/>
+          </p:nvPr>
+        </p:nvSpPr>
+        <p:spPr>
+          <a:xfrm>
+            <a:off x="579025" y="504057"/>
+            <a:ext cx="7520859" cy="4580686"/>
+          </a:xfrm>
+          <a:prstGeom prst="rect">
+            <a:avLst/>
+          </a:prstGeom>
+        </p:spPr>
+        <p:txBody>
+          <a:bodyPr spcFirstLastPara="1" wrap="square" lIns="91425" tIns="91425" rIns="91425" bIns="91425" anchor="ctr" anchorCtr="0">
+            <a:normAutofit/>
+          </a:bodyPr>
+          <a:lstStyle>
+            <a:lvl1pPr lvl="0">
+              <a:spcBef>
+                <a:spcPts val="0"/>
+              </a:spcBef>
+              <a:spcAft>
+                <a:spcPts val="0"/>
+              </a:spcAft>
+              <a:buSzPts val="4800"/>
+              <a:buNone/>
+              <a:defRPr sz="4800"/>
+            </a:lvl1pPr>
+            <a:lvl2pPr lvl="1">
+              <a:spcBef>
+                <a:spcPts val="0"/>
+              </a:spcBef>
+              <a:spcAft>
+                <a:spcPts val="0"/>
+              </a:spcAft>
+              <a:buSzPts val="4800"/>
+              <a:buNone/>
+              <a:defRPr sz="4800"/>
+            </a:lvl2pPr>
+            <a:lvl3pPr lvl="2">
+              <a:spcBef>
+                <a:spcPts val="0"/>
+              </a:spcBef>
+              <a:spcAft>
+                <a:spcPts val="0"/>
+              </a:spcAft>
+              <a:buSzPts val="4800"/>
+              <a:buNone/>
+              <a:defRPr sz="4800"/>
+            </a:lvl3pPr>
+            <a:lvl4pPr lvl="3">
+              <a:spcBef>
+                <a:spcPts val="0"/>
+              </a:spcBef>
+              <a:spcAft>
+                <a:spcPts val="0"/>
+              </a:spcAft>
+              <a:buSzPts val="4800"/>
+              <a:buNone/>
+              <a:defRPr sz="4800"/>
+            </a:lvl4pPr>
+            <a:lvl5pPr lvl="4">
+              <a:spcBef>
+                <a:spcPts val="0"/>
+              </a:spcBef>
+              <a:spcAft>
+                <a:spcPts val="0"/>
+              </a:spcAft>
+              <a:buSzPts val="4800"/>
+              <a:buNone/>
+              <a:defRPr sz="4800"/>
+            </a:lvl5pPr>
+            <a:lvl6pPr lvl="5">
+              <a:spcBef>
+                <a:spcPts val="0"/>
+              </a:spcBef>
+              <a:spcAft>
+                <a:spcPts val="0"/>
+              </a:spcAft>
+              <a:buSzPts val="4800"/>
+              <a:buNone/>
+              <a:defRPr sz="4800"/>
+            </a:lvl6pPr>
+            <a:lvl7pPr lvl="6">
+              <a:spcBef>
+                <a:spcPts val="0"/>
+              </a:spcBef>
+              <a:spcAft>
+                <a:spcPts val="0"/>
+              </a:spcAft>
+              <a:buSzPts val="4800"/>
+              <a:buNone/>
+              <a:defRPr sz="4800"/>
+            </a:lvl7pPr>
+            <a:lvl8pPr lvl="7">
+              <a:spcBef>
+                <a:spcPts val="0"/>
+              </a:spcBef>
+              <a:spcAft>
+                <a:spcPts val="0"/>
+              </a:spcAft>
+              <a:buSzPts val="4800"/>
+              <a:buNone/>
+              <a:defRPr sz="4800"/>
+            </a:lvl8pPr>
+            <a:lvl9pPr lvl="8">
+              <a:spcBef>
+                <a:spcPts val="0"/>
+              </a:spcBef>
+              <a:spcAft>
+                <a:spcPts val="0"/>
+              </a:spcAft>
+              <a:buSzPts val="4800"/>
+              <a:buNone/>
+              <a:defRPr sz="4800"/>
+            </a:lvl9pPr>
+          </a:lstStyle>
+          <a:p>
+            <a:endParaRPr/>
+          </a:p>
+        </p:txBody>
+      </p:sp>
+      <p:sp>
+        <p:nvSpPr>
+          <p:cNvPr id="34" name="Google Shape;34;p8"/>
+          <p:cNvSpPr txBox="1">
+            <a:spLocks noGrp="1"/>
+          </p:cNvSpPr>
+          <p:nvPr>
+            <p:ph type="sldNum" idx="12"/>
+          </p:nvPr>
+        </p:nvSpPr>
+        <p:spPr>
+          <a:xfrm>
+            <a:off x="10006621" y="5221652"/>
+            <a:ext cx="648057" cy="440735"/>
+          </a:xfrm>
+          <a:prstGeom prst="rect">
+            <a:avLst/>
+          </a:prstGeom>
+        </p:spPr>
+        <p:txBody>
+          <a:bodyPr spcFirstLastPara="1" wrap="square" lIns="91425" tIns="91425" rIns="91425" bIns="91425" anchor="ctr" anchorCtr="0">
+            <a:normAutofit/>
+          </a:bodyPr>
+          <a:lstStyle>
+            <a:lvl1pPr lvl="0">
+              <a:buNone/>
+              <a:defRPr/>
+            </a:lvl1pPr>
+            <a:lvl2pPr lvl="1">
+              <a:buNone/>
+              <a:defRPr/>
+            </a:lvl2pPr>
+            <a:lvl3pPr lvl="2">
+              <a:buNone/>
+              <a:defRPr/>
+            </a:lvl3pPr>
+            <a:lvl4pPr lvl="3">
+              <a:buNone/>
+              <a:defRPr/>
+            </a:lvl4pPr>
+            <a:lvl5pPr lvl="4">
+              <a:buNone/>
+              <a:defRPr/>
+            </a:lvl5pPr>
+            <a:lvl6pPr lvl="5">
+              <a:buNone/>
+              <a:defRPr/>
+            </a:lvl6pPr>
+            <a:lvl7pPr lvl="6">
+              <a:buNone/>
+              <a:defRPr/>
+            </a:lvl7pPr>
+            <a:lvl8pPr lvl="7">
+              <a:buNone/>
+              <a:defRPr/>
+            </a:lvl8pPr>
+            <a:lvl9pPr lvl="8">
+              <a:buNone/>
+              <a:defRPr/>
+            </a:lvl9pPr>
+          </a:lstStyle>
+          <a:p>
+            <a:fld id="{00000000-1234-1234-1234-123412341234}" type="slidenum">
+              <a:rPr lang="en" smtClean="0"/>
+              <a:pPr/>
+              <a:t>‹#›</a:t>
+            </a:fld>
+            <a:endParaRPr lang="en"/>
+          </a:p>
+        </p:txBody>
+      </p:sp>
+    </p:spTree>
+  </p:cSld>
+  <p:clrMapOvr>
+    <a:masterClrMapping/>
+  </p:clrMapOvr>
+</p:sldLayout>
+</file>
+
+<file path=ppt/slideLayouts/slideLayout7.xml><?xml version="1.0" encoding="utf-8"?>
+<p:sldLayout xmlns:a="http://schemas.openxmlformats.org/drawingml/2006/main" xmlns:r="http://schemas.openxmlformats.org/officeDocument/2006/relationships" xmlns:p="http://schemas.openxmlformats.org/presentationml/2006/main" matchingName="Section title and description">
+  <p:cSld name="SECTION_TITLE_AND_DESCRIPTION">
+    <p:spTree>
+      <p:nvGrpSpPr>
+        <p:cNvPr id="1" name="Shape 35"/>
+        <p:cNvGrpSpPr/>
+        <p:nvPr/>
+      </p:nvGrpSpPr>
+      <p:grpSpPr>
+        <a:xfrm>
+          <a:off x="0" y="0"/>
+          <a:ext cx="0" cy="0"/>
+          <a:chOff x="0" y="0"/>
+          <a:chExt cx="0" cy="0"/>
+        </a:xfrm>
+      </p:grpSpPr>
+      <p:sp>
+        <p:nvSpPr>
+          <p:cNvPr id="36" name="Google Shape;36;p9"/>
+          <p:cNvSpPr/>
+          <p:nvPr/>
+        </p:nvSpPr>
+        <p:spPr>
+          <a:xfrm>
+            <a:off x="5399881" y="-140"/>
+            <a:ext cx="5399882" cy="5759450"/>
+          </a:xfrm>
+          <a:prstGeom prst="rect">
+            <a:avLst/>
+          </a:prstGeom>
+          <a:solidFill>
+            <a:schemeClr val="lt2"/>
+          </a:solidFill>
+          <a:ln>
+            <a:noFill/>
+          </a:ln>
+        </p:spPr>
+        <p:txBody>
+          <a:bodyPr spcFirstLastPara="1" wrap="square" lIns="91425" tIns="91425" rIns="91425" bIns="91425" anchor="ctr" anchorCtr="0">
+            <a:noAutofit/>
+          </a:bodyPr>
+          <a:lstStyle/>
+          <a:p>
+            <a:pPr marL="0" lvl="0" indent="0" algn="l" rtl="0">
+              <a:spcBef>
+                <a:spcPts val="0"/>
+              </a:spcBef>
+              <a:spcAft>
+                <a:spcPts val="0"/>
+              </a:spcAft>
+              <a:buNone/>
+            </a:pPr>
+            <a:endParaRPr sz="1400"/>
+          </a:p>
+        </p:txBody>
+      </p:sp>
+      <p:sp>
+        <p:nvSpPr>
+          <p:cNvPr id="37" name="Google Shape;37;p9"/>
+          <p:cNvSpPr txBox="1">
+            <a:spLocks noGrp="1"/>
+          </p:cNvSpPr>
+          <p:nvPr>
+            <p:ph type="title"/>
+          </p:nvPr>
+        </p:nvSpPr>
+        <p:spPr>
+          <a:xfrm>
+            <a:off x="313576" y="1380852"/>
+            <a:ext cx="4777690" cy="1659810"/>
+          </a:xfrm>
+          <a:prstGeom prst="rect">
+            <a:avLst/>
+          </a:prstGeom>
+        </p:spPr>
+        <p:txBody>
+          <a:bodyPr spcFirstLastPara="1" wrap="square" lIns="91425" tIns="91425" rIns="91425" bIns="91425" anchor="b" anchorCtr="0">
+            <a:normAutofit/>
+          </a:bodyPr>
+          <a:lstStyle>
+            <a:lvl1pPr lvl="0" algn="ctr">
+              <a:spcBef>
+                <a:spcPts val="0"/>
+              </a:spcBef>
+              <a:spcAft>
+                <a:spcPts val="0"/>
+              </a:spcAft>
+              <a:buSzPts val="4200"/>
+              <a:buNone/>
+              <a:defRPr sz="4200"/>
+            </a:lvl1pPr>
+            <a:lvl2pPr lvl="1" algn="ctr">
+              <a:spcBef>
+                <a:spcPts val="0"/>
+              </a:spcBef>
+              <a:spcAft>
+                <a:spcPts val="0"/>
+              </a:spcAft>
+              <a:buSzPts val="4200"/>
+              <a:buNone/>
+              <a:defRPr sz="4200"/>
+            </a:lvl2pPr>
+            <a:lvl3pPr lvl="2" algn="ctr">
+              <a:spcBef>
+                <a:spcPts val="0"/>
+              </a:spcBef>
+              <a:spcAft>
+                <a:spcPts val="0"/>
+              </a:spcAft>
+              <a:buSzPts val="4200"/>
+              <a:buNone/>
+              <a:defRPr sz="4200"/>
+            </a:lvl3pPr>
+            <a:lvl4pPr lvl="3" algn="ctr">
+              <a:spcBef>
+                <a:spcPts val="0"/>
+              </a:spcBef>
+              <a:spcAft>
+                <a:spcPts val="0"/>
+              </a:spcAft>
+              <a:buSzPts val="4200"/>
+              <a:buNone/>
+              <a:defRPr sz="4200"/>
+            </a:lvl4pPr>
+            <a:lvl5pPr lvl="4" algn="ctr">
+              <a:spcBef>
+                <a:spcPts val="0"/>
+              </a:spcBef>
+              <a:spcAft>
+                <a:spcPts val="0"/>
+              </a:spcAft>
+              <a:buSzPts val="4200"/>
+              <a:buNone/>
+              <a:defRPr sz="4200"/>
+            </a:lvl5pPr>
+            <a:lvl6pPr lvl="5" algn="ctr">
+              <a:spcBef>
+                <a:spcPts val="0"/>
+              </a:spcBef>
+              <a:spcAft>
+                <a:spcPts val="0"/>
+              </a:spcAft>
+              <a:buSzPts val="4200"/>
+              <a:buNone/>
+              <a:defRPr sz="4200"/>
+            </a:lvl6pPr>
+            <a:lvl7pPr lvl="6" algn="ctr">
+              <a:spcBef>
+                <a:spcPts val="0"/>
+              </a:spcBef>
+              <a:spcAft>
+                <a:spcPts val="0"/>
+              </a:spcAft>
+              <a:buSzPts val="4200"/>
+              <a:buNone/>
+              <a:defRPr sz="4200"/>
+            </a:lvl7pPr>
+            <a:lvl8pPr lvl="7" algn="ctr">
+              <a:spcBef>
+                <a:spcPts val="0"/>
+              </a:spcBef>
+              <a:spcAft>
+                <a:spcPts val="0"/>
+              </a:spcAft>
+              <a:buSzPts val="4200"/>
+              <a:buNone/>
+              <a:defRPr sz="4200"/>
+            </a:lvl8pPr>
+            <a:lvl9pPr lvl="8" algn="ctr">
+              <a:spcBef>
+                <a:spcPts val="0"/>
+              </a:spcBef>
+              <a:spcAft>
+                <a:spcPts val="0"/>
+              </a:spcAft>
+              <a:buSzPts val="4200"/>
+              <a:buNone/>
+              <a:defRPr sz="4200"/>
+            </a:lvl9pPr>
+          </a:lstStyle>
+          <a:p>
+            <a:endParaRPr/>
+          </a:p>
+        </p:txBody>
+      </p:sp>
+      <p:sp>
+        <p:nvSpPr>
+          <p:cNvPr id="38" name="Google Shape;38;p9"/>
+          <p:cNvSpPr txBox="1">
+            <a:spLocks noGrp="1"/>
+          </p:cNvSpPr>
+          <p:nvPr>
+            <p:ph type="subTitle" idx="1"/>
+          </p:nvPr>
+        </p:nvSpPr>
+        <p:spPr>
+          <a:xfrm>
+            <a:off x="313576" y="3138752"/>
+            <a:ext cx="4777690" cy="1383007"/>
+          </a:xfrm>
+          <a:prstGeom prst="rect">
+            <a:avLst/>
+          </a:prstGeom>
+        </p:spPr>
+        <p:txBody>
+          <a:bodyPr spcFirstLastPara="1" wrap="square" lIns="91425" tIns="91425" rIns="91425" bIns="91425" anchor="t" anchorCtr="0">
+            <a:normAutofit/>
+          </a:bodyPr>
+          <a:lstStyle>
+            <a:lvl1pPr lvl="0" algn="ctr">
+              <a:lnSpc>
+                <a:spcPct val="100000"/>
+              </a:lnSpc>
+              <a:spcBef>
+                <a:spcPts val="0"/>
+              </a:spcBef>
+              <a:spcAft>
+                <a:spcPts val="0"/>
+              </a:spcAft>
+              <a:buSzPts val="2100"/>
+              <a:buNone/>
+              <a:defRPr sz="2100"/>
+            </a:lvl1pPr>
+            <a:lvl2pPr lvl="1" algn="ctr">
+              <a:lnSpc>
+                <a:spcPct val="100000"/>
+              </a:lnSpc>
+              <a:spcBef>
+                <a:spcPts val="0"/>
+              </a:spcBef>
+              <a:spcAft>
+                <a:spcPts val="0"/>
+              </a:spcAft>
+              <a:buSzPts val="2100"/>
+              <a:buNone/>
+              <a:defRPr sz="2100"/>
+            </a:lvl2pPr>
+            <a:lvl3pPr lvl="2" algn="ctr">
+              <a:lnSpc>
+                <a:spcPct val="100000"/>
+              </a:lnSpc>
+              <a:spcBef>
+                <a:spcPts val="0"/>
+              </a:spcBef>
+              <a:spcAft>
+                <a:spcPts val="0"/>
+              </a:spcAft>
+              <a:buSzPts val="2100"/>
+              <a:buNone/>
+              <a:defRPr sz="2100"/>
+            </a:lvl3pPr>
+            <a:lvl4pPr lvl="3" algn="ctr">
+              <a:lnSpc>
+                <a:spcPct val="100000"/>
+              </a:lnSpc>
+              <a:spcBef>
+                <a:spcPts val="0"/>
+              </a:spcBef>
+              <a:spcAft>
+                <a:spcPts val="0"/>
+              </a:spcAft>
+              <a:buSzPts val="2100"/>
+              <a:buNone/>
+              <a:defRPr sz="2100"/>
+            </a:lvl4pPr>
+            <a:lvl5pPr lvl="4" algn="ctr">
+              <a:lnSpc>
+                <a:spcPct val="100000"/>
+              </a:lnSpc>
+              <a:spcBef>
+                <a:spcPts val="0"/>
+              </a:spcBef>
+              <a:spcAft>
+                <a:spcPts val="0"/>
+              </a:spcAft>
+              <a:buSzPts val="2100"/>
+              <a:buNone/>
+              <a:defRPr sz="2100"/>
+            </a:lvl5pPr>
+            <a:lvl6pPr lvl="5" algn="ctr">
+              <a:lnSpc>
+                <a:spcPct val="100000"/>
+              </a:lnSpc>
+              <a:spcBef>
+                <a:spcPts val="0"/>
+              </a:spcBef>
+              <a:spcAft>
+                <a:spcPts val="0"/>
+              </a:spcAft>
+              <a:buSzPts val="2100"/>
+              <a:buNone/>
+              <a:defRPr sz="2100"/>
+            </a:lvl6pPr>
+            <a:lvl7pPr lvl="6" algn="ctr">
+              <a:lnSpc>
+                <a:spcPct val="100000"/>
+              </a:lnSpc>
+              <a:spcBef>
+                <a:spcPts val="0"/>
+              </a:spcBef>
+              <a:spcAft>
+                <a:spcPts val="0"/>
+              </a:spcAft>
+              <a:buSzPts val="2100"/>
+              <a:buNone/>
+              <a:defRPr sz="2100"/>
+            </a:lvl7pPr>
+            <a:lvl8pPr lvl="7" algn="ctr">
+              <a:lnSpc>
+                <a:spcPct val="100000"/>
+              </a:lnSpc>
+              <a:spcBef>
+                <a:spcPts val="0"/>
+              </a:spcBef>
+              <a:spcAft>
+                <a:spcPts val="0"/>
+              </a:spcAft>
+              <a:buSzPts val="2100"/>
+              <a:buNone/>
+              <a:defRPr sz="2100"/>
+            </a:lvl8pPr>
+            <a:lvl9pPr lvl="8" algn="ctr">
+              <a:lnSpc>
+                <a:spcPct val="100000"/>
+              </a:lnSpc>
+              <a:spcBef>
+                <a:spcPts val="0"/>
+              </a:spcBef>
+              <a:spcAft>
+                <a:spcPts val="0"/>
+              </a:spcAft>
+              <a:buSzPts val="2100"/>
+              <a:buNone/>
+              <a:defRPr sz="2100"/>
+            </a:lvl9pPr>
+          </a:lstStyle>
+          <a:p>
+            <a:endParaRPr/>
+          </a:p>
+        </p:txBody>
+      </p:sp>
+      <p:sp>
+        <p:nvSpPr>
+          <p:cNvPr id="39" name="Google Shape;39;p9"/>
+          <p:cNvSpPr txBox="1">
+            <a:spLocks noGrp="1"/>
+          </p:cNvSpPr>
+          <p:nvPr>
+            <p:ph type="body" idx="2"/>
+          </p:nvPr>
+        </p:nvSpPr>
+        <p:spPr>
+          <a:xfrm>
+            <a:off x="5833927" y="810785"/>
+            <a:ext cx="4531790" cy="4137600"/>
+          </a:xfrm>
+          <a:prstGeom prst="rect">
+            <a:avLst/>
+          </a:prstGeom>
+        </p:spPr>
+        <p:txBody>
+          <a:bodyPr spcFirstLastPara="1" wrap="square" lIns="91425" tIns="91425" rIns="91425" bIns="91425" anchor="ctr" anchorCtr="0">
+            <a:normAutofit/>
+          </a:bodyPr>
+          <a:lstStyle>
+            <a:lvl1pPr marL="457217" lvl="0" indent="-342913">
+              <a:spcBef>
+                <a:spcPts val="0"/>
+              </a:spcBef>
+              <a:spcAft>
+                <a:spcPts val="0"/>
+              </a:spcAft>
+              <a:buSzPts val="1800"/>
+              <a:buChar char="●"/>
+              <a:defRPr/>
+            </a:lvl1pPr>
+            <a:lvl2pPr marL="914434" lvl="1" indent="-317512">
+              <a:spcBef>
+                <a:spcPts val="0"/>
+              </a:spcBef>
+              <a:spcAft>
+                <a:spcPts val="0"/>
+              </a:spcAft>
+              <a:buSzPts val="1400"/>
+              <a:buChar char="○"/>
+              <a:defRPr/>
+            </a:lvl2pPr>
+            <a:lvl3pPr marL="1371651" lvl="2" indent="-317512">
+              <a:spcBef>
+                <a:spcPts val="0"/>
+              </a:spcBef>
+              <a:spcAft>
+                <a:spcPts val="0"/>
+              </a:spcAft>
+              <a:buSzPts val="1400"/>
+              <a:buChar char="■"/>
+              <a:defRPr/>
+            </a:lvl3pPr>
+            <a:lvl4pPr marL="1828869" lvl="3" indent="-317512">
+              <a:spcBef>
+                <a:spcPts val="0"/>
+              </a:spcBef>
+              <a:spcAft>
+                <a:spcPts val="0"/>
+              </a:spcAft>
+              <a:buSzPts val="1400"/>
+              <a:buChar char="●"/>
+              <a:defRPr/>
+            </a:lvl4pPr>
+            <a:lvl5pPr marL="2286086" lvl="4" indent="-317512">
+              <a:spcBef>
+                <a:spcPts val="0"/>
+              </a:spcBef>
+              <a:spcAft>
+                <a:spcPts val="0"/>
+              </a:spcAft>
+              <a:buSzPts val="1400"/>
+              <a:buChar char="○"/>
+              <a:defRPr/>
+            </a:lvl5pPr>
+            <a:lvl6pPr marL="2743303" lvl="5" indent="-317512">
+              <a:spcBef>
+                <a:spcPts val="0"/>
+              </a:spcBef>
+              <a:spcAft>
+                <a:spcPts val="0"/>
+              </a:spcAft>
+              <a:buSzPts val="1400"/>
+              <a:buChar char="■"/>
+              <a:defRPr/>
+            </a:lvl6pPr>
+            <a:lvl7pPr marL="3200519" lvl="6" indent="-317512">
+              <a:spcBef>
+                <a:spcPts val="0"/>
+              </a:spcBef>
+              <a:spcAft>
+                <a:spcPts val="0"/>
+              </a:spcAft>
+              <a:buSzPts val="1400"/>
+              <a:buChar char="●"/>
+              <a:defRPr/>
+            </a:lvl7pPr>
+            <a:lvl8pPr marL="3657736" lvl="7" indent="-317512">
+              <a:spcBef>
+                <a:spcPts val="0"/>
+              </a:spcBef>
+              <a:spcAft>
+                <a:spcPts val="0"/>
+              </a:spcAft>
+              <a:buSzPts val="1400"/>
+              <a:buChar char="○"/>
+              <a:defRPr/>
+            </a:lvl8pPr>
+            <a:lvl9pPr marL="4114954" lvl="8" indent="-317512">
+              <a:spcBef>
+                <a:spcPts val="0"/>
+              </a:spcBef>
+              <a:spcAft>
+                <a:spcPts val="0"/>
+              </a:spcAft>
+              <a:buSzPts val="1400"/>
+              <a:buChar char="■"/>
+              <a:defRPr/>
+            </a:lvl9pPr>
+          </a:lstStyle>
+          <a:p>
+            <a:endParaRPr/>
+          </a:p>
+        </p:txBody>
+      </p:sp>
+      <p:sp>
+        <p:nvSpPr>
+          <p:cNvPr id="40" name="Google Shape;40;p9"/>
+          <p:cNvSpPr txBox="1">
+            <a:spLocks noGrp="1"/>
+          </p:cNvSpPr>
+          <p:nvPr>
+            <p:ph type="sldNum" idx="12"/>
+          </p:nvPr>
+        </p:nvSpPr>
+        <p:spPr>
+          <a:xfrm>
+            <a:off x="10006621" y="5221652"/>
+            <a:ext cx="648057" cy="440735"/>
+          </a:xfrm>
+          <a:prstGeom prst="rect">
+            <a:avLst/>
+          </a:prstGeom>
+        </p:spPr>
+        <p:txBody>
+          <a:bodyPr spcFirstLastPara="1" wrap="square" lIns="91425" tIns="91425" rIns="91425" bIns="91425" anchor="ctr" anchorCtr="0">
+            <a:normAutofit/>
+          </a:bodyPr>
+          <a:lstStyle>
+            <a:lvl1pPr lvl="0">
+              <a:buNone/>
+              <a:defRPr/>
+            </a:lvl1pPr>
+            <a:lvl2pPr lvl="1">
+              <a:buNone/>
+              <a:defRPr/>
+            </a:lvl2pPr>
+            <a:lvl3pPr lvl="2">
+              <a:buNone/>
+              <a:defRPr/>
+            </a:lvl3pPr>
+            <a:lvl4pPr lvl="3">
+              <a:buNone/>
+              <a:defRPr/>
+            </a:lvl4pPr>
+            <a:lvl5pPr lvl="4">
+              <a:buNone/>
+              <a:defRPr/>
+            </a:lvl5pPr>
+            <a:lvl6pPr lvl="5">
+              <a:buNone/>
+              <a:defRPr/>
+            </a:lvl6pPr>
+            <a:lvl7pPr lvl="6">
+              <a:buNone/>
+              <a:defRPr/>
+            </a:lvl7pPr>
+            <a:lvl8pPr lvl="7">
+              <a:buNone/>
+              <a:defRPr/>
+            </a:lvl8pPr>
+            <a:lvl9pPr lvl="8">
+              <a:buNone/>
+              <a:defRPr/>
+            </a:lvl9pPr>
+          </a:lstStyle>
+          <a:p>
+            <a:fld id="{00000000-1234-1234-1234-123412341234}" type="slidenum">
+              <a:rPr lang="en" smtClean="0"/>
+              <a:pPr/>
+              <a:t>‹#›</a:t>
+            </a:fld>
+            <a:endParaRPr lang="en"/>
+          </a:p>
+        </p:txBody>
+      </p:sp>
+    </p:spTree>
+  </p:cSld>
+  <p:clrMapOvr>
+    <a:masterClrMapping/>
+  </p:clrMapOvr>
+</p:sldLayout>
+</file>
+
+<file path=ppt/slideLayouts/slideLayout8.xml><?xml version="1.0" encoding="utf-8"?>
+<p:sldLayout xmlns:a="http://schemas.openxmlformats.org/drawingml/2006/main" xmlns:r="http://schemas.openxmlformats.org/officeDocument/2006/relationships" xmlns:p="http://schemas.openxmlformats.org/presentationml/2006/main" matchingName="Caption">
+  <p:cSld name="CAPTION_ONLY">
+    <p:spTree>
+      <p:nvGrpSpPr>
+        <p:cNvPr id="1" name="Shape 41"/>
+        <p:cNvGrpSpPr/>
+        <p:nvPr/>
+      </p:nvGrpSpPr>
+      <p:grpSpPr>
+        <a:xfrm>
+          <a:off x="0" y="0"/>
+          <a:ext cx="0" cy="0"/>
+          <a:chOff x="0" y="0"/>
+          <a:chExt cx="0" cy="0"/>
+        </a:xfrm>
+      </p:grpSpPr>
+      <p:sp>
+        <p:nvSpPr>
+          <p:cNvPr id="42" name="Google Shape;42;p10"/>
+          <p:cNvSpPr txBox="1">
+            <a:spLocks noGrp="1"/>
+          </p:cNvSpPr>
+          <p:nvPr>
+            <p:ph type="body" idx="1"/>
+          </p:nvPr>
+        </p:nvSpPr>
+        <p:spPr>
+          <a:xfrm>
+            <a:off x="368144" y="4737199"/>
+            <a:ext cx="7085041" cy="677563"/>
+          </a:xfrm>
+          <a:prstGeom prst="rect">
+            <a:avLst/>
+          </a:prstGeom>
+        </p:spPr>
+        <p:txBody>
+          <a:bodyPr spcFirstLastPara="1" wrap="square" lIns="91425" tIns="91425" rIns="91425" bIns="91425" anchor="ctr" anchorCtr="0">
+            <a:normAutofit/>
+          </a:bodyPr>
+          <a:lstStyle>
+            <a:lvl1pPr marL="457217" lvl="0" indent="-228608">
+              <a:lnSpc>
+                <a:spcPct val="100000"/>
+              </a:lnSpc>
+              <a:spcBef>
+                <a:spcPts val="0"/>
+              </a:spcBef>
+              <a:spcAft>
+                <a:spcPts val="0"/>
+              </a:spcAft>
+              <a:buSzPts val="1800"/>
+              <a:buNone/>
+              <a:defRPr/>
+            </a:lvl1pPr>
+          </a:lstStyle>
+          <a:p>
+            <a:endParaRPr/>
+          </a:p>
+        </p:txBody>
+      </p:sp>
+      <p:sp>
+        <p:nvSpPr>
+          <p:cNvPr id="43" name="Google Shape;43;p10"/>
+          <p:cNvSpPr txBox="1">
+            <a:spLocks noGrp="1"/>
+          </p:cNvSpPr>
+          <p:nvPr>
+            <p:ph type="sldNum" idx="12"/>
+          </p:nvPr>
+        </p:nvSpPr>
+        <p:spPr>
+          <a:xfrm>
+            <a:off x="10006621" y="5221652"/>
+            <a:ext cx="648057" cy="440735"/>
+          </a:xfrm>
+          <a:prstGeom prst="rect">
+            <a:avLst/>
+          </a:prstGeom>
+        </p:spPr>
+        <p:txBody>
+          <a:bodyPr spcFirstLastPara="1" wrap="square" lIns="91425" tIns="91425" rIns="91425" bIns="91425" anchor="ctr" anchorCtr="0">
+            <a:normAutofit/>
+          </a:bodyPr>
+          <a:lstStyle>
+            <a:lvl1pPr lvl="0">
+              <a:buNone/>
+              <a:defRPr/>
+            </a:lvl1pPr>
+            <a:lvl2pPr lvl="1">
+              <a:buNone/>
+              <a:defRPr/>
+            </a:lvl2pPr>
+            <a:lvl3pPr lvl="2">
+              <a:buNone/>
+              <a:defRPr/>
+            </a:lvl3pPr>
+            <a:lvl4pPr lvl="3">
+              <a:buNone/>
+              <a:defRPr/>
+            </a:lvl4pPr>
+            <a:lvl5pPr lvl="4">
+              <a:buNone/>
+              <a:defRPr/>
+            </a:lvl5pPr>
+            <a:lvl6pPr lvl="5">
+              <a:buNone/>
+              <a:defRPr/>
+            </a:lvl6pPr>
+            <a:lvl7pPr lvl="6">
+              <a:buNone/>
+              <a:defRPr/>
+            </a:lvl7pPr>
+            <a:lvl8pPr lvl="7">
+              <a:buNone/>
+              <a:defRPr/>
+            </a:lvl8pPr>
+            <a:lvl9pPr lvl="8">
+              <a:buNone/>
+              <a:defRPr/>
+            </a:lvl9pPr>
+          </a:lstStyle>
+          <a:p>
+            <a:fld id="{00000000-1234-1234-1234-123412341234}" type="slidenum">
+              <a:rPr lang="en" smtClean="0"/>
+              <a:pPr/>
+              <a:t>‹#›</a:t>
+            </a:fld>
+            <a:endParaRPr lang="en"/>
+          </a:p>
+        </p:txBody>
+      </p:sp>
+    </p:spTree>
+  </p:cSld>
+  <p:clrMapOvr>
+    <a:masterClrMapping/>
+  </p:clrMapOvr>
+</p:sldLayout>
+</file>
+
+<file path=ppt/slideLayouts/slideLayout9.xml><?xml version="1.0" encoding="utf-8"?>
 <p:sldLayout xmlns:a="http://schemas.openxmlformats.org/drawingml/2006/main" xmlns:r="http://schemas.openxmlformats.org/officeDocument/2006/relationships" xmlns:p="http://schemas.openxmlformats.org/presentationml/2006/main" matchingName="Big number">
   <p:cSld name="BIG_NUMBER">
     <p:spTree>
@@ -1438,8 +3596,8 @@
         </p:nvSpPr>
         <p:spPr>
           <a:xfrm>
-            <a:off x="311700" y="1106125"/>
-            <a:ext cx="8520600" cy="1963500"/>
+            <a:off x="368142" y="1238587"/>
+            <a:ext cx="10063480" cy="2198635"/>
           </a:xfrm>
           <a:prstGeom prst="rect">
             <a:avLst/>
@@ -1569,8 +3727,8 @@
         </p:nvSpPr>
         <p:spPr>
           <a:xfrm>
-            <a:off x="311700" y="3152225"/>
-            <a:ext cx="8520600" cy="1300800"/>
+            <a:off x="368142" y="3529714"/>
+            <a:ext cx="10063480" cy="1456575"/>
           </a:xfrm>
           <a:prstGeom prst="rect">
             <a:avLst/>
@@ -1581,7 +3739,7 @@
             <a:normAutofit/>
           </a:bodyPr>
           <a:lstStyle>
-            <a:lvl1pPr marL="457200" lvl="0" indent="-342900" algn="ctr">
+            <a:lvl1pPr marL="457217" lvl="0" indent="-342913" algn="ctr">
               <a:spcBef>
                 <a:spcPts val="0"/>
               </a:spcBef>
@@ -1592,7 +3750,7 @@
               <a:buChar char="●"/>
               <a:defRPr/>
             </a:lvl1pPr>
-            <a:lvl2pPr marL="914400" lvl="1" indent="-317500" algn="ctr">
+            <a:lvl2pPr marL="914434" lvl="1" indent="-317512" algn="ctr">
               <a:spcBef>
                 <a:spcPts val="0"/>
               </a:spcBef>
@@ -1603,7 +3761,7 @@
               <a:buChar char="○"/>
               <a:defRPr/>
             </a:lvl2pPr>
-            <a:lvl3pPr marL="1371600" lvl="2" indent="-317500" algn="ctr">
+            <a:lvl3pPr marL="1371651" lvl="2" indent="-317512" algn="ctr">
               <a:spcBef>
                 <a:spcPts val="0"/>
               </a:spcBef>
@@ -1614,7 +3772,7 @@
               <a:buChar char="■"/>
               <a:defRPr/>
             </a:lvl3pPr>
-            <a:lvl4pPr marL="1828800" lvl="3" indent="-317500" algn="ctr">
+            <a:lvl4pPr marL="1828869" lvl="3" indent="-317512" algn="ctr">
               <a:spcBef>
                 <a:spcPts val="0"/>
               </a:spcBef>
@@ -1625,7 +3783,7 @@
               <a:buChar char="●"/>
               <a:defRPr/>
             </a:lvl4pPr>
-            <a:lvl5pPr marL="2286000" lvl="4" indent="-317500" algn="ctr">
+            <a:lvl5pPr marL="2286086" lvl="4" indent="-317512" algn="ctr">
               <a:spcBef>
                 <a:spcPts val="0"/>
               </a:spcBef>
@@ -1636,7 +3794,7 @@
               <a:buChar char="○"/>
               <a:defRPr/>
             </a:lvl5pPr>
-            <a:lvl6pPr marL="2743200" lvl="5" indent="-317500" algn="ctr">
+            <a:lvl6pPr marL="2743303" lvl="5" indent="-317512" algn="ctr">
               <a:spcBef>
                 <a:spcPts val="0"/>
               </a:spcBef>
@@ -1647,7 +3805,7 @@
               <a:buChar char="■"/>
               <a:defRPr/>
             </a:lvl6pPr>
-            <a:lvl7pPr marL="3200400" lvl="6" indent="-317500" algn="ctr">
+            <a:lvl7pPr marL="3200519" lvl="6" indent="-317512" algn="ctr">
               <a:spcBef>
                 <a:spcPts val="0"/>
               </a:spcBef>
@@ -1658,7 +3816,7 @@
               <a:buChar char="●"/>
               <a:defRPr/>
             </a:lvl7pPr>
-            <a:lvl8pPr marL="3657600" lvl="7" indent="-317500" algn="ctr">
+            <a:lvl8pPr marL="3657736" lvl="7" indent="-317512" algn="ctr">
               <a:spcBef>
                 <a:spcPts val="0"/>
               </a:spcBef>
@@ -1669,7 +3827,7 @@
               <a:buChar char="○"/>
               <a:defRPr/>
             </a:lvl8pPr>
-            <a:lvl9pPr marL="4114800" lvl="8" indent="-317500" algn="ctr">
+            <a:lvl9pPr marL="4114954" lvl="8" indent="-317512" algn="ctr">
               <a:spcBef>
                 <a:spcPts val="0"/>
               </a:spcBef>
@@ -1698,8 +3856,8 @@
         </p:nvSpPr>
         <p:spPr>
           <a:xfrm>
-            <a:off x="8472458" y="4663217"/>
-            <a:ext cx="548700" cy="393600"/>
+            <a:off x="10006621" y="5221652"/>
+            <a:ext cx="648057" cy="440735"/>
           </a:xfrm>
           <a:prstGeom prst="rect">
             <a:avLst/>
@@ -1748,2744 +3906,12 @@
             </a:lvl9pPr>
           </a:lstStyle>
           <a:p>
-            <a:pPr marL="0" lvl="0" indent="0" algn="r" rtl="0">
-              <a:spcBef>
-                <a:spcPts val="0"/>
-              </a:spcBef>
-              <a:spcAft>
-                <a:spcPts val="0"/>
-              </a:spcAft>
-              <a:buNone/>
-            </a:pPr>
             <a:fld id="{00000000-1234-1234-1234-123412341234}" type="slidenum">
-              <a:rPr lang="en"/>
+              <a:rPr lang="en" smtClean="0"/>
+              <a:pPr/>
               <a:t>‹#›</a:t>
             </a:fld>
-            <a:endParaRPr/>
-          </a:p>
-        </p:txBody>
-      </p:sp>
-    </p:spTree>
-  </p:cSld>
-  <p:clrMapOvr>
-    <a:masterClrMapping/>
-  </p:clrMapOvr>
-</p:sldLayout>
-</file>
-
-<file path=ppt/slideLayouts/slideLayout11.xml><?xml version="1.0" encoding="utf-8"?>
-<p:sldLayout xmlns:a="http://schemas.openxmlformats.org/drawingml/2006/main" xmlns:r="http://schemas.openxmlformats.org/officeDocument/2006/relationships" xmlns:p="http://schemas.openxmlformats.org/presentationml/2006/main" matchingName="Blank" type="blank">
-  <p:cSld name="BLANK">
-    <p:spTree>
-      <p:nvGrpSpPr>
-        <p:cNvPr id="1" name="Shape 48"/>
-        <p:cNvGrpSpPr/>
-        <p:nvPr/>
-      </p:nvGrpSpPr>
-      <p:grpSpPr>
-        <a:xfrm>
-          <a:off x="0" y="0"/>
-          <a:ext cx="0" cy="0"/>
-          <a:chOff x="0" y="0"/>
-          <a:chExt cx="0" cy="0"/>
-        </a:xfrm>
-      </p:grpSpPr>
-      <p:sp>
-        <p:nvSpPr>
-          <p:cNvPr id="49" name="Google Shape;49;p12"/>
-          <p:cNvSpPr txBox="1">
-            <a:spLocks noGrp="1"/>
-          </p:cNvSpPr>
-          <p:nvPr>
-            <p:ph type="sldNum" idx="12"/>
-          </p:nvPr>
-        </p:nvSpPr>
-        <p:spPr>
-          <a:xfrm>
-            <a:off x="8472458" y="4663217"/>
-            <a:ext cx="548700" cy="393600"/>
-          </a:xfrm>
-          <a:prstGeom prst="rect">
-            <a:avLst/>
-          </a:prstGeom>
-        </p:spPr>
-        <p:txBody>
-          <a:bodyPr spcFirstLastPara="1" wrap="square" lIns="91425" tIns="91425" rIns="91425" bIns="91425" anchor="ctr" anchorCtr="0">
-            <a:normAutofit/>
-          </a:bodyPr>
-          <a:lstStyle>
-            <a:lvl1pPr lvl="0">
-              <a:buNone/>
-              <a:defRPr/>
-            </a:lvl1pPr>
-            <a:lvl2pPr lvl="1">
-              <a:buNone/>
-              <a:defRPr/>
-            </a:lvl2pPr>
-            <a:lvl3pPr lvl="2">
-              <a:buNone/>
-              <a:defRPr/>
-            </a:lvl3pPr>
-            <a:lvl4pPr lvl="3">
-              <a:buNone/>
-              <a:defRPr/>
-            </a:lvl4pPr>
-            <a:lvl5pPr lvl="4">
-              <a:buNone/>
-              <a:defRPr/>
-            </a:lvl5pPr>
-            <a:lvl6pPr lvl="5">
-              <a:buNone/>
-              <a:defRPr/>
-            </a:lvl6pPr>
-            <a:lvl7pPr lvl="6">
-              <a:buNone/>
-              <a:defRPr/>
-            </a:lvl7pPr>
-            <a:lvl8pPr lvl="7">
-              <a:buNone/>
-              <a:defRPr/>
-            </a:lvl8pPr>
-            <a:lvl9pPr lvl="8">
-              <a:buNone/>
-              <a:defRPr/>
-            </a:lvl9pPr>
-          </a:lstStyle>
-          <a:p>
-            <a:pPr marL="0" lvl="0" indent="0" algn="r" rtl="0">
-              <a:spcBef>
-                <a:spcPts val="0"/>
-              </a:spcBef>
-              <a:spcAft>
-                <a:spcPts val="0"/>
-              </a:spcAft>
-              <a:buNone/>
-            </a:pPr>
-            <a:fld id="{00000000-1234-1234-1234-123412341234}" type="slidenum">
-              <a:rPr lang="en"/>
-              <a:t>‹#›</a:t>
-            </a:fld>
-            <a:endParaRPr/>
-          </a:p>
-        </p:txBody>
-      </p:sp>
-    </p:spTree>
-  </p:cSld>
-  <p:clrMapOvr>
-    <a:masterClrMapping/>
-  </p:clrMapOvr>
-</p:sldLayout>
-</file>
-
-<file path=ppt/slideLayouts/slideLayout2.xml><?xml version="1.0" encoding="utf-8"?>
-<p:sldLayout xmlns:a="http://schemas.openxmlformats.org/drawingml/2006/main" xmlns:r="http://schemas.openxmlformats.org/officeDocument/2006/relationships" xmlns:p="http://schemas.openxmlformats.org/presentationml/2006/main" matchingName="Section header" type="secHead">
-  <p:cSld name="SECTION_HEADER">
-    <p:spTree>
-      <p:nvGrpSpPr>
-        <p:cNvPr id="1" name="Shape 13"/>
-        <p:cNvGrpSpPr/>
-        <p:nvPr/>
-      </p:nvGrpSpPr>
-      <p:grpSpPr>
-        <a:xfrm>
-          <a:off x="0" y="0"/>
-          <a:ext cx="0" cy="0"/>
-          <a:chOff x="0" y="0"/>
-          <a:chExt cx="0" cy="0"/>
-        </a:xfrm>
-      </p:grpSpPr>
-      <p:sp>
-        <p:nvSpPr>
-          <p:cNvPr id="14" name="Google Shape;14;p3"/>
-          <p:cNvSpPr txBox="1">
-            <a:spLocks noGrp="1"/>
-          </p:cNvSpPr>
-          <p:nvPr>
-            <p:ph type="title"/>
-          </p:nvPr>
-        </p:nvSpPr>
-        <p:spPr>
-          <a:xfrm>
-            <a:off x="311700" y="2150850"/>
-            <a:ext cx="8520600" cy="841800"/>
-          </a:xfrm>
-          <a:prstGeom prst="rect">
-            <a:avLst/>
-          </a:prstGeom>
-        </p:spPr>
-        <p:txBody>
-          <a:bodyPr spcFirstLastPara="1" wrap="square" lIns="91425" tIns="91425" rIns="91425" bIns="91425" anchor="ctr" anchorCtr="0">
-            <a:normAutofit/>
-          </a:bodyPr>
-          <a:lstStyle>
-            <a:lvl1pPr lvl="0" algn="ctr">
-              <a:spcBef>
-                <a:spcPts val="0"/>
-              </a:spcBef>
-              <a:spcAft>
-                <a:spcPts val="0"/>
-              </a:spcAft>
-              <a:buSzPts val="3600"/>
-              <a:buNone/>
-              <a:defRPr sz="3600"/>
-            </a:lvl1pPr>
-            <a:lvl2pPr lvl="1" algn="ctr">
-              <a:spcBef>
-                <a:spcPts val="0"/>
-              </a:spcBef>
-              <a:spcAft>
-                <a:spcPts val="0"/>
-              </a:spcAft>
-              <a:buSzPts val="3600"/>
-              <a:buNone/>
-              <a:defRPr sz="3600"/>
-            </a:lvl2pPr>
-            <a:lvl3pPr lvl="2" algn="ctr">
-              <a:spcBef>
-                <a:spcPts val="0"/>
-              </a:spcBef>
-              <a:spcAft>
-                <a:spcPts val="0"/>
-              </a:spcAft>
-              <a:buSzPts val="3600"/>
-              <a:buNone/>
-              <a:defRPr sz="3600"/>
-            </a:lvl3pPr>
-            <a:lvl4pPr lvl="3" algn="ctr">
-              <a:spcBef>
-                <a:spcPts val="0"/>
-              </a:spcBef>
-              <a:spcAft>
-                <a:spcPts val="0"/>
-              </a:spcAft>
-              <a:buSzPts val="3600"/>
-              <a:buNone/>
-              <a:defRPr sz="3600"/>
-            </a:lvl4pPr>
-            <a:lvl5pPr lvl="4" algn="ctr">
-              <a:spcBef>
-                <a:spcPts val="0"/>
-              </a:spcBef>
-              <a:spcAft>
-                <a:spcPts val="0"/>
-              </a:spcAft>
-              <a:buSzPts val="3600"/>
-              <a:buNone/>
-              <a:defRPr sz="3600"/>
-            </a:lvl5pPr>
-            <a:lvl6pPr lvl="5" algn="ctr">
-              <a:spcBef>
-                <a:spcPts val="0"/>
-              </a:spcBef>
-              <a:spcAft>
-                <a:spcPts val="0"/>
-              </a:spcAft>
-              <a:buSzPts val="3600"/>
-              <a:buNone/>
-              <a:defRPr sz="3600"/>
-            </a:lvl6pPr>
-            <a:lvl7pPr lvl="6" algn="ctr">
-              <a:spcBef>
-                <a:spcPts val="0"/>
-              </a:spcBef>
-              <a:spcAft>
-                <a:spcPts val="0"/>
-              </a:spcAft>
-              <a:buSzPts val="3600"/>
-              <a:buNone/>
-              <a:defRPr sz="3600"/>
-            </a:lvl7pPr>
-            <a:lvl8pPr lvl="7" algn="ctr">
-              <a:spcBef>
-                <a:spcPts val="0"/>
-              </a:spcBef>
-              <a:spcAft>
-                <a:spcPts val="0"/>
-              </a:spcAft>
-              <a:buSzPts val="3600"/>
-              <a:buNone/>
-              <a:defRPr sz="3600"/>
-            </a:lvl8pPr>
-            <a:lvl9pPr lvl="8" algn="ctr">
-              <a:spcBef>
-                <a:spcPts val="0"/>
-              </a:spcBef>
-              <a:spcAft>
-                <a:spcPts val="0"/>
-              </a:spcAft>
-              <a:buSzPts val="3600"/>
-              <a:buNone/>
-              <a:defRPr sz="3600"/>
-            </a:lvl9pPr>
-          </a:lstStyle>
-          <a:p>
-            <a:endParaRPr/>
-          </a:p>
-        </p:txBody>
-      </p:sp>
-      <p:sp>
-        <p:nvSpPr>
-          <p:cNvPr id="15" name="Google Shape;15;p3"/>
-          <p:cNvSpPr txBox="1">
-            <a:spLocks noGrp="1"/>
-          </p:cNvSpPr>
-          <p:nvPr>
-            <p:ph type="sldNum" idx="12"/>
-          </p:nvPr>
-        </p:nvSpPr>
-        <p:spPr>
-          <a:xfrm>
-            <a:off x="8472458" y="4663217"/>
-            <a:ext cx="548700" cy="393600"/>
-          </a:xfrm>
-          <a:prstGeom prst="rect">
-            <a:avLst/>
-          </a:prstGeom>
-        </p:spPr>
-        <p:txBody>
-          <a:bodyPr spcFirstLastPara="1" wrap="square" lIns="91425" tIns="91425" rIns="91425" bIns="91425" anchor="ctr" anchorCtr="0">
-            <a:normAutofit/>
-          </a:bodyPr>
-          <a:lstStyle>
-            <a:lvl1pPr lvl="0">
-              <a:buNone/>
-              <a:defRPr/>
-            </a:lvl1pPr>
-            <a:lvl2pPr lvl="1">
-              <a:buNone/>
-              <a:defRPr/>
-            </a:lvl2pPr>
-            <a:lvl3pPr lvl="2">
-              <a:buNone/>
-              <a:defRPr/>
-            </a:lvl3pPr>
-            <a:lvl4pPr lvl="3">
-              <a:buNone/>
-              <a:defRPr/>
-            </a:lvl4pPr>
-            <a:lvl5pPr lvl="4">
-              <a:buNone/>
-              <a:defRPr/>
-            </a:lvl5pPr>
-            <a:lvl6pPr lvl="5">
-              <a:buNone/>
-              <a:defRPr/>
-            </a:lvl6pPr>
-            <a:lvl7pPr lvl="6">
-              <a:buNone/>
-              <a:defRPr/>
-            </a:lvl7pPr>
-            <a:lvl8pPr lvl="7">
-              <a:buNone/>
-              <a:defRPr/>
-            </a:lvl8pPr>
-            <a:lvl9pPr lvl="8">
-              <a:buNone/>
-              <a:defRPr/>
-            </a:lvl9pPr>
-          </a:lstStyle>
-          <a:p>
-            <a:pPr marL="0" lvl="0" indent="0" algn="r" rtl="0">
-              <a:spcBef>
-                <a:spcPts val="0"/>
-              </a:spcBef>
-              <a:spcAft>
-                <a:spcPts val="0"/>
-              </a:spcAft>
-              <a:buNone/>
-            </a:pPr>
-            <a:fld id="{00000000-1234-1234-1234-123412341234}" type="slidenum">
-              <a:rPr lang="en"/>
-              <a:t>‹#›</a:t>
-            </a:fld>
-            <a:endParaRPr/>
-          </a:p>
-        </p:txBody>
-      </p:sp>
-    </p:spTree>
-  </p:cSld>
-  <p:clrMapOvr>
-    <a:masterClrMapping/>
-  </p:clrMapOvr>
-</p:sldLayout>
-</file>
-
-<file path=ppt/slideLayouts/slideLayout3.xml><?xml version="1.0" encoding="utf-8"?>
-<p:sldLayout xmlns:a="http://schemas.openxmlformats.org/drawingml/2006/main" xmlns:r="http://schemas.openxmlformats.org/officeDocument/2006/relationships" xmlns:p="http://schemas.openxmlformats.org/presentationml/2006/main" matchingName="Title and body" type="tx">
-  <p:cSld name="TITLE_AND_BODY">
-    <p:spTree>
-      <p:nvGrpSpPr>
-        <p:cNvPr id="1" name="Shape 16"/>
-        <p:cNvGrpSpPr/>
-        <p:nvPr/>
-      </p:nvGrpSpPr>
-      <p:grpSpPr>
-        <a:xfrm>
-          <a:off x="0" y="0"/>
-          <a:ext cx="0" cy="0"/>
-          <a:chOff x="0" y="0"/>
-          <a:chExt cx="0" cy="0"/>
-        </a:xfrm>
-      </p:grpSpPr>
-      <p:sp>
-        <p:nvSpPr>
-          <p:cNvPr id="17" name="Google Shape;17;p4"/>
-          <p:cNvSpPr txBox="1">
-            <a:spLocks noGrp="1"/>
-          </p:cNvSpPr>
-          <p:nvPr>
-            <p:ph type="title"/>
-          </p:nvPr>
-        </p:nvSpPr>
-        <p:spPr>
-          <a:xfrm>
-            <a:off x="311700" y="445025"/>
-            <a:ext cx="8520600" cy="572700"/>
-          </a:xfrm>
-          <a:prstGeom prst="rect">
-            <a:avLst/>
-          </a:prstGeom>
-        </p:spPr>
-        <p:txBody>
-          <a:bodyPr spcFirstLastPara="1" wrap="square" lIns="91425" tIns="91425" rIns="91425" bIns="91425" anchor="t" anchorCtr="0">
-            <a:normAutofit/>
-          </a:bodyPr>
-          <a:lstStyle>
-            <a:lvl1pPr lvl="0">
-              <a:spcBef>
-                <a:spcPts val="0"/>
-              </a:spcBef>
-              <a:spcAft>
-                <a:spcPts val="0"/>
-              </a:spcAft>
-              <a:buSzPts val="2800"/>
-              <a:buNone/>
-              <a:defRPr/>
-            </a:lvl1pPr>
-            <a:lvl2pPr lvl="1">
-              <a:spcBef>
-                <a:spcPts val="0"/>
-              </a:spcBef>
-              <a:spcAft>
-                <a:spcPts val="0"/>
-              </a:spcAft>
-              <a:buSzPts val="2800"/>
-              <a:buNone/>
-              <a:defRPr/>
-            </a:lvl2pPr>
-            <a:lvl3pPr lvl="2">
-              <a:spcBef>
-                <a:spcPts val="0"/>
-              </a:spcBef>
-              <a:spcAft>
-                <a:spcPts val="0"/>
-              </a:spcAft>
-              <a:buSzPts val="2800"/>
-              <a:buNone/>
-              <a:defRPr/>
-            </a:lvl3pPr>
-            <a:lvl4pPr lvl="3">
-              <a:spcBef>
-                <a:spcPts val="0"/>
-              </a:spcBef>
-              <a:spcAft>
-                <a:spcPts val="0"/>
-              </a:spcAft>
-              <a:buSzPts val="2800"/>
-              <a:buNone/>
-              <a:defRPr/>
-            </a:lvl4pPr>
-            <a:lvl5pPr lvl="4">
-              <a:spcBef>
-                <a:spcPts val="0"/>
-              </a:spcBef>
-              <a:spcAft>
-                <a:spcPts val="0"/>
-              </a:spcAft>
-              <a:buSzPts val="2800"/>
-              <a:buNone/>
-              <a:defRPr/>
-            </a:lvl5pPr>
-            <a:lvl6pPr lvl="5">
-              <a:spcBef>
-                <a:spcPts val="0"/>
-              </a:spcBef>
-              <a:spcAft>
-                <a:spcPts val="0"/>
-              </a:spcAft>
-              <a:buSzPts val="2800"/>
-              <a:buNone/>
-              <a:defRPr/>
-            </a:lvl6pPr>
-            <a:lvl7pPr lvl="6">
-              <a:spcBef>
-                <a:spcPts val="0"/>
-              </a:spcBef>
-              <a:spcAft>
-                <a:spcPts val="0"/>
-              </a:spcAft>
-              <a:buSzPts val="2800"/>
-              <a:buNone/>
-              <a:defRPr/>
-            </a:lvl7pPr>
-            <a:lvl8pPr lvl="7">
-              <a:spcBef>
-                <a:spcPts val="0"/>
-              </a:spcBef>
-              <a:spcAft>
-                <a:spcPts val="0"/>
-              </a:spcAft>
-              <a:buSzPts val="2800"/>
-              <a:buNone/>
-              <a:defRPr/>
-            </a:lvl8pPr>
-            <a:lvl9pPr lvl="8">
-              <a:spcBef>
-                <a:spcPts val="0"/>
-              </a:spcBef>
-              <a:spcAft>
-                <a:spcPts val="0"/>
-              </a:spcAft>
-              <a:buSzPts val="2800"/>
-              <a:buNone/>
-              <a:defRPr/>
-            </a:lvl9pPr>
-          </a:lstStyle>
-          <a:p>
-            <a:endParaRPr/>
-          </a:p>
-        </p:txBody>
-      </p:sp>
-      <p:sp>
-        <p:nvSpPr>
-          <p:cNvPr id="18" name="Google Shape;18;p4"/>
-          <p:cNvSpPr txBox="1">
-            <a:spLocks noGrp="1"/>
-          </p:cNvSpPr>
-          <p:nvPr>
-            <p:ph type="body" idx="1"/>
-          </p:nvPr>
-        </p:nvSpPr>
-        <p:spPr>
-          <a:xfrm>
-            <a:off x="311700" y="1152475"/>
-            <a:ext cx="8520600" cy="3416400"/>
-          </a:xfrm>
-          <a:prstGeom prst="rect">
-            <a:avLst/>
-          </a:prstGeom>
-        </p:spPr>
-        <p:txBody>
-          <a:bodyPr spcFirstLastPara="1" wrap="square" lIns="91425" tIns="91425" rIns="91425" bIns="91425" anchor="t" anchorCtr="0">
-            <a:normAutofit/>
-          </a:bodyPr>
-          <a:lstStyle>
-            <a:lvl1pPr marL="457200" lvl="0" indent="-342900">
-              <a:spcBef>
-                <a:spcPts val="0"/>
-              </a:spcBef>
-              <a:spcAft>
-                <a:spcPts val="0"/>
-              </a:spcAft>
-              <a:buSzPts val="1800"/>
-              <a:buChar char="●"/>
-              <a:defRPr/>
-            </a:lvl1pPr>
-            <a:lvl2pPr marL="914400" lvl="1" indent="-317500">
-              <a:spcBef>
-                <a:spcPts val="0"/>
-              </a:spcBef>
-              <a:spcAft>
-                <a:spcPts val="0"/>
-              </a:spcAft>
-              <a:buSzPts val="1400"/>
-              <a:buChar char="○"/>
-              <a:defRPr/>
-            </a:lvl2pPr>
-            <a:lvl3pPr marL="1371600" lvl="2" indent="-317500">
-              <a:spcBef>
-                <a:spcPts val="0"/>
-              </a:spcBef>
-              <a:spcAft>
-                <a:spcPts val="0"/>
-              </a:spcAft>
-              <a:buSzPts val="1400"/>
-              <a:buChar char="■"/>
-              <a:defRPr/>
-            </a:lvl3pPr>
-            <a:lvl4pPr marL="1828800" lvl="3" indent="-317500">
-              <a:spcBef>
-                <a:spcPts val="0"/>
-              </a:spcBef>
-              <a:spcAft>
-                <a:spcPts val="0"/>
-              </a:spcAft>
-              <a:buSzPts val="1400"/>
-              <a:buChar char="●"/>
-              <a:defRPr/>
-            </a:lvl4pPr>
-            <a:lvl5pPr marL="2286000" lvl="4" indent="-317500">
-              <a:spcBef>
-                <a:spcPts val="0"/>
-              </a:spcBef>
-              <a:spcAft>
-                <a:spcPts val="0"/>
-              </a:spcAft>
-              <a:buSzPts val="1400"/>
-              <a:buChar char="○"/>
-              <a:defRPr/>
-            </a:lvl5pPr>
-            <a:lvl6pPr marL="2743200" lvl="5" indent="-317500">
-              <a:spcBef>
-                <a:spcPts val="0"/>
-              </a:spcBef>
-              <a:spcAft>
-                <a:spcPts val="0"/>
-              </a:spcAft>
-              <a:buSzPts val="1400"/>
-              <a:buChar char="■"/>
-              <a:defRPr/>
-            </a:lvl6pPr>
-            <a:lvl7pPr marL="3200400" lvl="6" indent="-317500">
-              <a:spcBef>
-                <a:spcPts val="0"/>
-              </a:spcBef>
-              <a:spcAft>
-                <a:spcPts val="0"/>
-              </a:spcAft>
-              <a:buSzPts val="1400"/>
-              <a:buChar char="●"/>
-              <a:defRPr/>
-            </a:lvl7pPr>
-            <a:lvl8pPr marL="3657600" lvl="7" indent="-317500">
-              <a:spcBef>
-                <a:spcPts val="0"/>
-              </a:spcBef>
-              <a:spcAft>
-                <a:spcPts val="0"/>
-              </a:spcAft>
-              <a:buSzPts val="1400"/>
-              <a:buChar char="○"/>
-              <a:defRPr/>
-            </a:lvl8pPr>
-            <a:lvl9pPr marL="4114800" lvl="8" indent="-317500">
-              <a:spcBef>
-                <a:spcPts val="0"/>
-              </a:spcBef>
-              <a:spcAft>
-                <a:spcPts val="0"/>
-              </a:spcAft>
-              <a:buSzPts val="1400"/>
-              <a:buChar char="■"/>
-              <a:defRPr/>
-            </a:lvl9pPr>
-          </a:lstStyle>
-          <a:p>
-            <a:endParaRPr/>
-          </a:p>
-        </p:txBody>
-      </p:sp>
-      <p:sp>
-        <p:nvSpPr>
-          <p:cNvPr id="19" name="Google Shape;19;p4"/>
-          <p:cNvSpPr txBox="1">
-            <a:spLocks noGrp="1"/>
-          </p:cNvSpPr>
-          <p:nvPr>
-            <p:ph type="sldNum" idx="12"/>
-          </p:nvPr>
-        </p:nvSpPr>
-        <p:spPr>
-          <a:xfrm>
-            <a:off x="8472458" y="4663217"/>
-            <a:ext cx="548700" cy="393600"/>
-          </a:xfrm>
-          <a:prstGeom prst="rect">
-            <a:avLst/>
-          </a:prstGeom>
-        </p:spPr>
-        <p:txBody>
-          <a:bodyPr spcFirstLastPara="1" wrap="square" lIns="91425" tIns="91425" rIns="91425" bIns="91425" anchor="ctr" anchorCtr="0">
-            <a:normAutofit/>
-          </a:bodyPr>
-          <a:lstStyle>
-            <a:lvl1pPr lvl="0">
-              <a:buNone/>
-              <a:defRPr/>
-            </a:lvl1pPr>
-            <a:lvl2pPr lvl="1">
-              <a:buNone/>
-              <a:defRPr/>
-            </a:lvl2pPr>
-            <a:lvl3pPr lvl="2">
-              <a:buNone/>
-              <a:defRPr/>
-            </a:lvl3pPr>
-            <a:lvl4pPr lvl="3">
-              <a:buNone/>
-              <a:defRPr/>
-            </a:lvl4pPr>
-            <a:lvl5pPr lvl="4">
-              <a:buNone/>
-              <a:defRPr/>
-            </a:lvl5pPr>
-            <a:lvl6pPr lvl="5">
-              <a:buNone/>
-              <a:defRPr/>
-            </a:lvl6pPr>
-            <a:lvl7pPr lvl="6">
-              <a:buNone/>
-              <a:defRPr/>
-            </a:lvl7pPr>
-            <a:lvl8pPr lvl="7">
-              <a:buNone/>
-              <a:defRPr/>
-            </a:lvl8pPr>
-            <a:lvl9pPr lvl="8">
-              <a:buNone/>
-              <a:defRPr/>
-            </a:lvl9pPr>
-          </a:lstStyle>
-          <a:p>
-            <a:pPr marL="0" lvl="0" indent="0" algn="r" rtl="0">
-              <a:spcBef>
-                <a:spcPts val="0"/>
-              </a:spcBef>
-              <a:spcAft>
-                <a:spcPts val="0"/>
-              </a:spcAft>
-              <a:buNone/>
-            </a:pPr>
-            <a:fld id="{00000000-1234-1234-1234-123412341234}" type="slidenum">
-              <a:rPr lang="en"/>
-              <a:t>‹#›</a:t>
-            </a:fld>
-            <a:endParaRPr/>
-          </a:p>
-        </p:txBody>
-      </p:sp>
-    </p:spTree>
-  </p:cSld>
-  <p:clrMapOvr>
-    <a:masterClrMapping/>
-  </p:clrMapOvr>
-</p:sldLayout>
-</file>
-
-<file path=ppt/slideLayouts/slideLayout4.xml><?xml version="1.0" encoding="utf-8"?>
-<p:sldLayout xmlns:a="http://schemas.openxmlformats.org/drawingml/2006/main" xmlns:r="http://schemas.openxmlformats.org/officeDocument/2006/relationships" xmlns:p="http://schemas.openxmlformats.org/presentationml/2006/main" matchingName="Title and two columns" type="twoColTx">
-  <p:cSld name="TITLE_AND_TWO_COLUMNS">
-    <p:spTree>
-      <p:nvGrpSpPr>
-        <p:cNvPr id="1" name="Shape 20"/>
-        <p:cNvGrpSpPr/>
-        <p:nvPr/>
-      </p:nvGrpSpPr>
-      <p:grpSpPr>
-        <a:xfrm>
-          <a:off x="0" y="0"/>
-          <a:ext cx="0" cy="0"/>
-          <a:chOff x="0" y="0"/>
-          <a:chExt cx="0" cy="0"/>
-        </a:xfrm>
-      </p:grpSpPr>
-      <p:sp>
-        <p:nvSpPr>
-          <p:cNvPr id="21" name="Google Shape;21;p5"/>
-          <p:cNvSpPr txBox="1">
-            <a:spLocks noGrp="1"/>
-          </p:cNvSpPr>
-          <p:nvPr>
-            <p:ph type="title"/>
-          </p:nvPr>
-        </p:nvSpPr>
-        <p:spPr>
-          <a:xfrm>
-            <a:off x="311700" y="445025"/>
-            <a:ext cx="8520600" cy="572700"/>
-          </a:xfrm>
-          <a:prstGeom prst="rect">
-            <a:avLst/>
-          </a:prstGeom>
-        </p:spPr>
-        <p:txBody>
-          <a:bodyPr spcFirstLastPara="1" wrap="square" lIns="91425" tIns="91425" rIns="91425" bIns="91425" anchor="t" anchorCtr="0">
-            <a:normAutofit/>
-          </a:bodyPr>
-          <a:lstStyle>
-            <a:lvl1pPr lvl="0">
-              <a:spcBef>
-                <a:spcPts val="0"/>
-              </a:spcBef>
-              <a:spcAft>
-                <a:spcPts val="0"/>
-              </a:spcAft>
-              <a:buSzPts val="2800"/>
-              <a:buNone/>
-              <a:defRPr/>
-            </a:lvl1pPr>
-            <a:lvl2pPr lvl="1">
-              <a:spcBef>
-                <a:spcPts val="0"/>
-              </a:spcBef>
-              <a:spcAft>
-                <a:spcPts val="0"/>
-              </a:spcAft>
-              <a:buSzPts val="2800"/>
-              <a:buNone/>
-              <a:defRPr/>
-            </a:lvl2pPr>
-            <a:lvl3pPr lvl="2">
-              <a:spcBef>
-                <a:spcPts val="0"/>
-              </a:spcBef>
-              <a:spcAft>
-                <a:spcPts val="0"/>
-              </a:spcAft>
-              <a:buSzPts val="2800"/>
-              <a:buNone/>
-              <a:defRPr/>
-            </a:lvl3pPr>
-            <a:lvl4pPr lvl="3">
-              <a:spcBef>
-                <a:spcPts val="0"/>
-              </a:spcBef>
-              <a:spcAft>
-                <a:spcPts val="0"/>
-              </a:spcAft>
-              <a:buSzPts val="2800"/>
-              <a:buNone/>
-              <a:defRPr/>
-            </a:lvl4pPr>
-            <a:lvl5pPr lvl="4">
-              <a:spcBef>
-                <a:spcPts val="0"/>
-              </a:spcBef>
-              <a:spcAft>
-                <a:spcPts val="0"/>
-              </a:spcAft>
-              <a:buSzPts val="2800"/>
-              <a:buNone/>
-              <a:defRPr/>
-            </a:lvl5pPr>
-            <a:lvl6pPr lvl="5">
-              <a:spcBef>
-                <a:spcPts val="0"/>
-              </a:spcBef>
-              <a:spcAft>
-                <a:spcPts val="0"/>
-              </a:spcAft>
-              <a:buSzPts val="2800"/>
-              <a:buNone/>
-              <a:defRPr/>
-            </a:lvl6pPr>
-            <a:lvl7pPr lvl="6">
-              <a:spcBef>
-                <a:spcPts val="0"/>
-              </a:spcBef>
-              <a:spcAft>
-                <a:spcPts val="0"/>
-              </a:spcAft>
-              <a:buSzPts val="2800"/>
-              <a:buNone/>
-              <a:defRPr/>
-            </a:lvl7pPr>
-            <a:lvl8pPr lvl="7">
-              <a:spcBef>
-                <a:spcPts val="0"/>
-              </a:spcBef>
-              <a:spcAft>
-                <a:spcPts val="0"/>
-              </a:spcAft>
-              <a:buSzPts val="2800"/>
-              <a:buNone/>
-              <a:defRPr/>
-            </a:lvl8pPr>
-            <a:lvl9pPr lvl="8">
-              <a:spcBef>
-                <a:spcPts val="0"/>
-              </a:spcBef>
-              <a:spcAft>
-                <a:spcPts val="0"/>
-              </a:spcAft>
-              <a:buSzPts val="2800"/>
-              <a:buNone/>
-              <a:defRPr/>
-            </a:lvl9pPr>
-          </a:lstStyle>
-          <a:p>
-            <a:endParaRPr/>
-          </a:p>
-        </p:txBody>
-      </p:sp>
-      <p:sp>
-        <p:nvSpPr>
-          <p:cNvPr id="22" name="Google Shape;22;p5"/>
-          <p:cNvSpPr txBox="1">
-            <a:spLocks noGrp="1"/>
-          </p:cNvSpPr>
-          <p:nvPr>
-            <p:ph type="body" idx="1"/>
-          </p:nvPr>
-        </p:nvSpPr>
-        <p:spPr>
-          <a:xfrm>
-            <a:off x="311700" y="1152475"/>
-            <a:ext cx="3999900" cy="3416400"/>
-          </a:xfrm>
-          <a:prstGeom prst="rect">
-            <a:avLst/>
-          </a:prstGeom>
-        </p:spPr>
-        <p:txBody>
-          <a:bodyPr spcFirstLastPara="1" wrap="square" lIns="91425" tIns="91425" rIns="91425" bIns="91425" anchor="t" anchorCtr="0">
-            <a:normAutofit/>
-          </a:bodyPr>
-          <a:lstStyle>
-            <a:lvl1pPr marL="457200" lvl="0" indent="-317500">
-              <a:spcBef>
-                <a:spcPts val="0"/>
-              </a:spcBef>
-              <a:spcAft>
-                <a:spcPts val="0"/>
-              </a:spcAft>
-              <a:buSzPts val="1400"/>
-              <a:buChar char="●"/>
-              <a:defRPr sz="1400"/>
-            </a:lvl1pPr>
-            <a:lvl2pPr marL="914400" lvl="1" indent="-304800">
-              <a:spcBef>
-                <a:spcPts val="0"/>
-              </a:spcBef>
-              <a:spcAft>
-                <a:spcPts val="0"/>
-              </a:spcAft>
-              <a:buSzPts val="1200"/>
-              <a:buChar char="○"/>
-              <a:defRPr sz="1200"/>
-            </a:lvl2pPr>
-            <a:lvl3pPr marL="1371600" lvl="2" indent="-304800">
-              <a:spcBef>
-                <a:spcPts val="0"/>
-              </a:spcBef>
-              <a:spcAft>
-                <a:spcPts val="0"/>
-              </a:spcAft>
-              <a:buSzPts val="1200"/>
-              <a:buChar char="■"/>
-              <a:defRPr sz="1200"/>
-            </a:lvl3pPr>
-            <a:lvl4pPr marL="1828800" lvl="3" indent="-304800">
-              <a:spcBef>
-                <a:spcPts val="0"/>
-              </a:spcBef>
-              <a:spcAft>
-                <a:spcPts val="0"/>
-              </a:spcAft>
-              <a:buSzPts val="1200"/>
-              <a:buChar char="●"/>
-              <a:defRPr sz="1200"/>
-            </a:lvl4pPr>
-            <a:lvl5pPr marL="2286000" lvl="4" indent="-304800">
-              <a:spcBef>
-                <a:spcPts val="0"/>
-              </a:spcBef>
-              <a:spcAft>
-                <a:spcPts val="0"/>
-              </a:spcAft>
-              <a:buSzPts val="1200"/>
-              <a:buChar char="○"/>
-              <a:defRPr sz="1200"/>
-            </a:lvl5pPr>
-            <a:lvl6pPr marL="2743200" lvl="5" indent="-304800">
-              <a:spcBef>
-                <a:spcPts val="0"/>
-              </a:spcBef>
-              <a:spcAft>
-                <a:spcPts val="0"/>
-              </a:spcAft>
-              <a:buSzPts val="1200"/>
-              <a:buChar char="■"/>
-              <a:defRPr sz="1200"/>
-            </a:lvl6pPr>
-            <a:lvl7pPr marL="3200400" lvl="6" indent="-304800">
-              <a:spcBef>
-                <a:spcPts val="0"/>
-              </a:spcBef>
-              <a:spcAft>
-                <a:spcPts val="0"/>
-              </a:spcAft>
-              <a:buSzPts val="1200"/>
-              <a:buChar char="●"/>
-              <a:defRPr sz="1200"/>
-            </a:lvl7pPr>
-            <a:lvl8pPr marL="3657600" lvl="7" indent="-304800">
-              <a:spcBef>
-                <a:spcPts val="0"/>
-              </a:spcBef>
-              <a:spcAft>
-                <a:spcPts val="0"/>
-              </a:spcAft>
-              <a:buSzPts val="1200"/>
-              <a:buChar char="○"/>
-              <a:defRPr sz="1200"/>
-            </a:lvl8pPr>
-            <a:lvl9pPr marL="4114800" lvl="8" indent="-304800">
-              <a:spcBef>
-                <a:spcPts val="0"/>
-              </a:spcBef>
-              <a:spcAft>
-                <a:spcPts val="0"/>
-              </a:spcAft>
-              <a:buSzPts val="1200"/>
-              <a:buChar char="■"/>
-              <a:defRPr sz="1200"/>
-            </a:lvl9pPr>
-          </a:lstStyle>
-          <a:p>
-            <a:endParaRPr/>
-          </a:p>
-        </p:txBody>
-      </p:sp>
-      <p:sp>
-        <p:nvSpPr>
-          <p:cNvPr id="23" name="Google Shape;23;p5"/>
-          <p:cNvSpPr txBox="1">
-            <a:spLocks noGrp="1"/>
-          </p:cNvSpPr>
-          <p:nvPr>
-            <p:ph type="body" idx="2"/>
-          </p:nvPr>
-        </p:nvSpPr>
-        <p:spPr>
-          <a:xfrm>
-            <a:off x="4832400" y="1152475"/>
-            <a:ext cx="3999900" cy="3416400"/>
-          </a:xfrm>
-          <a:prstGeom prst="rect">
-            <a:avLst/>
-          </a:prstGeom>
-        </p:spPr>
-        <p:txBody>
-          <a:bodyPr spcFirstLastPara="1" wrap="square" lIns="91425" tIns="91425" rIns="91425" bIns="91425" anchor="t" anchorCtr="0">
-            <a:normAutofit/>
-          </a:bodyPr>
-          <a:lstStyle>
-            <a:lvl1pPr marL="457200" lvl="0" indent="-317500">
-              <a:spcBef>
-                <a:spcPts val="0"/>
-              </a:spcBef>
-              <a:spcAft>
-                <a:spcPts val="0"/>
-              </a:spcAft>
-              <a:buSzPts val="1400"/>
-              <a:buChar char="●"/>
-              <a:defRPr sz="1400"/>
-            </a:lvl1pPr>
-            <a:lvl2pPr marL="914400" lvl="1" indent="-304800">
-              <a:spcBef>
-                <a:spcPts val="0"/>
-              </a:spcBef>
-              <a:spcAft>
-                <a:spcPts val="0"/>
-              </a:spcAft>
-              <a:buSzPts val="1200"/>
-              <a:buChar char="○"/>
-              <a:defRPr sz="1200"/>
-            </a:lvl2pPr>
-            <a:lvl3pPr marL="1371600" lvl="2" indent="-304800">
-              <a:spcBef>
-                <a:spcPts val="0"/>
-              </a:spcBef>
-              <a:spcAft>
-                <a:spcPts val="0"/>
-              </a:spcAft>
-              <a:buSzPts val="1200"/>
-              <a:buChar char="■"/>
-              <a:defRPr sz="1200"/>
-            </a:lvl3pPr>
-            <a:lvl4pPr marL="1828800" lvl="3" indent="-304800">
-              <a:spcBef>
-                <a:spcPts val="0"/>
-              </a:spcBef>
-              <a:spcAft>
-                <a:spcPts val="0"/>
-              </a:spcAft>
-              <a:buSzPts val="1200"/>
-              <a:buChar char="●"/>
-              <a:defRPr sz="1200"/>
-            </a:lvl4pPr>
-            <a:lvl5pPr marL="2286000" lvl="4" indent="-304800">
-              <a:spcBef>
-                <a:spcPts val="0"/>
-              </a:spcBef>
-              <a:spcAft>
-                <a:spcPts val="0"/>
-              </a:spcAft>
-              <a:buSzPts val="1200"/>
-              <a:buChar char="○"/>
-              <a:defRPr sz="1200"/>
-            </a:lvl5pPr>
-            <a:lvl6pPr marL="2743200" lvl="5" indent="-304800">
-              <a:spcBef>
-                <a:spcPts val="0"/>
-              </a:spcBef>
-              <a:spcAft>
-                <a:spcPts val="0"/>
-              </a:spcAft>
-              <a:buSzPts val="1200"/>
-              <a:buChar char="■"/>
-              <a:defRPr sz="1200"/>
-            </a:lvl6pPr>
-            <a:lvl7pPr marL="3200400" lvl="6" indent="-304800">
-              <a:spcBef>
-                <a:spcPts val="0"/>
-              </a:spcBef>
-              <a:spcAft>
-                <a:spcPts val="0"/>
-              </a:spcAft>
-              <a:buSzPts val="1200"/>
-              <a:buChar char="●"/>
-              <a:defRPr sz="1200"/>
-            </a:lvl7pPr>
-            <a:lvl8pPr marL="3657600" lvl="7" indent="-304800">
-              <a:spcBef>
-                <a:spcPts val="0"/>
-              </a:spcBef>
-              <a:spcAft>
-                <a:spcPts val="0"/>
-              </a:spcAft>
-              <a:buSzPts val="1200"/>
-              <a:buChar char="○"/>
-              <a:defRPr sz="1200"/>
-            </a:lvl8pPr>
-            <a:lvl9pPr marL="4114800" lvl="8" indent="-304800">
-              <a:spcBef>
-                <a:spcPts val="0"/>
-              </a:spcBef>
-              <a:spcAft>
-                <a:spcPts val="0"/>
-              </a:spcAft>
-              <a:buSzPts val="1200"/>
-              <a:buChar char="■"/>
-              <a:defRPr sz="1200"/>
-            </a:lvl9pPr>
-          </a:lstStyle>
-          <a:p>
-            <a:endParaRPr/>
-          </a:p>
-        </p:txBody>
-      </p:sp>
-      <p:sp>
-        <p:nvSpPr>
-          <p:cNvPr id="24" name="Google Shape;24;p5"/>
-          <p:cNvSpPr txBox="1">
-            <a:spLocks noGrp="1"/>
-          </p:cNvSpPr>
-          <p:nvPr>
-            <p:ph type="sldNum" idx="12"/>
-          </p:nvPr>
-        </p:nvSpPr>
-        <p:spPr>
-          <a:xfrm>
-            <a:off x="8472458" y="4663217"/>
-            <a:ext cx="548700" cy="393600"/>
-          </a:xfrm>
-          <a:prstGeom prst="rect">
-            <a:avLst/>
-          </a:prstGeom>
-        </p:spPr>
-        <p:txBody>
-          <a:bodyPr spcFirstLastPara="1" wrap="square" lIns="91425" tIns="91425" rIns="91425" bIns="91425" anchor="ctr" anchorCtr="0">
-            <a:normAutofit/>
-          </a:bodyPr>
-          <a:lstStyle>
-            <a:lvl1pPr lvl="0">
-              <a:buNone/>
-              <a:defRPr/>
-            </a:lvl1pPr>
-            <a:lvl2pPr lvl="1">
-              <a:buNone/>
-              <a:defRPr/>
-            </a:lvl2pPr>
-            <a:lvl3pPr lvl="2">
-              <a:buNone/>
-              <a:defRPr/>
-            </a:lvl3pPr>
-            <a:lvl4pPr lvl="3">
-              <a:buNone/>
-              <a:defRPr/>
-            </a:lvl4pPr>
-            <a:lvl5pPr lvl="4">
-              <a:buNone/>
-              <a:defRPr/>
-            </a:lvl5pPr>
-            <a:lvl6pPr lvl="5">
-              <a:buNone/>
-              <a:defRPr/>
-            </a:lvl6pPr>
-            <a:lvl7pPr lvl="6">
-              <a:buNone/>
-              <a:defRPr/>
-            </a:lvl7pPr>
-            <a:lvl8pPr lvl="7">
-              <a:buNone/>
-              <a:defRPr/>
-            </a:lvl8pPr>
-            <a:lvl9pPr lvl="8">
-              <a:buNone/>
-              <a:defRPr/>
-            </a:lvl9pPr>
-          </a:lstStyle>
-          <a:p>
-            <a:pPr marL="0" lvl="0" indent="0" algn="r" rtl="0">
-              <a:spcBef>
-                <a:spcPts val="0"/>
-              </a:spcBef>
-              <a:spcAft>
-                <a:spcPts val="0"/>
-              </a:spcAft>
-              <a:buNone/>
-            </a:pPr>
-            <a:fld id="{00000000-1234-1234-1234-123412341234}" type="slidenum">
-              <a:rPr lang="en"/>
-              <a:t>‹#›</a:t>
-            </a:fld>
-            <a:endParaRPr/>
-          </a:p>
-        </p:txBody>
-      </p:sp>
-    </p:spTree>
-  </p:cSld>
-  <p:clrMapOvr>
-    <a:masterClrMapping/>
-  </p:clrMapOvr>
-</p:sldLayout>
-</file>
-
-<file path=ppt/slideLayouts/slideLayout5.xml><?xml version="1.0" encoding="utf-8"?>
-<p:sldLayout xmlns:a="http://schemas.openxmlformats.org/drawingml/2006/main" xmlns:r="http://schemas.openxmlformats.org/officeDocument/2006/relationships" xmlns:p="http://schemas.openxmlformats.org/presentationml/2006/main" matchingName="Title only" type="titleOnly">
-  <p:cSld name="TITLE_ONLY">
-    <p:spTree>
-      <p:nvGrpSpPr>
-        <p:cNvPr id="1" name="Shape 25"/>
-        <p:cNvGrpSpPr/>
-        <p:nvPr/>
-      </p:nvGrpSpPr>
-      <p:grpSpPr>
-        <a:xfrm>
-          <a:off x="0" y="0"/>
-          <a:ext cx="0" cy="0"/>
-          <a:chOff x="0" y="0"/>
-          <a:chExt cx="0" cy="0"/>
-        </a:xfrm>
-      </p:grpSpPr>
-      <p:sp>
-        <p:nvSpPr>
-          <p:cNvPr id="26" name="Google Shape;26;p6"/>
-          <p:cNvSpPr txBox="1">
-            <a:spLocks noGrp="1"/>
-          </p:cNvSpPr>
-          <p:nvPr>
-            <p:ph type="title"/>
-          </p:nvPr>
-        </p:nvSpPr>
-        <p:spPr>
-          <a:xfrm>
-            <a:off x="311700" y="445025"/>
-            <a:ext cx="8520600" cy="572700"/>
-          </a:xfrm>
-          <a:prstGeom prst="rect">
-            <a:avLst/>
-          </a:prstGeom>
-        </p:spPr>
-        <p:txBody>
-          <a:bodyPr spcFirstLastPara="1" wrap="square" lIns="91425" tIns="91425" rIns="91425" bIns="91425" anchor="t" anchorCtr="0">
-            <a:normAutofit/>
-          </a:bodyPr>
-          <a:lstStyle>
-            <a:lvl1pPr lvl="0">
-              <a:spcBef>
-                <a:spcPts val="0"/>
-              </a:spcBef>
-              <a:spcAft>
-                <a:spcPts val="0"/>
-              </a:spcAft>
-              <a:buSzPts val="2800"/>
-              <a:buNone/>
-              <a:defRPr/>
-            </a:lvl1pPr>
-            <a:lvl2pPr lvl="1">
-              <a:spcBef>
-                <a:spcPts val="0"/>
-              </a:spcBef>
-              <a:spcAft>
-                <a:spcPts val="0"/>
-              </a:spcAft>
-              <a:buSzPts val="2800"/>
-              <a:buNone/>
-              <a:defRPr/>
-            </a:lvl2pPr>
-            <a:lvl3pPr lvl="2">
-              <a:spcBef>
-                <a:spcPts val="0"/>
-              </a:spcBef>
-              <a:spcAft>
-                <a:spcPts val="0"/>
-              </a:spcAft>
-              <a:buSzPts val="2800"/>
-              <a:buNone/>
-              <a:defRPr/>
-            </a:lvl3pPr>
-            <a:lvl4pPr lvl="3">
-              <a:spcBef>
-                <a:spcPts val="0"/>
-              </a:spcBef>
-              <a:spcAft>
-                <a:spcPts val="0"/>
-              </a:spcAft>
-              <a:buSzPts val="2800"/>
-              <a:buNone/>
-              <a:defRPr/>
-            </a:lvl4pPr>
-            <a:lvl5pPr lvl="4">
-              <a:spcBef>
-                <a:spcPts val="0"/>
-              </a:spcBef>
-              <a:spcAft>
-                <a:spcPts val="0"/>
-              </a:spcAft>
-              <a:buSzPts val="2800"/>
-              <a:buNone/>
-              <a:defRPr/>
-            </a:lvl5pPr>
-            <a:lvl6pPr lvl="5">
-              <a:spcBef>
-                <a:spcPts val="0"/>
-              </a:spcBef>
-              <a:spcAft>
-                <a:spcPts val="0"/>
-              </a:spcAft>
-              <a:buSzPts val="2800"/>
-              <a:buNone/>
-              <a:defRPr/>
-            </a:lvl6pPr>
-            <a:lvl7pPr lvl="6">
-              <a:spcBef>
-                <a:spcPts val="0"/>
-              </a:spcBef>
-              <a:spcAft>
-                <a:spcPts val="0"/>
-              </a:spcAft>
-              <a:buSzPts val="2800"/>
-              <a:buNone/>
-              <a:defRPr/>
-            </a:lvl7pPr>
-            <a:lvl8pPr lvl="7">
-              <a:spcBef>
-                <a:spcPts val="0"/>
-              </a:spcBef>
-              <a:spcAft>
-                <a:spcPts val="0"/>
-              </a:spcAft>
-              <a:buSzPts val="2800"/>
-              <a:buNone/>
-              <a:defRPr/>
-            </a:lvl8pPr>
-            <a:lvl9pPr lvl="8">
-              <a:spcBef>
-                <a:spcPts val="0"/>
-              </a:spcBef>
-              <a:spcAft>
-                <a:spcPts val="0"/>
-              </a:spcAft>
-              <a:buSzPts val="2800"/>
-              <a:buNone/>
-              <a:defRPr/>
-            </a:lvl9pPr>
-          </a:lstStyle>
-          <a:p>
-            <a:endParaRPr/>
-          </a:p>
-        </p:txBody>
-      </p:sp>
-      <p:sp>
-        <p:nvSpPr>
-          <p:cNvPr id="27" name="Google Shape;27;p6"/>
-          <p:cNvSpPr txBox="1">
-            <a:spLocks noGrp="1"/>
-          </p:cNvSpPr>
-          <p:nvPr>
-            <p:ph type="sldNum" idx="12"/>
-          </p:nvPr>
-        </p:nvSpPr>
-        <p:spPr>
-          <a:xfrm>
-            <a:off x="8472458" y="4663217"/>
-            <a:ext cx="548700" cy="393600"/>
-          </a:xfrm>
-          <a:prstGeom prst="rect">
-            <a:avLst/>
-          </a:prstGeom>
-        </p:spPr>
-        <p:txBody>
-          <a:bodyPr spcFirstLastPara="1" wrap="square" lIns="91425" tIns="91425" rIns="91425" bIns="91425" anchor="ctr" anchorCtr="0">
-            <a:normAutofit/>
-          </a:bodyPr>
-          <a:lstStyle>
-            <a:lvl1pPr lvl="0">
-              <a:buNone/>
-              <a:defRPr/>
-            </a:lvl1pPr>
-            <a:lvl2pPr lvl="1">
-              <a:buNone/>
-              <a:defRPr/>
-            </a:lvl2pPr>
-            <a:lvl3pPr lvl="2">
-              <a:buNone/>
-              <a:defRPr/>
-            </a:lvl3pPr>
-            <a:lvl4pPr lvl="3">
-              <a:buNone/>
-              <a:defRPr/>
-            </a:lvl4pPr>
-            <a:lvl5pPr lvl="4">
-              <a:buNone/>
-              <a:defRPr/>
-            </a:lvl5pPr>
-            <a:lvl6pPr lvl="5">
-              <a:buNone/>
-              <a:defRPr/>
-            </a:lvl6pPr>
-            <a:lvl7pPr lvl="6">
-              <a:buNone/>
-              <a:defRPr/>
-            </a:lvl7pPr>
-            <a:lvl8pPr lvl="7">
-              <a:buNone/>
-              <a:defRPr/>
-            </a:lvl8pPr>
-            <a:lvl9pPr lvl="8">
-              <a:buNone/>
-              <a:defRPr/>
-            </a:lvl9pPr>
-          </a:lstStyle>
-          <a:p>
-            <a:pPr marL="0" lvl="0" indent="0" algn="r" rtl="0">
-              <a:spcBef>
-                <a:spcPts val="0"/>
-              </a:spcBef>
-              <a:spcAft>
-                <a:spcPts val="0"/>
-              </a:spcAft>
-              <a:buNone/>
-            </a:pPr>
-            <a:fld id="{00000000-1234-1234-1234-123412341234}" type="slidenum">
-              <a:rPr lang="en"/>
-              <a:t>‹#›</a:t>
-            </a:fld>
-            <a:endParaRPr/>
-          </a:p>
-        </p:txBody>
-      </p:sp>
-    </p:spTree>
-  </p:cSld>
-  <p:clrMapOvr>
-    <a:masterClrMapping/>
-  </p:clrMapOvr>
-</p:sldLayout>
-</file>
-
-<file path=ppt/slideLayouts/slideLayout6.xml><?xml version="1.0" encoding="utf-8"?>
-<p:sldLayout xmlns:a="http://schemas.openxmlformats.org/drawingml/2006/main" xmlns:r="http://schemas.openxmlformats.org/officeDocument/2006/relationships" xmlns:p="http://schemas.openxmlformats.org/presentationml/2006/main" matchingName="One column text">
-  <p:cSld name="ONE_COLUMN_TEXT">
-    <p:spTree>
-      <p:nvGrpSpPr>
-        <p:cNvPr id="1" name="Shape 28"/>
-        <p:cNvGrpSpPr/>
-        <p:nvPr/>
-      </p:nvGrpSpPr>
-      <p:grpSpPr>
-        <a:xfrm>
-          <a:off x="0" y="0"/>
-          <a:ext cx="0" cy="0"/>
-          <a:chOff x="0" y="0"/>
-          <a:chExt cx="0" cy="0"/>
-        </a:xfrm>
-      </p:grpSpPr>
-      <p:sp>
-        <p:nvSpPr>
-          <p:cNvPr id="29" name="Google Shape;29;p7"/>
-          <p:cNvSpPr txBox="1">
-            <a:spLocks noGrp="1"/>
-          </p:cNvSpPr>
-          <p:nvPr>
-            <p:ph type="title"/>
-          </p:nvPr>
-        </p:nvSpPr>
-        <p:spPr>
-          <a:xfrm>
-            <a:off x="311700" y="555600"/>
-            <a:ext cx="2808000" cy="755700"/>
-          </a:xfrm>
-          <a:prstGeom prst="rect">
-            <a:avLst/>
-          </a:prstGeom>
-        </p:spPr>
-        <p:txBody>
-          <a:bodyPr spcFirstLastPara="1" wrap="square" lIns="91425" tIns="91425" rIns="91425" bIns="91425" anchor="b" anchorCtr="0">
-            <a:normAutofit/>
-          </a:bodyPr>
-          <a:lstStyle>
-            <a:lvl1pPr lvl="0">
-              <a:spcBef>
-                <a:spcPts val="0"/>
-              </a:spcBef>
-              <a:spcAft>
-                <a:spcPts val="0"/>
-              </a:spcAft>
-              <a:buSzPts val="2400"/>
-              <a:buNone/>
-              <a:defRPr sz="2400"/>
-            </a:lvl1pPr>
-            <a:lvl2pPr lvl="1">
-              <a:spcBef>
-                <a:spcPts val="0"/>
-              </a:spcBef>
-              <a:spcAft>
-                <a:spcPts val="0"/>
-              </a:spcAft>
-              <a:buSzPts val="2400"/>
-              <a:buNone/>
-              <a:defRPr sz="2400"/>
-            </a:lvl2pPr>
-            <a:lvl3pPr lvl="2">
-              <a:spcBef>
-                <a:spcPts val="0"/>
-              </a:spcBef>
-              <a:spcAft>
-                <a:spcPts val="0"/>
-              </a:spcAft>
-              <a:buSzPts val="2400"/>
-              <a:buNone/>
-              <a:defRPr sz="2400"/>
-            </a:lvl3pPr>
-            <a:lvl4pPr lvl="3">
-              <a:spcBef>
-                <a:spcPts val="0"/>
-              </a:spcBef>
-              <a:spcAft>
-                <a:spcPts val="0"/>
-              </a:spcAft>
-              <a:buSzPts val="2400"/>
-              <a:buNone/>
-              <a:defRPr sz="2400"/>
-            </a:lvl4pPr>
-            <a:lvl5pPr lvl="4">
-              <a:spcBef>
-                <a:spcPts val="0"/>
-              </a:spcBef>
-              <a:spcAft>
-                <a:spcPts val="0"/>
-              </a:spcAft>
-              <a:buSzPts val="2400"/>
-              <a:buNone/>
-              <a:defRPr sz="2400"/>
-            </a:lvl5pPr>
-            <a:lvl6pPr lvl="5">
-              <a:spcBef>
-                <a:spcPts val="0"/>
-              </a:spcBef>
-              <a:spcAft>
-                <a:spcPts val="0"/>
-              </a:spcAft>
-              <a:buSzPts val="2400"/>
-              <a:buNone/>
-              <a:defRPr sz="2400"/>
-            </a:lvl6pPr>
-            <a:lvl7pPr lvl="6">
-              <a:spcBef>
-                <a:spcPts val="0"/>
-              </a:spcBef>
-              <a:spcAft>
-                <a:spcPts val="0"/>
-              </a:spcAft>
-              <a:buSzPts val="2400"/>
-              <a:buNone/>
-              <a:defRPr sz="2400"/>
-            </a:lvl7pPr>
-            <a:lvl8pPr lvl="7">
-              <a:spcBef>
-                <a:spcPts val="0"/>
-              </a:spcBef>
-              <a:spcAft>
-                <a:spcPts val="0"/>
-              </a:spcAft>
-              <a:buSzPts val="2400"/>
-              <a:buNone/>
-              <a:defRPr sz="2400"/>
-            </a:lvl8pPr>
-            <a:lvl9pPr lvl="8">
-              <a:spcBef>
-                <a:spcPts val="0"/>
-              </a:spcBef>
-              <a:spcAft>
-                <a:spcPts val="0"/>
-              </a:spcAft>
-              <a:buSzPts val="2400"/>
-              <a:buNone/>
-              <a:defRPr sz="2400"/>
-            </a:lvl9pPr>
-          </a:lstStyle>
-          <a:p>
-            <a:endParaRPr/>
-          </a:p>
-        </p:txBody>
-      </p:sp>
-      <p:sp>
-        <p:nvSpPr>
-          <p:cNvPr id="30" name="Google Shape;30;p7"/>
-          <p:cNvSpPr txBox="1">
-            <a:spLocks noGrp="1"/>
-          </p:cNvSpPr>
-          <p:nvPr>
-            <p:ph type="body" idx="1"/>
-          </p:nvPr>
-        </p:nvSpPr>
-        <p:spPr>
-          <a:xfrm>
-            <a:off x="311700" y="1389600"/>
-            <a:ext cx="2808000" cy="3179400"/>
-          </a:xfrm>
-          <a:prstGeom prst="rect">
-            <a:avLst/>
-          </a:prstGeom>
-        </p:spPr>
-        <p:txBody>
-          <a:bodyPr spcFirstLastPara="1" wrap="square" lIns="91425" tIns="91425" rIns="91425" bIns="91425" anchor="t" anchorCtr="0">
-            <a:normAutofit/>
-          </a:bodyPr>
-          <a:lstStyle>
-            <a:lvl1pPr marL="457200" lvl="0" indent="-304800">
-              <a:spcBef>
-                <a:spcPts val="0"/>
-              </a:spcBef>
-              <a:spcAft>
-                <a:spcPts val="0"/>
-              </a:spcAft>
-              <a:buSzPts val="1200"/>
-              <a:buChar char="●"/>
-              <a:defRPr sz="1200"/>
-            </a:lvl1pPr>
-            <a:lvl2pPr marL="914400" lvl="1" indent="-304800">
-              <a:spcBef>
-                <a:spcPts val="0"/>
-              </a:spcBef>
-              <a:spcAft>
-                <a:spcPts val="0"/>
-              </a:spcAft>
-              <a:buSzPts val="1200"/>
-              <a:buChar char="○"/>
-              <a:defRPr sz="1200"/>
-            </a:lvl2pPr>
-            <a:lvl3pPr marL="1371600" lvl="2" indent="-304800">
-              <a:spcBef>
-                <a:spcPts val="0"/>
-              </a:spcBef>
-              <a:spcAft>
-                <a:spcPts val="0"/>
-              </a:spcAft>
-              <a:buSzPts val="1200"/>
-              <a:buChar char="■"/>
-              <a:defRPr sz="1200"/>
-            </a:lvl3pPr>
-            <a:lvl4pPr marL="1828800" lvl="3" indent="-304800">
-              <a:spcBef>
-                <a:spcPts val="0"/>
-              </a:spcBef>
-              <a:spcAft>
-                <a:spcPts val="0"/>
-              </a:spcAft>
-              <a:buSzPts val="1200"/>
-              <a:buChar char="●"/>
-              <a:defRPr sz="1200"/>
-            </a:lvl4pPr>
-            <a:lvl5pPr marL="2286000" lvl="4" indent="-304800">
-              <a:spcBef>
-                <a:spcPts val="0"/>
-              </a:spcBef>
-              <a:spcAft>
-                <a:spcPts val="0"/>
-              </a:spcAft>
-              <a:buSzPts val="1200"/>
-              <a:buChar char="○"/>
-              <a:defRPr sz="1200"/>
-            </a:lvl5pPr>
-            <a:lvl6pPr marL="2743200" lvl="5" indent="-304800">
-              <a:spcBef>
-                <a:spcPts val="0"/>
-              </a:spcBef>
-              <a:spcAft>
-                <a:spcPts val="0"/>
-              </a:spcAft>
-              <a:buSzPts val="1200"/>
-              <a:buChar char="■"/>
-              <a:defRPr sz="1200"/>
-            </a:lvl6pPr>
-            <a:lvl7pPr marL="3200400" lvl="6" indent="-304800">
-              <a:spcBef>
-                <a:spcPts val="0"/>
-              </a:spcBef>
-              <a:spcAft>
-                <a:spcPts val="0"/>
-              </a:spcAft>
-              <a:buSzPts val="1200"/>
-              <a:buChar char="●"/>
-              <a:defRPr sz="1200"/>
-            </a:lvl7pPr>
-            <a:lvl8pPr marL="3657600" lvl="7" indent="-304800">
-              <a:spcBef>
-                <a:spcPts val="0"/>
-              </a:spcBef>
-              <a:spcAft>
-                <a:spcPts val="0"/>
-              </a:spcAft>
-              <a:buSzPts val="1200"/>
-              <a:buChar char="○"/>
-              <a:defRPr sz="1200"/>
-            </a:lvl8pPr>
-            <a:lvl9pPr marL="4114800" lvl="8" indent="-304800">
-              <a:spcBef>
-                <a:spcPts val="0"/>
-              </a:spcBef>
-              <a:spcAft>
-                <a:spcPts val="0"/>
-              </a:spcAft>
-              <a:buSzPts val="1200"/>
-              <a:buChar char="■"/>
-              <a:defRPr sz="1200"/>
-            </a:lvl9pPr>
-          </a:lstStyle>
-          <a:p>
-            <a:endParaRPr/>
-          </a:p>
-        </p:txBody>
-      </p:sp>
-      <p:sp>
-        <p:nvSpPr>
-          <p:cNvPr id="31" name="Google Shape;31;p7"/>
-          <p:cNvSpPr txBox="1">
-            <a:spLocks noGrp="1"/>
-          </p:cNvSpPr>
-          <p:nvPr>
-            <p:ph type="sldNum" idx="12"/>
-          </p:nvPr>
-        </p:nvSpPr>
-        <p:spPr>
-          <a:xfrm>
-            <a:off x="8472458" y="4663217"/>
-            <a:ext cx="548700" cy="393600"/>
-          </a:xfrm>
-          <a:prstGeom prst="rect">
-            <a:avLst/>
-          </a:prstGeom>
-        </p:spPr>
-        <p:txBody>
-          <a:bodyPr spcFirstLastPara="1" wrap="square" lIns="91425" tIns="91425" rIns="91425" bIns="91425" anchor="ctr" anchorCtr="0">
-            <a:normAutofit/>
-          </a:bodyPr>
-          <a:lstStyle>
-            <a:lvl1pPr lvl="0">
-              <a:buNone/>
-              <a:defRPr/>
-            </a:lvl1pPr>
-            <a:lvl2pPr lvl="1">
-              <a:buNone/>
-              <a:defRPr/>
-            </a:lvl2pPr>
-            <a:lvl3pPr lvl="2">
-              <a:buNone/>
-              <a:defRPr/>
-            </a:lvl3pPr>
-            <a:lvl4pPr lvl="3">
-              <a:buNone/>
-              <a:defRPr/>
-            </a:lvl4pPr>
-            <a:lvl5pPr lvl="4">
-              <a:buNone/>
-              <a:defRPr/>
-            </a:lvl5pPr>
-            <a:lvl6pPr lvl="5">
-              <a:buNone/>
-              <a:defRPr/>
-            </a:lvl6pPr>
-            <a:lvl7pPr lvl="6">
-              <a:buNone/>
-              <a:defRPr/>
-            </a:lvl7pPr>
-            <a:lvl8pPr lvl="7">
-              <a:buNone/>
-              <a:defRPr/>
-            </a:lvl8pPr>
-            <a:lvl9pPr lvl="8">
-              <a:buNone/>
-              <a:defRPr/>
-            </a:lvl9pPr>
-          </a:lstStyle>
-          <a:p>
-            <a:pPr marL="0" lvl="0" indent="0" algn="r" rtl="0">
-              <a:spcBef>
-                <a:spcPts val="0"/>
-              </a:spcBef>
-              <a:spcAft>
-                <a:spcPts val="0"/>
-              </a:spcAft>
-              <a:buNone/>
-            </a:pPr>
-            <a:fld id="{00000000-1234-1234-1234-123412341234}" type="slidenum">
-              <a:rPr lang="en"/>
-              <a:t>‹#›</a:t>
-            </a:fld>
-            <a:endParaRPr/>
-          </a:p>
-        </p:txBody>
-      </p:sp>
-    </p:spTree>
-  </p:cSld>
-  <p:clrMapOvr>
-    <a:masterClrMapping/>
-  </p:clrMapOvr>
-</p:sldLayout>
-</file>
-
-<file path=ppt/slideLayouts/slideLayout7.xml><?xml version="1.0" encoding="utf-8"?>
-<p:sldLayout xmlns:a="http://schemas.openxmlformats.org/drawingml/2006/main" xmlns:r="http://schemas.openxmlformats.org/officeDocument/2006/relationships" xmlns:p="http://schemas.openxmlformats.org/presentationml/2006/main" matchingName="Main point">
-  <p:cSld name="MAIN_POINT">
-    <p:spTree>
-      <p:nvGrpSpPr>
-        <p:cNvPr id="1" name="Shape 32"/>
-        <p:cNvGrpSpPr/>
-        <p:nvPr/>
-      </p:nvGrpSpPr>
-      <p:grpSpPr>
-        <a:xfrm>
-          <a:off x="0" y="0"/>
-          <a:ext cx="0" cy="0"/>
-          <a:chOff x="0" y="0"/>
-          <a:chExt cx="0" cy="0"/>
-        </a:xfrm>
-      </p:grpSpPr>
-      <p:sp>
-        <p:nvSpPr>
-          <p:cNvPr id="33" name="Google Shape;33;p8"/>
-          <p:cNvSpPr txBox="1">
-            <a:spLocks noGrp="1"/>
-          </p:cNvSpPr>
-          <p:nvPr>
-            <p:ph type="title"/>
-          </p:nvPr>
-        </p:nvSpPr>
-        <p:spPr>
-          <a:xfrm>
-            <a:off x="490250" y="450150"/>
-            <a:ext cx="6367800" cy="4090800"/>
-          </a:xfrm>
-          <a:prstGeom prst="rect">
-            <a:avLst/>
-          </a:prstGeom>
-        </p:spPr>
-        <p:txBody>
-          <a:bodyPr spcFirstLastPara="1" wrap="square" lIns="91425" tIns="91425" rIns="91425" bIns="91425" anchor="ctr" anchorCtr="0">
-            <a:normAutofit/>
-          </a:bodyPr>
-          <a:lstStyle>
-            <a:lvl1pPr lvl="0">
-              <a:spcBef>
-                <a:spcPts val="0"/>
-              </a:spcBef>
-              <a:spcAft>
-                <a:spcPts val="0"/>
-              </a:spcAft>
-              <a:buSzPts val="4800"/>
-              <a:buNone/>
-              <a:defRPr sz="4800"/>
-            </a:lvl1pPr>
-            <a:lvl2pPr lvl="1">
-              <a:spcBef>
-                <a:spcPts val="0"/>
-              </a:spcBef>
-              <a:spcAft>
-                <a:spcPts val="0"/>
-              </a:spcAft>
-              <a:buSzPts val="4800"/>
-              <a:buNone/>
-              <a:defRPr sz="4800"/>
-            </a:lvl2pPr>
-            <a:lvl3pPr lvl="2">
-              <a:spcBef>
-                <a:spcPts val="0"/>
-              </a:spcBef>
-              <a:spcAft>
-                <a:spcPts val="0"/>
-              </a:spcAft>
-              <a:buSzPts val="4800"/>
-              <a:buNone/>
-              <a:defRPr sz="4800"/>
-            </a:lvl3pPr>
-            <a:lvl4pPr lvl="3">
-              <a:spcBef>
-                <a:spcPts val="0"/>
-              </a:spcBef>
-              <a:spcAft>
-                <a:spcPts val="0"/>
-              </a:spcAft>
-              <a:buSzPts val="4800"/>
-              <a:buNone/>
-              <a:defRPr sz="4800"/>
-            </a:lvl4pPr>
-            <a:lvl5pPr lvl="4">
-              <a:spcBef>
-                <a:spcPts val="0"/>
-              </a:spcBef>
-              <a:spcAft>
-                <a:spcPts val="0"/>
-              </a:spcAft>
-              <a:buSzPts val="4800"/>
-              <a:buNone/>
-              <a:defRPr sz="4800"/>
-            </a:lvl5pPr>
-            <a:lvl6pPr lvl="5">
-              <a:spcBef>
-                <a:spcPts val="0"/>
-              </a:spcBef>
-              <a:spcAft>
-                <a:spcPts val="0"/>
-              </a:spcAft>
-              <a:buSzPts val="4800"/>
-              <a:buNone/>
-              <a:defRPr sz="4800"/>
-            </a:lvl6pPr>
-            <a:lvl7pPr lvl="6">
-              <a:spcBef>
-                <a:spcPts val="0"/>
-              </a:spcBef>
-              <a:spcAft>
-                <a:spcPts val="0"/>
-              </a:spcAft>
-              <a:buSzPts val="4800"/>
-              <a:buNone/>
-              <a:defRPr sz="4800"/>
-            </a:lvl7pPr>
-            <a:lvl8pPr lvl="7">
-              <a:spcBef>
-                <a:spcPts val="0"/>
-              </a:spcBef>
-              <a:spcAft>
-                <a:spcPts val="0"/>
-              </a:spcAft>
-              <a:buSzPts val="4800"/>
-              <a:buNone/>
-              <a:defRPr sz="4800"/>
-            </a:lvl8pPr>
-            <a:lvl9pPr lvl="8">
-              <a:spcBef>
-                <a:spcPts val="0"/>
-              </a:spcBef>
-              <a:spcAft>
-                <a:spcPts val="0"/>
-              </a:spcAft>
-              <a:buSzPts val="4800"/>
-              <a:buNone/>
-              <a:defRPr sz="4800"/>
-            </a:lvl9pPr>
-          </a:lstStyle>
-          <a:p>
-            <a:endParaRPr/>
-          </a:p>
-        </p:txBody>
-      </p:sp>
-      <p:sp>
-        <p:nvSpPr>
-          <p:cNvPr id="34" name="Google Shape;34;p8"/>
-          <p:cNvSpPr txBox="1">
-            <a:spLocks noGrp="1"/>
-          </p:cNvSpPr>
-          <p:nvPr>
-            <p:ph type="sldNum" idx="12"/>
-          </p:nvPr>
-        </p:nvSpPr>
-        <p:spPr>
-          <a:xfrm>
-            <a:off x="8472458" y="4663217"/>
-            <a:ext cx="548700" cy="393600"/>
-          </a:xfrm>
-          <a:prstGeom prst="rect">
-            <a:avLst/>
-          </a:prstGeom>
-        </p:spPr>
-        <p:txBody>
-          <a:bodyPr spcFirstLastPara="1" wrap="square" lIns="91425" tIns="91425" rIns="91425" bIns="91425" anchor="ctr" anchorCtr="0">
-            <a:normAutofit/>
-          </a:bodyPr>
-          <a:lstStyle>
-            <a:lvl1pPr lvl="0">
-              <a:buNone/>
-              <a:defRPr/>
-            </a:lvl1pPr>
-            <a:lvl2pPr lvl="1">
-              <a:buNone/>
-              <a:defRPr/>
-            </a:lvl2pPr>
-            <a:lvl3pPr lvl="2">
-              <a:buNone/>
-              <a:defRPr/>
-            </a:lvl3pPr>
-            <a:lvl4pPr lvl="3">
-              <a:buNone/>
-              <a:defRPr/>
-            </a:lvl4pPr>
-            <a:lvl5pPr lvl="4">
-              <a:buNone/>
-              <a:defRPr/>
-            </a:lvl5pPr>
-            <a:lvl6pPr lvl="5">
-              <a:buNone/>
-              <a:defRPr/>
-            </a:lvl6pPr>
-            <a:lvl7pPr lvl="6">
-              <a:buNone/>
-              <a:defRPr/>
-            </a:lvl7pPr>
-            <a:lvl8pPr lvl="7">
-              <a:buNone/>
-              <a:defRPr/>
-            </a:lvl8pPr>
-            <a:lvl9pPr lvl="8">
-              <a:buNone/>
-              <a:defRPr/>
-            </a:lvl9pPr>
-          </a:lstStyle>
-          <a:p>
-            <a:pPr marL="0" lvl="0" indent="0" algn="r" rtl="0">
-              <a:spcBef>
-                <a:spcPts val="0"/>
-              </a:spcBef>
-              <a:spcAft>
-                <a:spcPts val="0"/>
-              </a:spcAft>
-              <a:buNone/>
-            </a:pPr>
-            <a:fld id="{00000000-1234-1234-1234-123412341234}" type="slidenum">
-              <a:rPr lang="en"/>
-              <a:t>‹#›</a:t>
-            </a:fld>
-            <a:endParaRPr/>
-          </a:p>
-        </p:txBody>
-      </p:sp>
-    </p:spTree>
-  </p:cSld>
-  <p:clrMapOvr>
-    <a:masterClrMapping/>
-  </p:clrMapOvr>
-</p:sldLayout>
-</file>
-
-<file path=ppt/slideLayouts/slideLayout8.xml><?xml version="1.0" encoding="utf-8"?>
-<p:sldLayout xmlns:a="http://schemas.openxmlformats.org/drawingml/2006/main" xmlns:r="http://schemas.openxmlformats.org/officeDocument/2006/relationships" xmlns:p="http://schemas.openxmlformats.org/presentationml/2006/main" matchingName="Section title and description">
-  <p:cSld name="SECTION_TITLE_AND_DESCRIPTION">
-    <p:spTree>
-      <p:nvGrpSpPr>
-        <p:cNvPr id="1" name="Shape 35"/>
-        <p:cNvGrpSpPr/>
-        <p:nvPr/>
-      </p:nvGrpSpPr>
-      <p:grpSpPr>
-        <a:xfrm>
-          <a:off x="0" y="0"/>
-          <a:ext cx="0" cy="0"/>
-          <a:chOff x="0" y="0"/>
-          <a:chExt cx="0" cy="0"/>
-        </a:xfrm>
-      </p:grpSpPr>
-      <p:sp>
-        <p:nvSpPr>
-          <p:cNvPr id="36" name="Google Shape;36;p9"/>
-          <p:cNvSpPr/>
-          <p:nvPr/>
-        </p:nvSpPr>
-        <p:spPr>
-          <a:xfrm>
-            <a:off x="4572000" y="-125"/>
-            <a:ext cx="4572000" cy="5143500"/>
-          </a:xfrm>
-          <a:prstGeom prst="rect">
-            <a:avLst/>
-          </a:prstGeom>
-          <a:solidFill>
-            <a:schemeClr val="lt2"/>
-          </a:solidFill>
-          <a:ln>
-            <a:noFill/>
-          </a:ln>
-        </p:spPr>
-        <p:txBody>
-          <a:bodyPr spcFirstLastPara="1" wrap="square" lIns="91425" tIns="91425" rIns="91425" bIns="91425" anchor="ctr" anchorCtr="0">
-            <a:noAutofit/>
-          </a:bodyPr>
-          <a:lstStyle/>
-          <a:p>
-            <a:pPr marL="0" lvl="0" indent="0" algn="l" rtl="0">
-              <a:spcBef>
-                <a:spcPts val="0"/>
-              </a:spcBef>
-              <a:spcAft>
-                <a:spcPts val="0"/>
-              </a:spcAft>
-              <a:buNone/>
-            </a:pPr>
-            <a:endParaRPr/>
-          </a:p>
-        </p:txBody>
-      </p:sp>
-      <p:sp>
-        <p:nvSpPr>
-          <p:cNvPr id="37" name="Google Shape;37;p9"/>
-          <p:cNvSpPr txBox="1">
-            <a:spLocks noGrp="1"/>
-          </p:cNvSpPr>
-          <p:nvPr>
-            <p:ph type="title"/>
-          </p:nvPr>
-        </p:nvSpPr>
-        <p:spPr>
-          <a:xfrm>
-            <a:off x="265500" y="1233175"/>
-            <a:ext cx="4045200" cy="1482300"/>
-          </a:xfrm>
-          <a:prstGeom prst="rect">
-            <a:avLst/>
-          </a:prstGeom>
-        </p:spPr>
-        <p:txBody>
-          <a:bodyPr spcFirstLastPara="1" wrap="square" lIns="91425" tIns="91425" rIns="91425" bIns="91425" anchor="b" anchorCtr="0">
-            <a:normAutofit/>
-          </a:bodyPr>
-          <a:lstStyle>
-            <a:lvl1pPr lvl="0" algn="ctr">
-              <a:spcBef>
-                <a:spcPts val="0"/>
-              </a:spcBef>
-              <a:spcAft>
-                <a:spcPts val="0"/>
-              </a:spcAft>
-              <a:buSzPts val="4200"/>
-              <a:buNone/>
-              <a:defRPr sz="4200"/>
-            </a:lvl1pPr>
-            <a:lvl2pPr lvl="1" algn="ctr">
-              <a:spcBef>
-                <a:spcPts val="0"/>
-              </a:spcBef>
-              <a:spcAft>
-                <a:spcPts val="0"/>
-              </a:spcAft>
-              <a:buSzPts val="4200"/>
-              <a:buNone/>
-              <a:defRPr sz="4200"/>
-            </a:lvl2pPr>
-            <a:lvl3pPr lvl="2" algn="ctr">
-              <a:spcBef>
-                <a:spcPts val="0"/>
-              </a:spcBef>
-              <a:spcAft>
-                <a:spcPts val="0"/>
-              </a:spcAft>
-              <a:buSzPts val="4200"/>
-              <a:buNone/>
-              <a:defRPr sz="4200"/>
-            </a:lvl3pPr>
-            <a:lvl4pPr lvl="3" algn="ctr">
-              <a:spcBef>
-                <a:spcPts val="0"/>
-              </a:spcBef>
-              <a:spcAft>
-                <a:spcPts val="0"/>
-              </a:spcAft>
-              <a:buSzPts val="4200"/>
-              <a:buNone/>
-              <a:defRPr sz="4200"/>
-            </a:lvl4pPr>
-            <a:lvl5pPr lvl="4" algn="ctr">
-              <a:spcBef>
-                <a:spcPts val="0"/>
-              </a:spcBef>
-              <a:spcAft>
-                <a:spcPts val="0"/>
-              </a:spcAft>
-              <a:buSzPts val="4200"/>
-              <a:buNone/>
-              <a:defRPr sz="4200"/>
-            </a:lvl5pPr>
-            <a:lvl6pPr lvl="5" algn="ctr">
-              <a:spcBef>
-                <a:spcPts val="0"/>
-              </a:spcBef>
-              <a:spcAft>
-                <a:spcPts val="0"/>
-              </a:spcAft>
-              <a:buSzPts val="4200"/>
-              <a:buNone/>
-              <a:defRPr sz="4200"/>
-            </a:lvl6pPr>
-            <a:lvl7pPr lvl="6" algn="ctr">
-              <a:spcBef>
-                <a:spcPts val="0"/>
-              </a:spcBef>
-              <a:spcAft>
-                <a:spcPts val="0"/>
-              </a:spcAft>
-              <a:buSzPts val="4200"/>
-              <a:buNone/>
-              <a:defRPr sz="4200"/>
-            </a:lvl7pPr>
-            <a:lvl8pPr lvl="7" algn="ctr">
-              <a:spcBef>
-                <a:spcPts val="0"/>
-              </a:spcBef>
-              <a:spcAft>
-                <a:spcPts val="0"/>
-              </a:spcAft>
-              <a:buSzPts val="4200"/>
-              <a:buNone/>
-              <a:defRPr sz="4200"/>
-            </a:lvl8pPr>
-            <a:lvl9pPr lvl="8" algn="ctr">
-              <a:spcBef>
-                <a:spcPts val="0"/>
-              </a:spcBef>
-              <a:spcAft>
-                <a:spcPts val="0"/>
-              </a:spcAft>
-              <a:buSzPts val="4200"/>
-              <a:buNone/>
-              <a:defRPr sz="4200"/>
-            </a:lvl9pPr>
-          </a:lstStyle>
-          <a:p>
-            <a:endParaRPr/>
-          </a:p>
-        </p:txBody>
-      </p:sp>
-      <p:sp>
-        <p:nvSpPr>
-          <p:cNvPr id="38" name="Google Shape;38;p9"/>
-          <p:cNvSpPr txBox="1">
-            <a:spLocks noGrp="1"/>
-          </p:cNvSpPr>
-          <p:nvPr>
-            <p:ph type="subTitle" idx="1"/>
-          </p:nvPr>
-        </p:nvSpPr>
-        <p:spPr>
-          <a:xfrm>
-            <a:off x="265500" y="2803075"/>
-            <a:ext cx="4045200" cy="1235100"/>
-          </a:xfrm>
-          <a:prstGeom prst="rect">
-            <a:avLst/>
-          </a:prstGeom>
-        </p:spPr>
-        <p:txBody>
-          <a:bodyPr spcFirstLastPara="1" wrap="square" lIns="91425" tIns="91425" rIns="91425" bIns="91425" anchor="t" anchorCtr="0">
-            <a:normAutofit/>
-          </a:bodyPr>
-          <a:lstStyle>
-            <a:lvl1pPr lvl="0" algn="ctr">
-              <a:lnSpc>
-                <a:spcPct val="100000"/>
-              </a:lnSpc>
-              <a:spcBef>
-                <a:spcPts val="0"/>
-              </a:spcBef>
-              <a:spcAft>
-                <a:spcPts val="0"/>
-              </a:spcAft>
-              <a:buSzPts val="2100"/>
-              <a:buNone/>
-              <a:defRPr sz="2100"/>
-            </a:lvl1pPr>
-            <a:lvl2pPr lvl="1" algn="ctr">
-              <a:lnSpc>
-                <a:spcPct val="100000"/>
-              </a:lnSpc>
-              <a:spcBef>
-                <a:spcPts val="0"/>
-              </a:spcBef>
-              <a:spcAft>
-                <a:spcPts val="0"/>
-              </a:spcAft>
-              <a:buSzPts val="2100"/>
-              <a:buNone/>
-              <a:defRPr sz="2100"/>
-            </a:lvl2pPr>
-            <a:lvl3pPr lvl="2" algn="ctr">
-              <a:lnSpc>
-                <a:spcPct val="100000"/>
-              </a:lnSpc>
-              <a:spcBef>
-                <a:spcPts val="0"/>
-              </a:spcBef>
-              <a:spcAft>
-                <a:spcPts val="0"/>
-              </a:spcAft>
-              <a:buSzPts val="2100"/>
-              <a:buNone/>
-              <a:defRPr sz="2100"/>
-            </a:lvl3pPr>
-            <a:lvl4pPr lvl="3" algn="ctr">
-              <a:lnSpc>
-                <a:spcPct val="100000"/>
-              </a:lnSpc>
-              <a:spcBef>
-                <a:spcPts val="0"/>
-              </a:spcBef>
-              <a:spcAft>
-                <a:spcPts val="0"/>
-              </a:spcAft>
-              <a:buSzPts val="2100"/>
-              <a:buNone/>
-              <a:defRPr sz="2100"/>
-            </a:lvl4pPr>
-            <a:lvl5pPr lvl="4" algn="ctr">
-              <a:lnSpc>
-                <a:spcPct val="100000"/>
-              </a:lnSpc>
-              <a:spcBef>
-                <a:spcPts val="0"/>
-              </a:spcBef>
-              <a:spcAft>
-                <a:spcPts val="0"/>
-              </a:spcAft>
-              <a:buSzPts val="2100"/>
-              <a:buNone/>
-              <a:defRPr sz="2100"/>
-            </a:lvl5pPr>
-            <a:lvl6pPr lvl="5" algn="ctr">
-              <a:lnSpc>
-                <a:spcPct val="100000"/>
-              </a:lnSpc>
-              <a:spcBef>
-                <a:spcPts val="0"/>
-              </a:spcBef>
-              <a:spcAft>
-                <a:spcPts val="0"/>
-              </a:spcAft>
-              <a:buSzPts val="2100"/>
-              <a:buNone/>
-              <a:defRPr sz="2100"/>
-            </a:lvl6pPr>
-            <a:lvl7pPr lvl="6" algn="ctr">
-              <a:lnSpc>
-                <a:spcPct val="100000"/>
-              </a:lnSpc>
-              <a:spcBef>
-                <a:spcPts val="0"/>
-              </a:spcBef>
-              <a:spcAft>
-                <a:spcPts val="0"/>
-              </a:spcAft>
-              <a:buSzPts val="2100"/>
-              <a:buNone/>
-              <a:defRPr sz="2100"/>
-            </a:lvl7pPr>
-            <a:lvl8pPr lvl="7" algn="ctr">
-              <a:lnSpc>
-                <a:spcPct val="100000"/>
-              </a:lnSpc>
-              <a:spcBef>
-                <a:spcPts val="0"/>
-              </a:spcBef>
-              <a:spcAft>
-                <a:spcPts val="0"/>
-              </a:spcAft>
-              <a:buSzPts val="2100"/>
-              <a:buNone/>
-              <a:defRPr sz="2100"/>
-            </a:lvl8pPr>
-            <a:lvl9pPr lvl="8" algn="ctr">
-              <a:lnSpc>
-                <a:spcPct val="100000"/>
-              </a:lnSpc>
-              <a:spcBef>
-                <a:spcPts val="0"/>
-              </a:spcBef>
-              <a:spcAft>
-                <a:spcPts val="0"/>
-              </a:spcAft>
-              <a:buSzPts val="2100"/>
-              <a:buNone/>
-              <a:defRPr sz="2100"/>
-            </a:lvl9pPr>
-          </a:lstStyle>
-          <a:p>
-            <a:endParaRPr/>
-          </a:p>
-        </p:txBody>
-      </p:sp>
-      <p:sp>
-        <p:nvSpPr>
-          <p:cNvPr id="39" name="Google Shape;39;p9"/>
-          <p:cNvSpPr txBox="1">
-            <a:spLocks noGrp="1"/>
-          </p:cNvSpPr>
-          <p:nvPr>
-            <p:ph type="body" idx="2"/>
-          </p:nvPr>
-        </p:nvSpPr>
-        <p:spPr>
-          <a:xfrm>
-            <a:off x="4939500" y="724075"/>
-            <a:ext cx="3837000" cy="3695100"/>
-          </a:xfrm>
-          <a:prstGeom prst="rect">
-            <a:avLst/>
-          </a:prstGeom>
-        </p:spPr>
-        <p:txBody>
-          <a:bodyPr spcFirstLastPara="1" wrap="square" lIns="91425" tIns="91425" rIns="91425" bIns="91425" anchor="ctr" anchorCtr="0">
-            <a:normAutofit/>
-          </a:bodyPr>
-          <a:lstStyle>
-            <a:lvl1pPr marL="457200" lvl="0" indent="-342900">
-              <a:spcBef>
-                <a:spcPts val="0"/>
-              </a:spcBef>
-              <a:spcAft>
-                <a:spcPts val="0"/>
-              </a:spcAft>
-              <a:buSzPts val="1800"/>
-              <a:buChar char="●"/>
-              <a:defRPr/>
-            </a:lvl1pPr>
-            <a:lvl2pPr marL="914400" lvl="1" indent="-317500">
-              <a:spcBef>
-                <a:spcPts val="0"/>
-              </a:spcBef>
-              <a:spcAft>
-                <a:spcPts val="0"/>
-              </a:spcAft>
-              <a:buSzPts val="1400"/>
-              <a:buChar char="○"/>
-              <a:defRPr/>
-            </a:lvl2pPr>
-            <a:lvl3pPr marL="1371600" lvl="2" indent="-317500">
-              <a:spcBef>
-                <a:spcPts val="0"/>
-              </a:spcBef>
-              <a:spcAft>
-                <a:spcPts val="0"/>
-              </a:spcAft>
-              <a:buSzPts val="1400"/>
-              <a:buChar char="■"/>
-              <a:defRPr/>
-            </a:lvl3pPr>
-            <a:lvl4pPr marL="1828800" lvl="3" indent="-317500">
-              <a:spcBef>
-                <a:spcPts val="0"/>
-              </a:spcBef>
-              <a:spcAft>
-                <a:spcPts val="0"/>
-              </a:spcAft>
-              <a:buSzPts val="1400"/>
-              <a:buChar char="●"/>
-              <a:defRPr/>
-            </a:lvl4pPr>
-            <a:lvl5pPr marL="2286000" lvl="4" indent="-317500">
-              <a:spcBef>
-                <a:spcPts val="0"/>
-              </a:spcBef>
-              <a:spcAft>
-                <a:spcPts val="0"/>
-              </a:spcAft>
-              <a:buSzPts val="1400"/>
-              <a:buChar char="○"/>
-              <a:defRPr/>
-            </a:lvl5pPr>
-            <a:lvl6pPr marL="2743200" lvl="5" indent="-317500">
-              <a:spcBef>
-                <a:spcPts val="0"/>
-              </a:spcBef>
-              <a:spcAft>
-                <a:spcPts val="0"/>
-              </a:spcAft>
-              <a:buSzPts val="1400"/>
-              <a:buChar char="■"/>
-              <a:defRPr/>
-            </a:lvl6pPr>
-            <a:lvl7pPr marL="3200400" lvl="6" indent="-317500">
-              <a:spcBef>
-                <a:spcPts val="0"/>
-              </a:spcBef>
-              <a:spcAft>
-                <a:spcPts val="0"/>
-              </a:spcAft>
-              <a:buSzPts val="1400"/>
-              <a:buChar char="●"/>
-              <a:defRPr/>
-            </a:lvl7pPr>
-            <a:lvl8pPr marL="3657600" lvl="7" indent="-317500">
-              <a:spcBef>
-                <a:spcPts val="0"/>
-              </a:spcBef>
-              <a:spcAft>
-                <a:spcPts val="0"/>
-              </a:spcAft>
-              <a:buSzPts val="1400"/>
-              <a:buChar char="○"/>
-              <a:defRPr/>
-            </a:lvl8pPr>
-            <a:lvl9pPr marL="4114800" lvl="8" indent="-317500">
-              <a:spcBef>
-                <a:spcPts val="0"/>
-              </a:spcBef>
-              <a:spcAft>
-                <a:spcPts val="0"/>
-              </a:spcAft>
-              <a:buSzPts val="1400"/>
-              <a:buChar char="■"/>
-              <a:defRPr/>
-            </a:lvl9pPr>
-          </a:lstStyle>
-          <a:p>
-            <a:endParaRPr/>
-          </a:p>
-        </p:txBody>
-      </p:sp>
-      <p:sp>
-        <p:nvSpPr>
-          <p:cNvPr id="40" name="Google Shape;40;p9"/>
-          <p:cNvSpPr txBox="1">
-            <a:spLocks noGrp="1"/>
-          </p:cNvSpPr>
-          <p:nvPr>
-            <p:ph type="sldNum" idx="12"/>
-          </p:nvPr>
-        </p:nvSpPr>
-        <p:spPr>
-          <a:xfrm>
-            <a:off x="8472458" y="4663217"/>
-            <a:ext cx="548700" cy="393600"/>
-          </a:xfrm>
-          <a:prstGeom prst="rect">
-            <a:avLst/>
-          </a:prstGeom>
-        </p:spPr>
-        <p:txBody>
-          <a:bodyPr spcFirstLastPara="1" wrap="square" lIns="91425" tIns="91425" rIns="91425" bIns="91425" anchor="ctr" anchorCtr="0">
-            <a:normAutofit/>
-          </a:bodyPr>
-          <a:lstStyle>
-            <a:lvl1pPr lvl="0">
-              <a:buNone/>
-              <a:defRPr/>
-            </a:lvl1pPr>
-            <a:lvl2pPr lvl="1">
-              <a:buNone/>
-              <a:defRPr/>
-            </a:lvl2pPr>
-            <a:lvl3pPr lvl="2">
-              <a:buNone/>
-              <a:defRPr/>
-            </a:lvl3pPr>
-            <a:lvl4pPr lvl="3">
-              <a:buNone/>
-              <a:defRPr/>
-            </a:lvl4pPr>
-            <a:lvl5pPr lvl="4">
-              <a:buNone/>
-              <a:defRPr/>
-            </a:lvl5pPr>
-            <a:lvl6pPr lvl="5">
-              <a:buNone/>
-              <a:defRPr/>
-            </a:lvl6pPr>
-            <a:lvl7pPr lvl="6">
-              <a:buNone/>
-              <a:defRPr/>
-            </a:lvl7pPr>
-            <a:lvl8pPr lvl="7">
-              <a:buNone/>
-              <a:defRPr/>
-            </a:lvl8pPr>
-            <a:lvl9pPr lvl="8">
-              <a:buNone/>
-              <a:defRPr/>
-            </a:lvl9pPr>
-          </a:lstStyle>
-          <a:p>
-            <a:pPr marL="0" lvl="0" indent="0" algn="r" rtl="0">
-              <a:spcBef>
-                <a:spcPts val="0"/>
-              </a:spcBef>
-              <a:spcAft>
-                <a:spcPts val="0"/>
-              </a:spcAft>
-              <a:buNone/>
-            </a:pPr>
-            <a:fld id="{00000000-1234-1234-1234-123412341234}" type="slidenum">
-              <a:rPr lang="en"/>
-              <a:t>‹#›</a:t>
-            </a:fld>
-            <a:endParaRPr/>
-          </a:p>
-        </p:txBody>
-      </p:sp>
-    </p:spTree>
-  </p:cSld>
-  <p:clrMapOvr>
-    <a:masterClrMapping/>
-  </p:clrMapOvr>
-</p:sldLayout>
-</file>
-
-<file path=ppt/slideLayouts/slideLayout9.xml><?xml version="1.0" encoding="utf-8"?>
-<p:sldLayout xmlns:a="http://schemas.openxmlformats.org/drawingml/2006/main" xmlns:r="http://schemas.openxmlformats.org/officeDocument/2006/relationships" xmlns:p="http://schemas.openxmlformats.org/presentationml/2006/main" matchingName="Caption">
-  <p:cSld name="CAPTION_ONLY">
-    <p:spTree>
-      <p:nvGrpSpPr>
-        <p:cNvPr id="1" name="Shape 41"/>
-        <p:cNvGrpSpPr/>
-        <p:nvPr/>
-      </p:nvGrpSpPr>
-      <p:grpSpPr>
-        <a:xfrm>
-          <a:off x="0" y="0"/>
-          <a:ext cx="0" cy="0"/>
-          <a:chOff x="0" y="0"/>
-          <a:chExt cx="0" cy="0"/>
-        </a:xfrm>
-      </p:grpSpPr>
-      <p:sp>
-        <p:nvSpPr>
-          <p:cNvPr id="42" name="Google Shape;42;p10"/>
-          <p:cNvSpPr txBox="1">
-            <a:spLocks noGrp="1"/>
-          </p:cNvSpPr>
-          <p:nvPr>
-            <p:ph type="body" idx="1"/>
-          </p:nvPr>
-        </p:nvSpPr>
-        <p:spPr>
-          <a:xfrm>
-            <a:off x="311700" y="4230575"/>
-            <a:ext cx="5998800" cy="605100"/>
-          </a:xfrm>
-          <a:prstGeom prst="rect">
-            <a:avLst/>
-          </a:prstGeom>
-        </p:spPr>
-        <p:txBody>
-          <a:bodyPr spcFirstLastPara="1" wrap="square" lIns="91425" tIns="91425" rIns="91425" bIns="91425" anchor="ctr" anchorCtr="0">
-            <a:normAutofit/>
-          </a:bodyPr>
-          <a:lstStyle>
-            <a:lvl1pPr marL="457200" lvl="0" indent="-228600">
-              <a:lnSpc>
-                <a:spcPct val="100000"/>
-              </a:lnSpc>
-              <a:spcBef>
-                <a:spcPts val="0"/>
-              </a:spcBef>
-              <a:spcAft>
-                <a:spcPts val="0"/>
-              </a:spcAft>
-              <a:buSzPts val="1800"/>
-              <a:buNone/>
-              <a:defRPr/>
-            </a:lvl1pPr>
-          </a:lstStyle>
-          <a:p>
-            <a:endParaRPr/>
-          </a:p>
-        </p:txBody>
-      </p:sp>
-      <p:sp>
-        <p:nvSpPr>
-          <p:cNvPr id="43" name="Google Shape;43;p10"/>
-          <p:cNvSpPr txBox="1">
-            <a:spLocks noGrp="1"/>
-          </p:cNvSpPr>
-          <p:nvPr>
-            <p:ph type="sldNum" idx="12"/>
-          </p:nvPr>
-        </p:nvSpPr>
-        <p:spPr>
-          <a:xfrm>
-            <a:off x="8472458" y="4663217"/>
-            <a:ext cx="548700" cy="393600"/>
-          </a:xfrm>
-          <a:prstGeom prst="rect">
-            <a:avLst/>
-          </a:prstGeom>
-        </p:spPr>
-        <p:txBody>
-          <a:bodyPr spcFirstLastPara="1" wrap="square" lIns="91425" tIns="91425" rIns="91425" bIns="91425" anchor="ctr" anchorCtr="0">
-            <a:normAutofit/>
-          </a:bodyPr>
-          <a:lstStyle>
-            <a:lvl1pPr lvl="0">
-              <a:buNone/>
-              <a:defRPr/>
-            </a:lvl1pPr>
-            <a:lvl2pPr lvl="1">
-              <a:buNone/>
-              <a:defRPr/>
-            </a:lvl2pPr>
-            <a:lvl3pPr lvl="2">
-              <a:buNone/>
-              <a:defRPr/>
-            </a:lvl3pPr>
-            <a:lvl4pPr lvl="3">
-              <a:buNone/>
-              <a:defRPr/>
-            </a:lvl4pPr>
-            <a:lvl5pPr lvl="4">
-              <a:buNone/>
-              <a:defRPr/>
-            </a:lvl5pPr>
-            <a:lvl6pPr lvl="5">
-              <a:buNone/>
-              <a:defRPr/>
-            </a:lvl6pPr>
-            <a:lvl7pPr lvl="6">
-              <a:buNone/>
-              <a:defRPr/>
-            </a:lvl7pPr>
-            <a:lvl8pPr lvl="7">
-              <a:buNone/>
-              <a:defRPr/>
-            </a:lvl8pPr>
-            <a:lvl9pPr lvl="8">
-              <a:buNone/>
-              <a:defRPr/>
-            </a:lvl9pPr>
-          </a:lstStyle>
-          <a:p>
-            <a:pPr marL="0" lvl="0" indent="0" algn="r" rtl="0">
-              <a:spcBef>
-                <a:spcPts val="0"/>
-              </a:spcBef>
-              <a:spcAft>
-                <a:spcPts val="0"/>
-              </a:spcAft>
-              <a:buNone/>
-            </a:pPr>
-            <a:fld id="{00000000-1234-1234-1234-123412341234}" type="slidenum">
-              <a:rPr lang="en"/>
-              <a:t>‹#›</a:t>
-            </a:fld>
-            <a:endParaRPr/>
+            <a:endParaRPr lang="en"/>
           </a:p>
         </p:txBody>
       </p:sp>
@@ -4534,8 +3960,8 @@
         </p:nvSpPr>
         <p:spPr>
           <a:xfrm>
-            <a:off x="311700" y="445025"/>
-            <a:ext cx="8520600" cy="572700"/>
+            <a:off x="368142" y="498318"/>
+            <a:ext cx="10063480" cy="641283"/>
           </a:xfrm>
           <a:prstGeom prst="rect">
             <a:avLst/>
@@ -4730,8 +4156,8 @@
         </p:nvSpPr>
         <p:spPr>
           <a:xfrm>
-            <a:off x="311700" y="1152475"/>
-            <a:ext cx="8520600" cy="3416400"/>
+            <a:off x="368142" y="1290488"/>
+            <a:ext cx="10063480" cy="3825524"/>
           </a:xfrm>
           <a:prstGeom prst="rect">
             <a:avLst/>
@@ -4953,8 +4379,8 @@
         </p:nvSpPr>
         <p:spPr>
           <a:xfrm>
-            <a:off x="8472458" y="4663217"/>
-            <a:ext cx="548700" cy="393600"/>
+            <a:off x="10006621" y="5221652"/>
+            <a:ext cx="648057" cy="440735"/>
           </a:xfrm>
           <a:prstGeom prst="rect">
             <a:avLst/>
@@ -5043,20 +4469,12 @@
             </a:lvl9pPr>
           </a:lstStyle>
           <a:p>
-            <a:pPr marL="0" lvl="0" indent="0" algn="r" rtl="0">
-              <a:spcBef>
-                <a:spcPts val="0"/>
-              </a:spcBef>
-              <a:spcAft>
-                <a:spcPts val="0"/>
-              </a:spcAft>
-              <a:buNone/>
-            </a:pPr>
             <a:fld id="{00000000-1234-1234-1234-123412341234}" type="slidenum">
-              <a:rPr lang="en"/>
+              <a:rPr lang="en" smtClean="0"/>
+              <a:pPr/>
               <a:t>‹#›</a:t>
             </a:fld>
-            <a:endParaRPr/>
+            <a:endParaRPr lang="en"/>
           </a:p>
         </p:txBody>
       </p:sp>
@@ -5064,17 +4482,16 @@
   </p:cSld>
   <p:clrMap bg1="lt1" tx1="dk1" bg2="dk2" tx2="lt2" accent1="accent1" accent2="accent2" accent3="accent3" accent4="accent4" accent5="accent5" accent6="accent6" hlink="hlink" folHlink="folHlink"/>
   <p:sldLayoutIdLst>
-    <p:sldLayoutId id="2147483648" r:id="rId1"/>
-    <p:sldLayoutId id="2147483649" r:id="rId2"/>
-    <p:sldLayoutId id="2147483650" r:id="rId3"/>
-    <p:sldLayoutId id="2147483651" r:id="rId4"/>
-    <p:sldLayoutId id="2147483652" r:id="rId5"/>
-    <p:sldLayoutId id="2147483653" r:id="rId6"/>
-    <p:sldLayoutId id="2147483654" r:id="rId7"/>
-    <p:sldLayoutId id="2147483655" r:id="rId8"/>
-    <p:sldLayoutId id="2147483656" r:id="rId9"/>
-    <p:sldLayoutId id="2147483657" r:id="rId10"/>
-    <p:sldLayoutId id="2147483658" r:id="rId11"/>
+    <p:sldLayoutId id="2147483649" r:id="rId1"/>
+    <p:sldLayoutId id="2147483650" r:id="rId2"/>
+    <p:sldLayoutId id="2147483651" r:id="rId3"/>
+    <p:sldLayoutId id="2147483652" r:id="rId4"/>
+    <p:sldLayoutId id="2147483653" r:id="rId5"/>
+    <p:sldLayoutId id="2147483654" r:id="rId6"/>
+    <p:sldLayoutId id="2147483655" r:id="rId7"/>
+    <p:sldLayoutId id="2147483656" r:id="rId8"/>
+    <p:sldLayoutId id="2147483657" r:id="rId9"/>
+    <p:sldLayoutId id="2147483658" r:id="rId10"/>
   </p:sldLayoutIdLst>
   <p:hf sldNum="0" hdr="0" ftr="0" dt="0"/>
   <p:txStyles>
@@ -5774,107 +5191,6 @@
   <p:cSld>
     <p:spTree>
       <p:nvGrpSpPr>
-        <p:cNvPr id="1" name="Shape 53"/>
-        <p:cNvGrpSpPr/>
-        <p:nvPr/>
-      </p:nvGrpSpPr>
-      <p:grpSpPr>
-        <a:xfrm>
-          <a:off x="0" y="0"/>
-          <a:ext cx="0" cy="0"/>
-          <a:chOff x="0" y="0"/>
-          <a:chExt cx="0" cy="0"/>
-        </a:xfrm>
-      </p:grpSpPr>
-      <p:sp>
-        <p:nvSpPr>
-          <p:cNvPr id="54" name="Google Shape;54;p13"/>
-          <p:cNvSpPr txBox="1">
-            <a:spLocks noGrp="1"/>
-          </p:cNvSpPr>
-          <p:nvPr>
-            <p:ph type="ctrTitle"/>
-          </p:nvPr>
-        </p:nvSpPr>
-        <p:spPr>
-          <a:xfrm>
-            <a:off x="311708" y="744575"/>
-            <a:ext cx="8520600" cy="2052600"/>
-          </a:xfrm>
-          <a:prstGeom prst="rect">
-            <a:avLst/>
-          </a:prstGeom>
-        </p:spPr>
-        <p:txBody>
-          <a:bodyPr spcFirstLastPara="1" wrap="square" lIns="91425" tIns="91425" rIns="91425" bIns="91425" anchor="b" anchorCtr="0">
-            <a:normAutofit/>
-          </a:bodyPr>
-          <a:lstStyle/>
-          <a:p>
-            <a:pPr marL="0" lvl="0" indent="0" algn="ctr" rtl="0">
-              <a:spcBef>
-                <a:spcPts val="0"/>
-              </a:spcBef>
-              <a:spcAft>
-                <a:spcPts val="0"/>
-              </a:spcAft>
-              <a:buNone/>
-            </a:pPr>
-            <a:endParaRPr/>
-          </a:p>
-        </p:txBody>
-      </p:sp>
-      <p:sp>
-        <p:nvSpPr>
-          <p:cNvPr id="55" name="Google Shape;55;p13"/>
-          <p:cNvSpPr txBox="1">
-            <a:spLocks noGrp="1"/>
-          </p:cNvSpPr>
-          <p:nvPr>
-            <p:ph type="subTitle" idx="1"/>
-          </p:nvPr>
-        </p:nvSpPr>
-        <p:spPr>
-          <a:xfrm>
-            <a:off x="311700" y="2834125"/>
-            <a:ext cx="8520600" cy="792600"/>
-          </a:xfrm>
-          <a:prstGeom prst="rect">
-            <a:avLst/>
-          </a:prstGeom>
-        </p:spPr>
-        <p:txBody>
-          <a:bodyPr spcFirstLastPara="1" wrap="square" lIns="91425" tIns="91425" rIns="91425" bIns="91425" anchor="t" anchorCtr="0">
-            <a:normAutofit/>
-          </a:bodyPr>
-          <a:lstStyle/>
-          <a:p>
-            <a:pPr marL="0" lvl="0" indent="0" algn="ctr" rtl="0">
-              <a:spcBef>
-                <a:spcPts val="0"/>
-              </a:spcBef>
-              <a:spcAft>
-                <a:spcPts val="0"/>
-              </a:spcAft>
-              <a:buNone/>
-            </a:pPr>
-            <a:endParaRPr/>
-          </a:p>
-        </p:txBody>
-      </p:sp>
-    </p:spTree>
-  </p:cSld>
-  <p:clrMapOvr>
-    <a:masterClrMapping/>
-  </p:clrMapOvr>
-</p:sld>
-</file>
-
-<file path=ppt/slides/slide2.xml><?xml version="1.0" encoding="utf-8"?>
-<p:sld xmlns:a="http://schemas.openxmlformats.org/drawingml/2006/main" xmlns:r="http://schemas.openxmlformats.org/officeDocument/2006/relationships" xmlns:p="http://schemas.openxmlformats.org/presentationml/2006/main">
-  <p:cSld>
-    <p:spTree>
-      <p:nvGrpSpPr>
         <p:cNvPr id="1" name="Shape 59"/>
         <p:cNvGrpSpPr/>
         <p:nvPr/>
@@ -5895,7 +5211,7 @@
         </p:nvSpPr>
         <p:spPr>
           <a:xfrm>
-            <a:off x="849000" y="3831020"/>
+            <a:off x="1453831" y="4997925"/>
             <a:ext cx="4286400" cy="369300"/>
           </a:xfrm>
           <a:prstGeom prst="rect">
@@ -5912,19 +5228,11 @@
           </a:bodyPr>
           <a:lstStyle/>
           <a:p>
-            <a:pPr marL="0" lvl="0" indent="0" algn="l" rtl="0">
-              <a:spcBef>
-                <a:spcPts val="0"/>
-              </a:spcBef>
-              <a:spcAft>
-                <a:spcPts val="0"/>
-              </a:spcAft>
+            <a:pPr>
               <a:buClr>
                 <a:schemeClr val="dk1"/>
               </a:buClr>
               <a:buSzPts val="1100"/>
-              <a:buFont typeface="Arial"/>
-              <a:buNone/>
             </a:pPr>
             <a:r>
               <a:rPr lang="en" sz="1500" dirty="0">
@@ -5932,7 +5240,7 @@
                   <a:schemeClr val="dk1"/>
                 </a:solidFill>
                 <a:highlight>
-                  <a:srgbClr val="FFFF00"/>
+                  <a:srgbClr val="FF9900"/>
                 </a:highlight>
                 <a:latin typeface="Calibri"/>
                 <a:ea typeface="Calibri"/>
@@ -5959,7 +5267,7 @@
                   <a:schemeClr val="dk1"/>
                 </a:solidFill>
                 <a:highlight>
-                  <a:srgbClr val="00FFFF"/>
+                  <a:srgbClr val="6AA84F"/>
                 </a:highlight>
                 <a:latin typeface="Calibri"/>
                 <a:ea typeface="Calibri"/>
@@ -6023,7 +5331,7 @@
                 <a:cs typeface="Calibri"/>
                 <a:sym typeface="Calibri"/>
               </a:rPr>
-              <a:t>tutorial</a:t>
+              <a:t>0.8_tutorial</a:t>
             </a:r>
             <a:endParaRPr sz="1700" dirty="0"/>
           </a:p>
@@ -6039,8 +5347,8 @@
         </p:nvCxnSpPr>
         <p:spPr>
           <a:xfrm flipH="1" flipV="1">
-            <a:off x="1164344" y="1943440"/>
-            <a:ext cx="9159" cy="1852274"/>
+            <a:off x="1791309" y="2035050"/>
+            <a:ext cx="13753" cy="3006000"/>
           </a:xfrm>
           <a:prstGeom prst="straightConnector1">
             <a:avLst/>
@@ -6048,7 +5356,7 @@
           <a:noFill/>
           <a:ln w="28575" cap="flat" cmpd="sng">
             <a:solidFill>
-              <a:srgbClr val="FFBC00"/>
+              <a:srgbClr val="FF9900"/>
             </a:solidFill>
             <a:prstDash val="solid"/>
             <a:round/>
@@ -6060,13 +5368,15 @@
       <p:cxnSp>
         <p:nvCxnSpPr>
           <p:cNvPr id="63" name="Google Shape;63;p14"/>
-          <p:cNvCxnSpPr/>
+          <p:cNvCxnSpPr>
+            <a:cxnSpLocks/>
+          </p:cNvCxnSpPr>
           <p:nvPr/>
         </p:nvCxnSpPr>
         <p:spPr>
-          <a:xfrm rot="10800000" flipH="1">
-            <a:off x="1167175" y="1932337"/>
-            <a:ext cx="3198300" cy="11100"/>
+          <a:xfrm>
+            <a:off x="1798182" y="2049850"/>
+            <a:ext cx="3422312" cy="0"/>
           </a:xfrm>
           <a:prstGeom prst="straightConnector1">
             <a:avLst/>
@@ -6074,7 +5384,7 @@
           <a:noFill/>
           <a:ln w="28575" cap="flat" cmpd="sng">
             <a:solidFill>
-              <a:srgbClr val="FFBC00"/>
+              <a:srgbClr val="FF9900"/>
             </a:solidFill>
             <a:prstDash val="solid"/>
             <a:round/>
@@ -6091,8 +5401,8 @@
         </p:nvSpPr>
         <p:spPr>
           <a:xfrm>
-            <a:off x="4572000" y="1720070"/>
-            <a:ext cx="3000000" cy="400200"/>
+            <a:off x="5399744" y="1873404"/>
+            <a:ext cx="3000000" cy="400079"/>
           </a:xfrm>
           <a:prstGeom prst="rect">
             <a:avLst/>
@@ -6108,19 +5418,10 @@
           </a:bodyPr>
           <a:lstStyle/>
           <a:p>
-            <a:pPr marL="0" lvl="0" indent="0" algn="l" rtl="0">
-              <a:spcBef>
-                <a:spcPts val="0"/>
-              </a:spcBef>
-              <a:spcAft>
-                <a:spcPts val="0"/>
-              </a:spcAft>
-              <a:buNone/>
-            </a:pPr>
             <a:r>
-              <a:rPr lang="en">
+              <a:rPr lang="en" dirty="0">
                 <a:solidFill>
-                  <a:srgbClr val="FFBC00"/>
+                  <a:srgbClr val="B45F06"/>
                 </a:solidFill>
                 <a:latin typeface="Times New Roman"/>
                 <a:ea typeface="Times New Roman"/>
@@ -6129,9 +5430,9 @@
               </a:rPr>
               <a:t>Using docker to execute this command</a:t>
             </a:r>
-            <a:endParaRPr sz="1600">
+            <a:endParaRPr sz="1600" dirty="0">
               <a:solidFill>
-                <a:srgbClr val="FFBC00"/>
+                <a:srgbClr val="B45F06"/>
               </a:solidFill>
             </a:endParaRPr>
           </a:p>
@@ -6146,9 +5447,9 @@
           <p:nvPr/>
         </p:nvCxnSpPr>
         <p:spPr>
-          <a:xfrm flipH="1" flipV="1">
-            <a:off x="1667126" y="2317550"/>
-            <a:ext cx="1" cy="1478164"/>
+          <a:xfrm flipV="1">
+            <a:off x="2214230" y="2505124"/>
+            <a:ext cx="0" cy="2541600"/>
           </a:xfrm>
           <a:prstGeom prst="straightConnector1">
             <a:avLst/>
@@ -6156,7 +5457,7 @@
           <a:noFill/>
           <a:ln w="28575" cap="flat" cmpd="sng">
             <a:solidFill>
-              <a:srgbClr val="00FFFF"/>
+              <a:srgbClr val="38761D"/>
             </a:solidFill>
             <a:prstDash val="solid"/>
             <a:round/>
@@ -6175,8 +5476,8 @@
         </p:nvCxnSpPr>
         <p:spPr>
           <a:xfrm>
-            <a:off x="1667126" y="2327150"/>
-            <a:ext cx="2672074" cy="0"/>
+            <a:off x="2214234" y="2514650"/>
+            <a:ext cx="3006263" cy="0"/>
           </a:xfrm>
           <a:prstGeom prst="straightConnector1">
             <a:avLst/>
@@ -6184,7 +5485,7 @@
           <a:noFill/>
           <a:ln w="28575" cap="flat" cmpd="sng">
             <a:solidFill>
-              <a:srgbClr val="00FFFF"/>
+              <a:srgbClr val="38761D"/>
             </a:solidFill>
             <a:prstDash val="solid"/>
             <a:round/>
@@ -6201,8 +5502,8 @@
         </p:nvSpPr>
         <p:spPr>
           <a:xfrm>
-            <a:off x="4572000" y="2127050"/>
-            <a:ext cx="3324300" cy="400200"/>
+            <a:off x="5399881" y="2331579"/>
+            <a:ext cx="3324300" cy="400079"/>
           </a:xfrm>
           <a:prstGeom prst="rect">
             <a:avLst/>
@@ -6218,19 +5519,10 @@
           </a:bodyPr>
           <a:lstStyle/>
           <a:p>
-            <a:pPr marL="0" lvl="0" indent="0" algn="l" rtl="0">
-              <a:spcBef>
-                <a:spcPts val="0"/>
-              </a:spcBef>
-              <a:spcAft>
-                <a:spcPts val="0"/>
-              </a:spcAft>
-              <a:buNone/>
-            </a:pPr>
             <a:r>
               <a:rPr lang="en" dirty="0">
                 <a:solidFill>
-                  <a:srgbClr val="00FFFF"/>
+                  <a:srgbClr val="38761D"/>
                 </a:solidFill>
                 <a:latin typeface="Times New Roman"/>
                 <a:ea typeface="Times New Roman"/>
@@ -6241,7 +5533,7 @@
             </a:r>
             <a:endParaRPr dirty="0">
               <a:solidFill>
-                <a:srgbClr val="00FFFF"/>
+                <a:srgbClr val="38761D"/>
               </a:solidFill>
             </a:endParaRPr>
           </a:p>
@@ -6256,9 +5548,9 @@
           <p:nvPr/>
         </p:nvCxnSpPr>
         <p:spPr>
-          <a:xfrm flipH="1" flipV="1">
-            <a:off x="2028863" y="2706307"/>
-            <a:ext cx="8313" cy="1089407"/>
+          <a:xfrm flipV="1">
+            <a:off x="2863181" y="2978875"/>
+            <a:ext cx="0" cy="2061438"/>
           </a:xfrm>
           <a:prstGeom prst="straightConnector1">
             <a:avLst/>
@@ -6285,8 +5577,8 @@
         </p:nvCxnSpPr>
         <p:spPr>
           <a:xfrm>
-            <a:off x="2028863" y="2706814"/>
-            <a:ext cx="2336612" cy="0"/>
+            <a:off x="2849556" y="2978875"/>
+            <a:ext cx="2370938" cy="0"/>
           </a:xfrm>
           <a:prstGeom prst="straightConnector1">
             <a:avLst/>
@@ -6311,8 +5603,8 @@
         </p:nvSpPr>
         <p:spPr>
           <a:xfrm>
-            <a:off x="4564650" y="2500564"/>
-            <a:ext cx="3412200" cy="400200"/>
+            <a:off x="5399881" y="2789754"/>
+            <a:ext cx="3412200" cy="400079"/>
           </a:xfrm>
           <a:prstGeom prst="rect">
             <a:avLst/>
@@ -6328,15 +5620,6 @@
           </a:bodyPr>
           <a:lstStyle/>
           <a:p>
-            <a:pPr marL="0" lvl="0" indent="0" algn="l" rtl="0">
-              <a:spcBef>
-                <a:spcPts val="0"/>
-              </a:spcBef>
-              <a:spcAft>
-                <a:spcPts val="0"/>
-              </a:spcAft>
-              <a:buNone/>
-            </a:pPr>
             <a:r>
               <a:rPr lang="en" dirty="0">
                 <a:solidFill>
@@ -6367,8 +5650,8 @@
         </p:nvCxnSpPr>
         <p:spPr>
           <a:xfrm flipV="1">
-            <a:off x="3007825" y="3090599"/>
-            <a:ext cx="1" cy="691692"/>
+            <a:off x="3797581" y="3423500"/>
+            <a:ext cx="0" cy="1612800"/>
           </a:xfrm>
           <a:prstGeom prst="straightConnector1">
             <a:avLst/>
@@ -6388,13 +5671,15 @@
       <p:cxnSp>
         <p:nvCxnSpPr>
           <p:cNvPr id="72" name="Google Shape;72;p14"/>
-          <p:cNvCxnSpPr/>
+          <p:cNvCxnSpPr>
+            <a:cxnSpLocks/>
+          </p:cNvCxnSpPr>
           <p:nvPr/>
         </p:nvCxnSpPr>
         <p:spPr>
           <a:xfrm>
-            <a:off x="2992200" y="3105237"/>
-            <a:ext cx="1340700" cy="0"/>
+            <a:off x="3797584" y="3436938"/>
+            <a:ext cx="1422913" cy="0"/>
           </a:xfrm>
           <a:prstGeom prst="straightConnector1">
             <a:avLst/>
@@ -6419,8 +5704,8 @@
         </p:nvSpPr>
         <p:spPr>
           <a:xfrm>
-            <a:off x="4572000" y="2900764"/>
-            <a:ext cx="1340700" cy="400200"/>
+            <a:off x="5399881" y="3247929"/>
+            <a:ext cx="1340700" cy="400079"/>
           </a:xfrm>
           <a:prstGeom prst="rect">
             <a:avLst/>
@@ -6436,15 +5721,6 @@
           </a:bodyPr>
           <a:lstStyle/>
           <a:p>
-            <a:pPr marL="0" lvl="0" indent="0" algn="l" rtl="0">
-              <a:spcBef>
-                <a:spcPts val="0"/>
-              </a:spcBef>
-              <a:spcAft>
-                <a:spcPts val="0"/>
-              </a:spcAft>
-              <a:buNone/>
-            </a:pPr>
             <a:r>
               <a:rPr lang="en" dirty="0">
                 <a:solidFill>
@@ -6474,9 +5750,9 @@
           <p:nvPr/>
         </p:nvCxnSpPr>
         <p:spPr>
-          <a:xfrm flipH="1" flipV="1">
-            <a:off x="3872345" y="3532909"/>
-            <a:ext cx="1433" cy="242455"/>
+          <a:xfrm flipV="1">
+            <a:off x="4638631" y="3906202"/>
+            <a:ext cx="0" cy="1134113"/>
           </a:xfrm>
           <a:prstGeom prst="straightConnector1">
             <a:avLst/>
@@ -6503,8 +5779,8 @@
         </p:nvCxnSpPr>
         <p:spPr>
           <a:xfrm>
-            <a:off x="3861928" y="3519461"/>
-            <a:ext cx="470972" cy="0"/>
+            <a:off x="4622728" y="3906200"/>
+            <a:ext cx="597769" cy="0"/>
           </a:xfrm>
           <a:prstGeom prst="straightConnector1">
             <a:avLst/>
@@ -6529,8 +5805,8 @@
         </p:nvSpPr>
         <p:spPr>
           <a:xfrm>
-            <a:off x="4572000" y="3300964"/>
-            <a:ext cx="3000000" cy="400200"/>
+            <a:off x="5399881" y="3706103"/>
+            <a:ext cx="3000000" cy="400079"/>
           </a:xfrm>
           <a:prstGeom prst="rect">
             <a:avLst/>
@@ -6546,15 +5822,6 @@
           </a:bodyPr>
           <a:lstStyle/>
           <a:p>
-            <a:pPr marL="0" lvl="0" indent="0" algn="l" rtl="0">
-              <a:spcBef>
-                <a:spcPts val="0"/>
-              </a:spcBef>
-              <a:spcAft>
-                <a:spcPts val="0"/>
-              </a:spcAft>
-              <a:buNone/>
-            </a:pPr>
             <a:r>
               <a:rPr lang="en" dirty="0">
                 <a:solidFill>
@@ -6583,7 +5850,7 @@
 </p:sld>
 </file>
 
-<file path=ppt/slides/slide3.xml><?xml version="1.0" encoding="utf-8"?>
+<file path=ppt/slides/slide2.xml><?xml version="1.0" encoding="utf-8"?>
 <p:sld xmlns:a="http://schemas.openxmlformats.org/drawingml/2006/main" xmlns:r="http://schemas.openxmlformats.org/officeDocument/2006/relationships" xmlns:p="http://schemas.openxmlformats.org/presentationml/2006/main">
   <p:cSld>
     <p:spTree>
@@ -6608,8 +5875,8 @@
         </p:nvSpPr>
         <p:spPr>
           <a:xfrm>
-            <a:off x="332850" y="2825085"/>
-            <a:ext cx="4896900" cy="738633"/>
+            <a:off x="478583" y="2984370"/>
+            <a:ext cx="6092873" cy="877133"/>
           </a:xfrm>
           <a:prstGeom prst="rect">
             <a:avLst/>
@@ -6625,324 +5892,360 @@
           </a:bodyPr>
           <a:lstStyle/>
           <a:p>
-            <a:pPr marL="0" lvl="0" indent="0" algn="l" rtl="0">
+            <a:pPr>
               <a:lnSpc>
                 <a:spcPct val="150000"/>
               </a:lnSpc>
-              <a:spcBef>
-                <a:spcPts val="0"/>
-              </a:spcBef>
-              <a:spcAft>
-                <a:spcPts val="0"/>
-              </a:spcAft>
-              <a:buNone/>
             </a:pPr>
             <a:r>
-              <a:rPr lang="en" sz="1200" dirty="0">
+              <a:rPr lang="en" sz="1500" dirty="0">
                 <a:solidFill>
                   <a:schemeClr val="dk1"/>
                 </a:solidFill>
                 <a:highlight>
                   <a:srgbClr val="CC4125"/>
                 </a:highlight>
-                <a:latin typeface="Times New Roman"/>
-                <a:ea typeface="Times New Roman"/>
-                <a:cs typeface="Times New Roman"/>
-                <a:sym typeface="Times New Roman"/>
+                <a:latin typeface="Calibri"/>
+                <a:ea typeface="Calibri"/>
+                <a:cs typeface="Calibri"/>
+                <a:sym typeface="Calibri"/>
               </a:rPr>
               <a:t>docker run</a:t>
             </a:r>
             <a:r>
-              <a:rPr lang="en" sz="1200" dirty="0">
+              <a:rPr lang="en" sz="1500" dirty="0">
                 <a:solidFill>
                   <a:schemeClr val="dk1"/>
                 </a:solidFill>
-                <a:latin typeface="Times New Roman"/>
-                <a:ea typeface="Times New Roman"/>
-                <a:cs typeface="Times New Roman"/>
-                <a:sym typeface="Times New Roman"/>
+                <a:latin typeface="Calibri"/>
+                <a:ea typeface="Calibri"/>
+                <a:cs typeface="Calibri"/>
+                <a:sym typeface="Calibri"/>
               </a:rPr>
               <a:t> </a:t>
             </a:r>
             <a:r>
-              <a:rPr lang="en" sz="1200" dirty="0">
+              <a:rPr lang="en" sz="1500" dirty="0">
                 <a:solidFill>
                   <a:schemeClr val="dk1"/>
                 </a:solidFill>
                 <a:highlight>
                   <a:srgbClr val="EA9999"/>
                 </a:highlight>
-                <a:latin typeface="Times New Roman"/>
-                <a:ea typeface="Times New Roman"/>
-                <a:cs typeface="Times New Roman"/>
-                <a:sym typeface="Times New Roman"/>
+                <a:latin typeface="Calibri"/>
+                <a:ea typeface="Calibri"/>
+                <a:cs typeface="Calibri"/>
+                <a:sym typeface="Calibri"/>
               </a:rPr>
               <a:t>-it --rm</a:t>
             </a:r>
             <a:r>
-              <a:rPr lang="en" sz="1200" dirty="0">
+              <a:rPr lang="en" sz="1500" dirty="0">
                 <a:solidFill>
                   <a:schemeClr val="dk1"/>
                 </a:solidFill>
-                <a:latin typeface="Times New Roman"/>
-                <a:ea typeface="Times New Roman"/>
-                <a:cs typeface="Times New Roman"/>
-                <a:sym typeface="Times New Roman"/>
+                <a:latin typeface="Calibri"/>
+                <a:ea typeface="Calibri"/>
+                <a:cs typeface="Calibri"/>
+                <a:sym typeface="Calibri"/>
               </a:rPr>
               <a:t> </a:t>
             </a:r>
             <a:r>
-              <a:rPr lang="en" sz="1200" dirty="0">
+              <a:rPr lang="en" sz="1500" dirty="0">
                 <a:solidFill>
                   <a:schemeClr val="dk1"/>
                 </a:solidFill>
                 <a:highlight>
                   <a:srgbClr val="E69138"/>
                 </a:highlight>
-                <a:latin typeface="Times New Roman"/>
-                <a:ea typeface="Times New Roman"/>
-                <a:cs typeface="Times New Roman"/>
-                <a:sym typeface="Times New Roman"/>
+                <a:latin typeface="Calibri"/>
+                <a:ea typeface="Calibri"/>
+                <a:cs typeface="Calibri"/>
+                <a:sym typeface="Calibri"/>
               </a:rPr>
               <a:t>-v</a:t>
             </a:r>
             <a:r>
-              <a:rPr lang="en" sz="1200" dirty="0">
+              <a:rPr lang="en" sz="1500" dirty="0">
                 <a:solidFill>
                   <a:schemeClr val="dk1"/>
                 </a:solidFill>
-                <a:latin typeface="Times New Roman"/>
-                <a:ea typeface="Times New Roman"/>
-                <a:cs typeface="Times New Roman"/>
-                <a:sym typeface="Times New Roman"/>
+                <a:latin typeface="Calibri"/>
+                <a:ea typeface="Calibri"/>
+                <a:cs typeface="Calibri"/>
+                <a:sym typeface="Calibri"/>
               </a:rPr>
               <a:t> </a:t>
             </a:r>
             <a:r>
-              <a:rPr lang="en" sz="1200" dirty="0">
+              <a:rPr lang="en" sz="1500" dirty="0">
                 <a:solidFill>
                   <a:schemeClr val="dk1"/>
                 </a:solidFill>
                 <a:highlight>
                   <a:srgbClr val="F9CB9C"/>
                 </a:highlight>
-                <a:latin typeface="Times New Roman"/>
-                <a:ea typeface="Times New Roman"/>
-                <a:cs typeface="Times New Roman"/>
-                <a:sym typeface="Times New Roman"/>
+                <a:latin typeface="Calibri"/>
+                <a:ea typeface="Calibri"/>
+                <a:cs typeface="Calibri"/>
+                <a:sym typeface="Calibri"/>
               </a:rPr>
               <a:t>/home/hcp4715/DDM/tutorial</a:t>
             </a:r>
             <a:r>
-              <a:rPr lang="en" sz="1200" dirty="0">
+              <a:rPr lang="en" sz="1500" dirty="0">
                 <a:solidFill>
                   <a:schemeClr val="dk1"/>
                 </a:solidFill>
                 <a:highlight>
                   <a:srgbClr val="B7B7B7"/>
                 </a:highlight>
-                <a:latin typeface="Times New Roman"/>
-                <a:ea typeface="Times New Roman"/>
-                <a:cs typeface="Times New Roman"/>
-                <a:sym typeface="Times New Roman"/>
+                <a:latin typeface="Calibri"/>
+                <a:ea typeface="Calibri"/>
+                <a:cs typeface="Calibri"/>
+                <a:sym typeface="Calibri"/>
               </a:rPr>
               <a:t>:</a:t>
             </a:r>
             <a:r>
-              <a:rPr lang="en" sz="1200" dirty="0">
+              <a:rPr lang="en" sz="1500" dirty="0">
                 <a:solidFill>
                   <a:schemeClr val="dk1"/>
                 </a:solidFill>
                 <a:highlight>
                   <a:srgbClr val="FFE599"/>
                 </a:highlight>
-                <a:latin typeface="Times New Roman"/>
-                <a:ea typeface="Times New Roman"/>
-                <a:cs typeface="Times New Roman"/>
-                <a:sym typeface="Times New Roman"/>
+                <a:latin typeface="Calibri"/>
+                <a:ea typeface="Calibri"/>
+                <a:cs typeface="Calibri"/>
+                <a:sym typeface="Calibri"/>
               </a:rPr>
-              <a:t>/home/jovyan/hddm</a:t>
+              <a:t>/home/</a:t>
             </a:r>
             <a:r>
-              <a:rPr lang="en" sz="1200" dirty="0">
+              <a:rPr lang="en" sz="1500" dirty="0" err="1">
+                <a:solidFill>
+                  <a:schemeClr val="dk1"/>
+                </a:solidFill>
+                <a:highlight>
+                  <a:srgbClr val="FFE599"/>
+                </a:highlight>
+                <a:latin typeface="Calibri"/>
+                <a:ea typeface="Calibri"/>
+                <a:cs typeface="Calibri"/>
+                <a:sym typeface="Calibri"/>
+              </a:rPr>
+              <a:t>jovyan</a:t>
+            </a:r>
+            <a:r>
+              <a:rPr lang="en" sz="1500" dirty="0">
+                <a:solidFill>
+                  <a:schemeClr val="dk1"/>
+                </a:solidFill>
+                <a:highlight>
+                  <a:srgbClr val="FFE599"/>
+                </a:highlight>
+                <a:latin typeface="Calibri"/>
+                <a:ea typeface="Calibri"/>
+                <a:cs typeface="Calibri"/>
+                <a:sym typeface="Calibri"/>
+              </a:rPr>
+              <a:t>/</a:t>
+            </a:r>
+            <a:r>
+              <a:rPr lang="en" sz="1500" dirty="0" err="1">
+                <a:solidFill>
+                  <a:schemeClr val="dk1"/>
+                </a:solidFill>
+                <a:highlight>
+                  <a:srgbClr val="FFE599"/>
+                </a:highlight>
+                <a:latin typeface="Calibri"/>
+                <a:ea typeface="Calibri"/>
+                <a:cs typeface="Calibri"/>
+                <a:sym typeface="Calibri"/>
+              </a:rPr>
+              <a:t>hddm</a:t>
+            </a:r>
+            <a:r>
+              <a:rPr lang="en" sz="1500" dirty="0">
                 <a:solidFill>
                   <a:schemeClr val="dk1"/>
                 </a:solidFill>
                 <a:highlight>
                   <a:srgbClr val="DDDDDD"/>
                 </a:highlight>
-                <a:latin typeface="Times New Roman"/>
-                <a:ea typeface="Times New Roman"/>
-                <a:cs typeface="Times New Roman"/>
-                <a:sym typeface="Times New Roman"/>
+                <a:latin typeface="Calibri"/>
+                <a:ea typeface="Calibri"/>
+                <a:cs typeface="Calibri"/>
+                <a:sym typeface="Calibri"/>
               </a:rPr>
               <a:t> </a:t>
             </a:r>
             <a:r>
-              <a:rPr lang="en" sz="1200" dirty="0">
+              <a:rPr lang="en" sz="1500" dirty="0">
                 <a:solidFill>
                   <a:schemeClr val="dk1"/>
                 </a:solidFill>
                 <a:highlight>
                   <a:srgbClr val="D9D9D9"/>
                 </a:highlight>
-                <a:latin typeface="Times New Roman"/>
-                <a:ea typeface="Times New Roman"/>
-                <a:cs typeface="Times New Roman"/>
-                <a:sym typeface="Times New Roman"/>
+                <a:latin typeface="Calibri"/>
+                <a:ea typeface="Calibri"/>
+                <a:cs typeface="Calibri"/>
+                <a:sym typeface="Calibri"/>
               </a:rPr>
               <a:t>\</a:t>
             </a:r>
-            <a:endParaRPr sz="1200" dirty="0">
+            <a:endParaRPr sz="1500" dirty="0">
               <a:solidFill>
                 <a:schemeClr val="dk1"/>
               </a:solidFill>
               <a:highlight>
                 <a:srgbClr val="D9D9D9"/>
               </a:highlight>
-              <a:latin typeface="Times New Roman"/>
-              <a:ea typeface="Times New Roman"/>
-              <a:cs typeface="Times New Roman"/>
-              <a:sym typeface="Times New Roman"/>
+              <a:latin typeface="Calibri"/>
+              <a:ea typeface="Calibri"/>
+              <a:cs typeface="Calibri"/>
+              <a:sym typeface="Calibri"/>
             </a:endParaRPr>
           </a:p>
           <a:p>
-            <a:pPr marL="0" lvl="0" indent="0" algn="l" rtl="0">
+            <a:pPr>
               <a:lnSpc>
                 <a:spcPct val="150000"/>
               </a:lnSpc>
-              <a:spcBef>
-                <a:spcPts val="0"/>
-              </a:spcBef>
-              <a:spcAft>
-                <a:spcPts val="0"/>
-              </a:spcAft>
-              <a:buNone/>
             </a:pPr>
             <a:r>
-              <a:rPr lang="en" sz="1200" dirty="0">
+              <a:rPr lang="en" sz="1500" dirty="0">
                 <a:solidFill>
                   <a:schemeClr val="dk1"/>
                 </a:solidFill>
-                <a:latin typeface="Times New Roman"/>
-                <a:ea typeface="Times New Roman"/>
-                <a:cs typeface="Times New Roman"/>
-                <a:sym typeface="Times New Roman"/>
+                <a:latin typeface="Calibri"/>
+                <a:ea typeface="Calibri"/>
+                <a:cs typeface="Calibri"/>
+                <a:sym typeface="Calibri"/>
               </a:rPr>
               <a:t>    </a:t>
             </a:r>
             <a:r>
-              <a:rPr lang="en" sz="1200" dirty="0">
+              <a:rPr lang="en" sz="1500" dirty="0">
                 <a:solidFill>
                   <a:schemeClr val="dk1"/>
                 </a:solidFill>
                 <a:highlight>
                   <a:srgbClr val="A2C4C9"/>
                 </a:highlight>
-                <a:latin typeface="Times New Roman"/>
-                <a:ea typeface="Times New Roman"/>
-                <a:cs typeface="Times New Roman"/>
-                <a:sym typeface="Times New Roman"/>
+                <a:latin typeface="Calibri"/>
+                <a:ea typeface="Calibri"/>
+                <a:cs typeface="Calibri"/>
+                <a:sym typeface="Calibri"/>
               </a:rPr>
-              <a:t>-</a:t>
+              <a:t>-p</a:t>
             </a:r>
             <a:r>
-              <a:rPr lang="en" sz="1200">
+              <a:rPr lang="en" sz="1500" dirty="0">
                 <a:solidFill>
                   <a:schemeClr val="dk1"/>
                 </a:solidFill>
-                <a:highlight>
-                  <a:srgbClr val="A2C4C9"/>
-                </a:highlight>
-                <a:latin typeface="Times New Roman"/>
-                <a:ea typeface="Times New Roman"/>
-                <a:cs typeface="Times New Roman"/>
-                <a:sym typeface="Times New Roman"/>
-              </a:rPr>
-              <a:t>p</a:t>
-            </a:r>
-            <a:r>
-              <a:rPr lang="en" sz="1200">
-                <a:solidFill>
-                  <a:schemeClr val="dk1"/>
-                </a:solidFill>
-                <a:latin typeface="Times New Roman"/>
-                <a:ea typeface="Times New Roman"/>
-                <a:cs typeface="Times New Roman"/>
-                <a:sym typeface="Times New Roman"/>
+                <a:latin typeface="Calibri"/>
+                <a:ea typeface="Calibri"/>
+                <a:cs typeface="Calibri"/>
+                <a:sym typeface="Calibri"/>
               </a:rPr>
               <a:t> </a:t>
             </a:r>
             <a:r>
-              <a:rPr lang="en" sz="1200">
+              <a:rPr lang="en" sz="1500" dirty="0">
                 <a:solidFill>
                   <a:schemeClr val="dk1"/>
                 </a:solidFill>
                 <a:highlight>
                   <a:srgbClr val="6D9EEB"/>
                 </a:highlight>
-                <a:latin typeface="Times New Roman"/>
-                <a:ea typeface="Times New Roman"/>
-                <a:cs typeface="Times New Roman"/>
-                <a:sym typeface="Times New Roman"/>
+                <a:latin typeface="Calibri"/>
+                <a:ea typeface="Calibri"/>
+                <a:cs typeface="Calibri"/>
+                <a:sym typeface="Calibri"/>
               </a:rPr>
-              <a:t>8888:8888</a:t>
+              <a:t>8989:8888</a:t>
             </a:r>
             <a:r>
-              <a:rPr lang="en" sz="1200">
+              <a:rPr lang="en" sz="1500" dirty="0">
                 <a:solidFill>
                   <a:schemeClr val="dk1"/>
                 </a:solidFill>
-                <a:latin typeface="Times New Roman"/>
-                <a:ea typeface="Times New Roman"/>
-                <a:cs typeface="Times New Roman"/>
-                <a:sym typeface="Times New Roman"/>
+                <a:latin typeface="Calibri"/>
+                <a:ea typeface="Calibri"/>
+                <a:cs typeface="Calibri"/>
+                <a:sym typeface="Calibri"/>
               </a:rPr>
               <a:t> </a:t>
             </a:r>
             <a:r>
-              <a:rPr lang="en" sz="1200" dirty="0">
+              <a:rPr lang="en" sz="1500" dirty="0">
                 <a:solidFill>
                   <a:schemeClr val="dk1"/>
                 </a:solidFill>
                 <a:highlight>
                   <a:srgbClr val="9FC5E8"/>
                 </a:highlight>
-                <a:latin typeface="Times New Roman"/>
-                <a:ea typeface="Times New Roman"/>
-                <a:cs typeface="Times New Roman"/>
-                <a:sym typeface="Times New Roman"/>
+                <a:latin typeface="Calibri"/>
+                <a:ea typeface="Calibri"/>
+                <a:cs typeface="Calibri"/>
+                <a:sym typeface="Calibri"/>
               </a:rPr>
-              <a:t>hcp4715/hddm:tutorial</a:t>
+              <a:t>hcp4715/hddm:0.8_tutorial</a:t>
             </a:r>
             <a:r>
-              <a:rPr lang="en" sz="1200" dirty="0">
+              <a:rPr lang="en" sz="1500" dirty="0">
                 <a:solidFill>
                   <a:schemeClr val="dk1"/>
                 </a:solidFill>
-                <a:latin typeface="Times New Roman"/>
-                <a:ea typeface="Times New Roman"/>
-                <a:cs typeface="Times New Roman"/>
-                <a:sym typeface="Times New Roman"/>
+                <a:latin typeface="Calibri"/>
+                <a:ea typeface="Calibri"/>
+                <a:cs typeface="Calibri"/>
+                <a:sym typeface="Calibri"/>
               </a:rPr>
               <a:t> </a:t>
             </a:r>
             <a:r>
-              <a:rPr lang="en" sz="1200" dirty="0">
+              <a:rPr lang="en" sz="1500" dirty="0" err="1">
                 <a:solidFill>
                   <a:schemeClr val="dk1"/>
                 </a:solidFill>
                 <a:highlight>
                   <a:srgbClr val="B4A7D6"/>
                 </a:highlight>
-                <a:latin typeface="Times New Roman"/>
-                <a:ea typeface="Times New Roman"/>
-                <a:cs typeface="Times New Roman"/>
-                <a:sym typeface="Times New Roman"/>
+                <a:latin typeface="Calibri"/>
+                <a:ea typeface="Calibri"/>
+                <a:cs typeface="Calibri"/>
+                <a:sym typeface="Calibri"/>
               </a:rPr>
-              <a:t>jupyter notebook</a:t>
+              <a:t>jupyter</a:t>
             </a:r>
-            <a:endParaRPr dirty="0"/>
+            <a:r>
+              <a:rPr lang="en" sz="1500" dirty="0">
+                <a:solidFill>
+                  <a:schemeClr val="dk1"/>
+                </a:solidFill>
+                <a:highlight>
+                  <a:srgbClr val="B4A7D6"/>
+                </a:highlight>
+                <a:latin typeface="Calibri"/>
+                <a:ea typeface="Calibri"/>
+                <a:cs typeface="Calibri"/>
+                <a:sym typeface="Calibri"/>
+              </a:rPr>
+              <a:t> notebook</a:t>
+            </a:r>
+            <a:endParaRPr sz="1500" dirty="0">
+              <a:latin typeface="Calibri"/>
+              <a:ea typeface="Calibri"/>
+              <a:cs typeface="Calibri"/>
+              <a:sym typeface="Calibri"/>
+            </a:endParaRPr>
           </a:p>
         </p:txBody>
       </p:sp>
@@ -6955,9 +6258,9 @@
           <p:nvPr/>
         </p:nvCxnSpPr>
         <p:spPr>
-          <a:xfrm flipH="1" flipV="1">
-            <a:off x="600396" y="559684"/>
-            <a:ext cx="18408" cy="2256560"/>
+          <a:xfrm flipV="1">
+            <a:off x="846031" y="507700"/>
+            <a:ext cx="0" cy="2552400"/>
           </a:xfrm>
           <a:prstGeom prst="straightConnector1">
             <a:avLst/>
@@ -6984,8 +6287,8 @@
         </p:nvCxnSpPr>
         <p:spPr>
           <a:xfrm>
-            <a:off x="600396" y="562839"/>
-            <a:ext cx="4428804" cy="0"/>
+            <a:off x="846033" y="517912"/>
+            <a:ext cx="5725423" cy="0"/>
           </a:xfrm>
           <a:prstGeom prst="straightConnector1">
             <a:avLst/>
@@ -7010,8 +6313,8 @@
         </p:nvSpPr>
         <p:spPr>
           <a:xfrm>
-            <a:off x="5257800" y="292059"/>
-            <a:ext cx="3000000" cy="507801"/>
+            <a:off x="6673106" y="307977"/>
+            <a:ext cx="3000000" cy="400079"/>
           </a:xfrm>
           <a:prstGeom prst="rect">
             <a:avLst/>
@@ -7027,18 +6330,6 @@
           </a:bodyPr>
           <a:lstStyle/>
           <a:p>
-            <a:pPr marL="0" lvl="0" indent="0" algn="l" rtl="0">
-              <a:lnSpc>
-                <a:spcPct val="150000"/>
-              </a:lnSpc>
-              <a:spcBef>
-                <a:spcPts val="0"/>
-              </a:spcBef>
-              <a:spcAft>
-                <a:spcPts val="0"/>
-              </a:spcAft>
-              <a:buNone/>
-            </a:pPr>
             <a:r>
               <a:rPr lang="en" dirty="0">
                 <a:solidFill>
@@ -7051,7 +6342,7 @@
               </a:rPr>
               <a:t>Use docker to run a container</a:t>
             </a:r>
-            <a:endParaRPr sz="1600" dirty="0">
+            <a:endParaRPr dirty="0">
               <a:solidFill>
                 <a:srgbClr val="CC4125"/>
               </a:solidFill>
@@ -7068,9 +6359,9 @@
           <p:nvPr/>
         </p:nvCxnSpPr>
         <p:spPr>
-          <a:xfrm flipH="1" flipV="1">
-            <a:off x="1270500" y="928800"/>
-            <a:ext cx="9249" cy="1923596"/>
+          <a:xfrm flipV="1">
+            <a:off x="1700356" y="980077"/>
+            <a:ext cx="0" cy="2071101"/>
           </a:xfrm>
           <a:prstGeom prst="straightConnector1">
             <a:avLst/>
@@ -7097,8 +6388,8 @@
         </p:nvCxnSpPr>
         <p:spPr>
           <a:xfrm>
-            <a:off x="1260275" y="928800"/>
-            <a:ext cx="3768925" cy="0"/>
+            <a:off x="1688808" y="984750"/>
+            <a:ext cx="4882649" cy="0"/>
           </a:xfrm>
           <a:prstGeom prst="straightConnector1">
             <a:avLst/>
@@ -7123,8 +6414,8 @@
         </p:nvSpPr>
         <p:spPr>
           <a:xfrm>
-            <a:off x="5264200" y="629421"/>
-            <a:ext cx="3733800" cy="584745"/>
+            <a:off x="6673105" y="687577"/>
+            <a:ext cx="3966195" cy="615523"/>
           </a:xfrm>
           <a:prstGeom prst="rect">
             <a:avLst/>
@@ -7140,17 +6431,8 @@
           </a:bodyPr>
           <a:lstStyle/>
           <a:p>
-            <a:pPr marL="0" lvl="0" indent="0" algn="l" rtl="0">
-              <a:spcBef>
-                <a:spcPts val="0"/>
-              </a:spcBef>
-              <a:spcAft>
-                <a:spcPts val="0"/>
-              </a:spcAft>
-              <a:buNone/>
-            </a:pPr>
             <a:r>
-              <a:rPr lang="en" sz="1300" dirty="0">
+              <a:rPr lang="en" dirty="0">
                 <a:solidFill>
                   <a:srgbClr val="EA9999"/>
                 </a:solidFill>
@@ -7159,9 +6441,9 @@
                 <a:cs typeface="Times New Roman"/>
                 <a:sym typeface="Times New Roman"/>
               </a:rPr>
-              <a:t>Run container interactively &amp; clean up the container and remove the file system when the container exits.</a:t>
+              <a:t>Run container interactively &amp; clean up the container and remove files when the container exits.</a:t>
             </a:r>
-            <a:endParaRPr sz="1500" dirty="0">
+            <a:endParaRPr dirty="0">
               <a:solidFill>
                 <a:srgbClr val="EA9999"/>
               </a:solidFill>
@@ -7172,13 +6454,15 @@
       <p:cxnSp>
         <p:nvCxnSpPr>
           <p:cNvPr id="88" name="Google Shape;88;p15"/>
-          <p:cNvCxnSpPr/>
+          <p:cNvCxnSpPr>
+            <a:cxnSpLocks/>
+          </p:cNvCxnSpPr>
           <p:nvPr/>
         </p:nvCxnSpPr>
         <p:spPr>
-          <a:xfrm rot="10800000">
-            <a:off x="1676400" y="1371600"/>
-            <a:ext cx="0" cy="1447800"/>
+          <a:xfrm flipV="1">
+            <a:off x="2113755" y="1434899"/>
+            <a:ext cx="0" cy="1627200"/>
           </a:xfrm>
           <a:prstGeom prst="straightConnector1">
             <a:avLst/>
@@ -7198,13 +6482,15 @@
       <p:cxnSp>
         <p:nvCxnSpPr>
           <p:cNvPr id="89" name="Google Shape;89;p15"/>
-          <p:cNvCxnSpPr/>
+          <p:cNvCxnSpPr>
+            <a:cxnSpLocks/>
+          </p:cNvCxnSpPr>
           <p:nvPr/>
         </p:nvCxnSpPr>
         <p:spPr>
-          <a:xfrm rot="10800000" flipH="1">
-            <a:off x="1676400" y="1371600"/>
-            <a:ext cx="3352800" cy="17100"/>
+          <a:xfrm>
+            <a:off x="2113758" y="1450975"/>
+            <a:ext cx="4457699" cy="0"/>
           </a:xfrm>
           <a:prstGeom prst="straightConnector1">
             <a:avLst/>
@@ -7229,8 +6515,8 @@
         </p:nvSpPr>
         <p:spPr>
           <a:xfrm>
-            <a:off x="5282725" y="1127909"/>
-            <a:ext cx="3228600" cy="484718"/>
+            <a:off x="6673105" y="1251976"/>
+            <a:ext cx="3733799" cy="400079"/>
           </a:xfrm>
           <a:prstGeom prst="rect">
             <a:avLst/>
@@ -7246,20 +6532,8 @@
           </a:bodyPr>
           <a:lstStyle/>
           <a:p>
-            <a:pPr marL="0" lvl="0" indent="0" algn="l" rtl="0">
-              <a:lnSpc>
-                <a:spcPct val="150000"/>
-              </a:lnSpc>
-              <a:spcBef>
-                <a:spcPts val="0"/>
-              </a:spcBef>
-              <a:spcAft>
-                <a:spcPts val="0"/>
-              </a:spcAft>
-              <a:buNone/>
-            </a:pPr>
             <a:r>
-              <a:rPr lang="en" sz="1300" dirty="0">
+              <a:rPr lang="en" dirty="0">
                 <a:solidFill>
                   <a:srgbClr val="E69138"/>
                 </a:solidFill>
@@ -7270,7 +6544,7 @@
               </a:rPr>
               <a:t>Volume, mount a local folder in the container</a:t>
             </a:r>
-            <a:endParaRPr sz="1500" dirty="0">
+            <a:endParaRPr dirty="0">
               <a:solidFill>
                 <a:srgbClr val="E69138"/>
               </a:solidFill>
@@ -7281,13 +6555,15 @@
       <p:cxnSp>
         <p:nvCxnSpPr>
           <p:cNvPr id="91" name="Google Shape;91;p15"/>
-          <p:cNvCxnSpPr/>
+          <p:cNvCxnSpPr>
+            <a:cxnSpLocks/>
+          </p:cNvCxnSpPr>
           <p:nvPr/>
         </p:nvCxnSpPr>
         <p:spPr>
-          <a:xfrm rot="10800000">
-            <a:off x="2362200" y="1752600"/>
-            <a:ext cx="0" cy="1066800"/>
+          <a:xfrm flipV="1">
+            <a:off x="3371056" y="1806115"/>
+            <a:ext cx="0" cy="1249200"/>
           </a:xfrm>
           <a:prstGeom prst="straightConnector1">
             <a:avLst/>
@@ -7307,13 +6583,15 @@
       <p:cxnSp>
         <p:nvCxnSpPr>
           <p:cNvPr id="92" name="Google Shape;92;p15"/>
-          <p:cNvCxnSpPr/>
+          <p:cNvCxnSpPr>
+            <a:cxnSpLocks/>
+          </p:cNvCxnSpPr>
           <p:nvPr/>
         </p:nvCxnSpPr>
         <p:spPr>
-          <a:xfrm rot="10800000" flipH="1">
-            <a:off x="2362200" y="1756425"/>
-            <a:ext cx="2667000" cy="17100"/>
+          <a:xfrm>
+            <a:off x="3371058" y="1815641"/>
+            <a:ext cx="3200399" cy="0"/>
           </a:xfrm>
           <a:prstGeom prst="straightConnector1">
             <a:avLst/>
@@ -7338,8 +6616,8 @@
         </p:nvSpPr>
         <p:spPr>
           <a:xfrm>
-            <a:off x="5282725" y="1522668"/>
-            <a:ext cx="3228600" cy="484718"/>
+            <a:off x="6673105" y="1616276"/>
+            <a:ext cx="3733793" cy="400079"/>
           </a:xfrm>
           <a:prstGeom prst="rect">
             <a:avLst/>
@@ -7355,20 +6633,8 @@
           </a:bodyPr>
           <a:lstStyle/>
           <a:p>
-            <a:pPr marL="0" lvl="0" indent="0" algn="l" rtl="0">
-              <a:lnSpc>
-                <a:spcPct val="150000"/>
-              </a:lnSpc>
-              <a:spcBef>
-                <a:spcPts val="0"/>
-              </a:spcBef>
-              <a:spcAft>
-                <a:spcPts val="0"/>
-              </a:spcAft>
-              <a:buNone/>
-            </a:pPr>
             <a:r>
-              <a:rPr lang="en" sz="1300" dirty="0">
+              <a:rPr lang="en" dirty="0">
                 <a:solidFill>
                   <a:srgbClr val="F6B26B"/>
                 </a:solidFill>
@@ -7379,7 +6645,7 @@
               </a:rPr>
               <a:t>Source of the mount, typically a local folder</a:t>
             </a:r>
-            <a:endParaRPr sz="1500" dirty="0">
+            <a:endParaRPr dirty="0">
               <a:solidFill>
                 <a:srgbClr val="F6B26B"/>
               </a:solidFill>
@@ -7390,13 +6656,15 @@
       <p:cxnSp>
         <p:nvCxnSpPr>
           <p:cNvPr id="94" name="Google Shape;94;p15"/>
-          <p:cNvCxnSpPr/>
+          <p:cNvCxnSpPr>
+            <a:cxnSpLocks/>
+          </p:cNvCxnSpPr>
           <p:nvPr/>
         </p:nvCxnSpPr>
         <p:spPr>
-          <a:xfrm rot="10800000">
-            <a:off x="3886200" y="2362200"/>
-            <a:ext cx="0" cy="457200"/>
+          <a:xfrm flipV="1">
+            <a:off x="5357019" y="2537328"/>
+            <a:ext cx="0" cy="522775"/>
           </a:xfrm>
           <a:prstGeom prst="straightConnector1">
             <a:avLst/>
@@ -7416,13 +6684,15 @@
       <p:cxnSp>
         <p:nvCxnSpPr>
           <p:cNvPr id="95" name="Google Shape;95;p15"/>
-          <p:cNvCxnSpPr/>
+          <p:cNvCxnSpPr>
+            <a:cxnSpLocks/>
+          </p:cNvCxnSpPr>
           <p:nvPr/>
         </p:nvCxnSpPr>
         <p:spPr>
           <a:xfrm>
-            <a:off x="3886200" y="2362200"/>
-            <a:ext cx="1118100" cy="0"/>
+            <a:off x="5357022" y="2547938"/>
+            <a:ext cx="1214435" cy="0"/>
           </a:xfrm>
           <a:prstGeom prst="straightConnector1">
             <a:avLst/>
@@ -7447,8 +6717,8 @@
         </p:nvSpPr>
         <p:spPr>
           <a:xfrm>
-            <a:off x="5282700" y="2116074"/>
-            <a:ext cx="3533400" cy="484718"/>
+            <a:off x="6673106" y="2344876"/>
+            <a:ext cx="4041508" cy="400079"/>
           </a:xfrm>
           <a:prstGeom prst="rect">
             <a:avLst/>
@@ -7464,20 +6734,8 @@
           </a:bodyPr>
           <a:lstStyle/>
           <a:p>
-            <a:pPr marL="0" lvl="0" indent="0" algn="l" rtl="0">
-              <a:lnSpc>
-                <a:spcPct val="150000"/>
-              </a:lnSpc>
-              <a:spcBef>
-                <a:spcPts val="0"/>
-              </a:spcBef>
-              <a:spcAft>
-                <a:spcPts val="0"/>
-              </a:spcAft>
-              <a:buNone/>
-            </a:pPr>
             <a:r>
-              <a:rPr lang="en" sz="1300" dirty="0">
+              <a:rPr lang="en" dirty="0">
                 <a:solidFill>
                   <a:srgbClr val="F1C232"/>
                 </a:solidFill>
@@ -7488,7 +6746,7 @@
               </a:rPr>
               <a:t>Destination of the mount, a folder in the container</a:t>
             </a:r>
-            <a:endParaRPr sz="1500" dirty="0">
+            <a:endParaRPr dirty="0">
               <a:solidFill>
                 <a:srgbClr val="F1C232"/>
               </a:solidFill>
@@ -7499,13 +6757,15 @@
       <p:cxnSp>
         <p:nvCxnSpPr>
           <p:cNvPr id="97" name="Google Shape;97;p15"/>
-          <p:cNvCxnSpPr/>
+          <p:cNvCxnSpPr>
+            <a:cxnSpLocks/>
+          </p:cNvCxnSpPr>
           <p:nvPr/>
         </p:nvCxnSpPr>
         <p:spPr>
-          <a:xfrm rot="10800000">
-            <a:off x="3581400" y="2057400"/>
-            <a:ext cx="0" cy="762000"/>
+          <a:xfrm flipV="1">
+            <a:off x="4628356" y="2163499"/>
+            <a:ext cx="0" cy="892800"/>
           </a:xfrm>
           <a:prstGeom prst="straightConnector1">
             <a:avLst/>
@@ -7525,13 +6785,15 @@
       <p:cxnSp>
         <p:nvCxnSpPr>
           <p:cNvPr id="98" name="Google Shape;98;p15"/>
-          <p:cNvCxnSpPr/>
+          <p:cNvCxnSpPr>
+            <a:cxnSpLocks/>
+          </p:cNvCxnSpPr>
           <p:nvPr/>
         </p:nvCxnSpPr>
         <p:spPr>
           <a:xfrm>
-            <a:off x="3581400" y="2061300"/>
-            <a:ext cx="1447800" cy="0"/>
+            <a:off x="4628356" y="2173025"/>
+            <a:ext cx="1943098" cy="0"/>
           </a:xfrm>
           <a:prstGeom prst="straightConnector1">
             <a:avLst/>
@@ -7556,8 +6818,8 @@
         </p:nvSpPr>
         <p:spPr>
           <a:xfrm>
-            <a:off x="5282700" y="1821427"/>
-            <a:ext cx="3733800" cy="484718"/>
+            <a:off x="6673106" y="1980576"/>
+            <a:ext cx="4041509" cy="400079"/>
           </a:xfrm>
           <a:prstGeom prst="rect">
             <a:avLst/>
@@ -7573,20 +6835,8 @@
           </a:bodyPr>
           <a:lstStyle/>
           <a:p>
-            <a:pPr marL="0" lvl="0" indent="0" algn="l" rtl="0">
-              <a:lnSpc>
-                <a:spcPct val="150000"/>
-              </a:lnSpc>
-              <a:spcBef>
-                <a:spcPts val="0"/>
-              </a:spcBef>
-              <a:spcAft>
-                <a:spcPts val="0"/>
-              </a:spcAft>
-              <a:buNone/>
-            </a:pPr>
             <a:r>
-              <a:rPr lang="en" sz="1300" dirty="0">
+              <a:rPr lang="en" dirty="0">
                 <a:solidFill>
                   <a:srgbClr val="666666"/>
                 </a:solidFill>
@@ -7597,7 +6847,7 @@
               </a:rPr>
               <a:t>Separator between source &amp; destination of the mount</a:t>
             </a:r>
-            <a:endParaRPr sz="1500" dirty="0">
+            <a:endParaRPr dirty="0">
               <a:solidFill>
                 <a:srgbClr val="666666"/>
               </a:solidFill>
@@ -7615,8 +6865,8 @@
         </p:nvCxnSpPr>
         <p:spPr>
           <a:xfrm flipV="1">
-            <a:off x="609600" y="3581400"/>
-            <a:ext cx="0" cy="1073727"/>
+            <a:off x="818356" y="3824423"/>
+            <a:ext cx="0" cy="1479600"/>
           </a:xfrm>
           <a:prstGeom prst="straightConnector1">
             <a:avLst/>
@@ -7643,8 +6893,8 @@
         </p:nvCxnSpPr>
         <p:spPr>
           <a:xfrm>
-            <a:off x="609600" y="4655127"/>
-            <a:ext cx="4343400" cy="0"/>
+            <a:off x="818356" y="5289550"/>
+            <a:ext cx="5753098" cy="0"/>
           </a:xfrm>
           <a:prstGeom prst="straightConnector1">
             <a:avLst/>
@@ -7669,8 +6919,8 @@
         </p:nvSpPr>
         <p:spPr>
           <a:xfrm>
-            <a:off x="5282725" y="4412768"/>
-            <a:ext cx="3733800" cy="484718"/>
+            <a:off x="6673108" y="5089525"/>
+            <a:ext cx="3457573" cy="400079"/>
           </a:xfrm>
           <a:prstGeom prst="rect">
             <a:avLst/>
@@ -7686,20 +6936,8 @@
           </a:bodyPr>
           <a:lstStyle/>
           <a:p>
-            <a:pPr marL="0" lvl="0" indent="0" algn="l" rtl="0">
-              <a:lnSpc>
-                <a:spcPct val="150000"/>
-              </a:lnSpc>
-              <a:spcBef>
-                <a:spcPts val="0"/>
-              </a:spcBef>
-              <a:spcAft>
-                <a:spcPts val="0"/>
-              </a:spcAft>
-              <a:buNone/>
-            </a:pPr>
             <a:r>
-              <a:rPr lang="en" sz="1300" dirty="0">
+              <a:rPr lang="en" dirty="0">
                 <a:solidFill>
                   <a:srgbClr val="76A5AF"/>
                 </a:solidFill>
@@ -7710,7 +6948,7 @@
               </a:rPr>
               <a:t>Container's port</a:t>
             </a:r>
-            <a:endParaRPr sz="1500" dirty="0">
+            <a:endParaRPr dirty="0">
               <a:solidFill>
                 <a:srgbClr val="76A5AF"/>
               </a:solidFill>
@@ -7721,13 +6959,15 @@
       <p:cxnSp>
         <p:nvCxnSpPr>
           <p:cNvPr id="103" name="Google Shape;103;p15"/>
-          <p:cNvCxnSpPr/>
+          <p:cNvCxnSpPr>
+            <a:cxnSpLocks/>
+          </p:cNvCxnSpPr>
           <p:nvPr/>
         </p:nvCxnSpPr>
         <p:spPr>
-          <a:xfrm rot="10800000">
-            <a:off x="1279749" y="3565502"/>
-            <a:ext cx="0" cy="762000"/>
+          <a:xfrm flipV="1">
+            <a:off x="1342231" y="3824425"/>
+            <a:ext cx="0" cy="1054800"/>
           </a:xfrm>
           <a:prstGeom prst="straightConnector1">
             <a:avLst/>
@@ -7754,8 +6994,8 @@
         </p:nvCxnSpPr>
         <p:spPr>
           <a:xfrm>
-            <a:off x="1270500" y="4343400"/>
-            <a:ext cx="3682500" cy="0"/>
+            <a:off x="1332706" y="4870450"/>
+            <a:ext cx="5238748" cy="0"/>
           </a:xfrm>
           <a:prstGeom prst="straightConnector1">
             <a:avLst/>
@@ -7780,8 +7020,8 @@
         </p:nvSpPr>
         <p:spPr>
           <a:xfrm>
-            <a:off x="5257800" y="4101041"/>
-            <a:ext cx="3733800" cy="484718"/>
+            <a:off x="6673107" y="4678000"/>
+            <a:ext cx="3733800" cy="400079"/>
           </a:xfrm>
           <a:prstGeom prst="rect">
             <a:avLst/>
@@ -7797,20 +7037,8 @@
           </a:bodyPr>
           <a:lstStyle/>
           <a:p>
-            <a:pPr marL="0" lvl="0" indent="0" algn="l" rtl="0">
-              <a:lnSpc>
-                <a:spcPct val="150000"/>
-              </a:lnSpc>
-              <a:spcBef>
-                <a:spcPts val="0"/>
-              </a:spcBef>
-              <a:spcAft>
-                <a:spcPts val="0"/>
-              </a:spcAft>
-              <a:buNone/>
-            </a:pPr>
             <a:r>
-              <a:rPr lang="en" sz="1300" dirty="0">
+              <a:rPr lang="en" dirty="0">
                 <a:solidFill>
                   <a:srgbClr val="3C78D8"/>
                 </a:solidFill>
@@ -7819,10 +7047,34 @@
                 <a:cs typeface="Times New Roman"/>
                 <a:sym typeface="Times New Roman"/>
               </a:rPr>
-              <a:t>The port format is “hostPort:containerPort” </a:t>
+              <a:t>The port format is “</a:t>
             </a:r>
             <a:r>
-              <a:rPr lang="en" sz="1300" baseline="30000" dirty="0">
+              <a:rPr lang="en" dirty="0" err="1">
+                <a:solidFill>
+                  <a:srgbClr val="3C78D8"/>
+                </a:solidFill>
+                <a:latin typeface="Times New Roman"/>
+                <a:ea typeface="Times New Roman"/>
+                <a:cs typeface="Times New Roman"/>
+                <a:sym typeface="Times New Roman"/>
+              </a:rPr>
+              <a:t>hostPort:containerPort</a:t>
+            </a:r>
+            <a:r>
+              <a:rPr lang="en" dirty="0">
+                <a:solidFill>
+                  <a:srgbClr val="3C78D8"/>
+                </a:solidFill>
+                <a:latin typeface="Times New Roman"/>
+                <a:ea typeface="Times New Roman"/>
+                <a:cs typeface="Times New Roman"/>
+                <a:sym typeface="Times New Roman"/>
+              </a:rPr>
+              <a:t>” </a:t>
+            </a:r>
+            <a:r>
+              <a:rPr lang="en" baseline="30000" dirty="0">
                 <a:solidFill>
                   <a:srgbClr val="3C78D8"/>
                 </a:solidFill>
@@ -7833,7 +7085,7 @@
               </a:rPr>
               <a:t>#</a:t>
             </a:r>
-            <a:endParaRPr sz="1300" baseline="30000" dirty="0">
+            <a:endParaRPr baseline="30000" dirty="0">
               <a:solidFill>
                 <a:srgbClr val="3C78D8"/>
               </a:solidFill>
@@ -7848,13 +7100,15 @@
       <p:cxnSp>
         <p:nvCxnSpPr>
           <p:cNvPr id="106" name="Google Shape;106;p15"/>
-          <p:cNvCxnSpPr/>
+          <p:cNvCxnSpPr>
+            <a:cxnSpLocks/>
+          </p:cNvCxnSpPr>
           <p:nvPr/>
         </p:nvCxnSpPr>
         <p:spPr>
-          <a:xfrm rot="10800000">
-            <a:off x="1704108" y="3581400"/>
-            <a:ext cx="0" cy="457200"/>
+          <a:xfrm flipV="1">
+            <a:off x="2485231" y="3824425"/>
+            <a:ext cx="0" cy="641214"/>
           </a:xfrm>
           <a:prstGeom prst="straightConnector1">
             <a:avLst/>
@@ -7881,8 +7135,8 @@
         </p:nvCxnSpPr>
         <p:spPr>
           <a:xfrm>
-            <a:off x="1704108" y="4034700"/>
-            <a:ext cx="3248892" cy="0"/>
+            <a:off x="2475707" y="4458925"/>
+            <a:ext cx="4095748" cy="0"/>
           </a:xfrm>
           <a:prstGeom prst="straightConnector1">
             <a:avLst/>
@@ -7907,8 +7161,8 @@
         </p:nvSpPr>
         <p:spPr>
           <a:xfrm>
-            <a:off x="5257800" y="3792341"/>
-            <a:ext cx="3733800" cy="484718"/>
+            <a:off x="6673107" y="4266475"/>
+            <a:ext cx="4126656" cy="400079"/>
           </a:xfrm>
           <a:prstGeom prst="rect">
             <a:avLst/>
@@ -7924,20 +7178,8 @@
           </a:bodyPr>
           <a:lstStyle/>
           <a:p>
-            <a:pPr marL="0" lvl="0" indent="0" algn="l" rtl="0">
-              <a:lnSpc>
-                <a:spcPct val="150000"/>
-              </a:lnSpc>
-              <a:spcBef>
-                <a:spcPts val="0"/>
-              </a:spcBef>
-              <a:spcAft>
-                <a:spcPts val="0"/>
-              </a:spcAft>
-              <a:buNone/>
-            </a:pPr>
             <a:r>
-              <a:rPr lang="en" sz="1300" dirty="0">
+              <a:rPr lang="en" dirty="0">
                 <a:solidFill>
                   <a:srgbClr val="3D85C6"/>
                 </a:solidFill>
@@ -7948,7 +7190,7 @@
               </a:rPr>
               <a:t>The docker image (and its tag) to run the container</a:t>
             </a:r>
-            <a:endParaRPr sz="1300" baseline="30000" dirty="0">
+            <a:endParaRPr baseline="30000" dirty="0">
               <a:solidFill>
                 <a:srgbClr val="3D85C6"/>
               </a:solidFill>
@@ -7963,13 +7205,15 @@
       <p:cxnSp>
         <p:nvCxnSpPr>
           <p:cNvPr id="109" name="Google Shape;109;p15"/>
-          <p:cNvCxnSpPr/>
+          <p:cNvCxnSpPr>
+            <a:cxnSpLocks/>
+          </p:cNvCxnSpPr>
           <p:nvPr/>
         </p:nvCxnSpPr>
         <p:spPr>
-          <a:xfrm rot="10800000">
-            <a:off x="3563938" y="3563718"/>
-            <a:ext cx="0" cy="148500"/>
+          <a:xfrm flipV="1">
+            <a:off x="4656931" y="3833949"/>
+            <a:ext cx="0" cy="226800"/>
           </a:xfrm>
           <a:prstGeom prst="straightConnector1">
             <a:avLst/>
@@ -7996,8 +7240,8 @@
         </p:nvCxnSpPr>
         <p:spPr>
           <a:xfrm>
-            <a:off x="3563937" y="3729900"/>
-            <a:ext cx="1389063" cy="0"/>
+            <a:off x="4647408" y="4047400"/>
+            <a:ext cx="1924049" cy="0"/>
           </a:xfrm>
           <a:prstGeom prst="straightConnector1">
             <a:avLst/>
@@ -8022,8 +7266,8 @@
         </p:nvSpPr>
         <p:spPr>
           <a:xfrm>
-            <a:off x="5264200" y="3487541"/>
-            <a:ext cx="3733800" cy="484718"/>
+            <a:off x="6673107" y="3854950"/>
+            <a:ext cx="3733800" cy="400079"/>
           </a:xfrm>
           <a:prstGeom prst="rect">
             <a:avLst/>
@@ -8039,20 +7283,8 @@
           </a:bodyPr>
           <a:lstStyle/>
           <a:p>
-            <a:pPr marL="0" lvl="0" indent="0" algn="l" rtl="0">
-              <a:lnSpc>
-                <a:spcPct val="150000"/>
-              </a:lnSpc>
-              <a:spcBef>
-                <a:spcPts val="0"/>
-              </a:spcBef>
-              <a:spcAft>
-                <a:spcPts val="0"/>
-              </a:spcAft>
-              <a:buNone/>
-            </a:pPr>
             <a:r>
-              <a:rPr lang="en" sz="1300" dirty="0">
+              <a:rPr lang="en" dirty="0">
                 <a:solidFill>
                   <a:srgbClr val="8E7CC3"/>
                 </a:solidFill>
@@ -8061,9 +7293,33 @@
                 <a:cs typeface="Times New Roman"/>
                 <a:sym typeface="Times New Roman"/>
               </a:rPr>
-              <a:t>Open jupyter notebook</a:t>
+              <a:t>Open </a:t>
             </a:r>
-            <a:endParaRPr sz="1300" baseline="30000" dirty="0">
+            <a:r>
+              <a:rPr lang="en" dirty="0" err="1">
+                <a:solidFill>
+                  <a:srgbClr val="8E7CC3"/>
+                </a:solidFill>
+                <a:latin typeface="Times New Roman"/>
+                <a:ea typeface="Times New Roman"/>
+                <a:cs typeface="Times New Roman"/>
+                <a:sym typeface="Times New Roman"/>
+              </a:rPr>
+              <a:t>jupyter</a:t>
+            </a:r>
+            <a:r>
+              <a:rPr lang="en" dirty="0">
+                <a:solidFill>
+                  <a:srgbClr val="8E7CC3"/>
+                </a:solidFill>
+                <a:latin typeface="Times New Roman"/>
+                <a:ea typeface="Times New Roman"/>
+                <a:cs typeface="Times New Roman"/>
+                <a:sym typeface="Times New Roman"/>
+              </a:rPr>
+              <a:t> notebook</a:t>
+            </a:r>
+            <a:endParaRPr baseline="30000" dirty="0">
               <a:solidFill>
                 <a:srgbClr val="8E7CC3"/>
               </a:solidFill>
@@ -8083,7 +7339,7 @@
         </p:nvCxnSpPr>
         <p:spPr>
           <a:xfrm rot="10800000">
-            <a:off x="4876800" y="2667000"/>
+            <a:off x="6333331" y="2898775"/>
             <a:ext cx="0" cy="152400"/>
           </a:xfrm>
           <a:prstGeom prst="straightConnector1">
@@ -8104,13 +7360,15 @@
       <p:cxnSp>
         <p:nvCxnSpPr>
           <p:cNvPr id="113" name="Google Shape;113;p15"/>
-          <p:cNvCxnSpPr/>
+          <p:cNvCxnSpPr>
+            <a:cxnSpLocks/>
+          </p:cNvCxnSpPr>
           <p:nvPr/>
         </p:nvCxnSpPr>
         <p:spPr>
           <a:xfrm>
-            <a:off x="4876800" y="2667000"/>
-            <a:ext cx="152400" cy="0"/>
+            <a:off x="6323806" y="2898775"/>
+            <a:ext cx="247648" cy="0"/>
           </a:xfrm>
           <a:prstGeom prst="straightConnector1">
             <a:avLst/>
@@ -8135,8 +7393,8 @@
         </p:nvSpPr>
         <p:spPr>
           <a:xfrm>
-            <a:off x="5285166" y="2420874"/>
-            <a:ext cx="3733800" cy="484718"/>
+            <a:off x="6673107" y="2709175"/>
+            <a:ext cx="3733800" cy="400079"/>
           </a:xfrm>
           <a:prstGeom prst="rect">
             <a:avLst/>
@@ -8152,20 +7410,8 @@
           </a:bodyPr>
           <a:lstStyle/>
           <a:p>
-            <a:pPr marL="0" lvl="0" indent="0" algn="l" rtl="0">
-              <a:lnSpc>
-                <a:spcPct val="150000"/>
-              </a:lnSpc>
-              <a:spcBef>
-                <a:spcPts val="0"/>
-              </a:spcBef>
-              <a:spcAft>
-                <a:spcPts val="0"/>
-              </a:spcAft>
-              <a:buNone/>
-            </a:pPr>
             <a:r>
-              <a:rPr lang="en" sz="1300" dirty="0">
+              <a:rPr lang="en" dirty="0">
                 <a:solidFill>
                   <a:srgbClr val="666666"/>
                 </a:solidFill>
@@ -8177,7 +7423,7 @@
               <a:t>Continue the command in a new line</a:t>
             </a:r>
             <a:r>
-              <a:rPr lang="en" sz="1300" baseline="30000" dirty="0">
+              <a:rPr lang="en" baseline="30000" dirty="0">
                 <a:solidFill>
                   <a:srgbClr val="666666"/>
                 </a:solidFill>
@@ -8188,7 +7434,7 @@
               </a:rPr>
               <a:t>*</a:t>
             </a:r>
-            <a:endParaRPr sz="1500" baseline="30000" dirty="0">
+            <a:endParaRPr baseline="30000" dirty="0">
               <a:solidFill>
                 <a:srgbClr val="666666"/>
               </a:solidFill>
